--- a/presentations/aIc-CoDa-2022.pptx
+++ b/presentations/aIc-CoDa-2022.pptx
@@ -5,7 +5,7 @@
     <p:sldMasterId id="2147483648" r:id="rId1"/>
   </p:sldMasterIdLst>
   <p:notesMasterIdLst>
-    <p:notesMasterId r:id="rId17"/>
+    <p:notesMasterId r:id="rId18"/>
   </p:notesMasterIdLst>
   <p:sldIdLst>
     <p:sldId id="256" r:id="rId2"/>
@@ -15,14 +15,15 @@
     <p:sldId id="260" r:id="rId6"/>
     <p:sldId id="270" r:id="rId7"/>
     <p:sldId id="261" r:id="rId8"/>
-    <p:sldId id="265" r:id="rId9"/>
-    <p:sldId id="266" r:id="rId10"/>
-    <p:sldId id="267" r:id="rId11"/>
-    <p:sldId id="262" r:id="rId12"/>
-    <p:sldId id="264" r:id="rId13"/>
-    <p:sldId id="263" r:id="rId14"/>
-    <p:sldId id="271" r:id="rId15"/>
-    <p:sldId id="269" r:id="rId16"/>
+    <p:sldId id="267" r:id="rId9"/>
+    <p:sldId id="273" r:id="rId10"/>
+    <p:sldId id="272" r:id="rId11"/>
+    <p:sldId id="274" r:id="rId12"/>
+    <p:sldId id="262" r:id="rId13"/>
+    <p:sldId id="264" r:id="rId14"/>
+    <p:sldId id="263" r:id="rId15"/>
+    <p:sldId id="271" r:id="rId16"/>
+    <p:sldId id="269" r:id="rId17"/>
   </p:sldIdLst>
   <p:sldSz cx="12192000" cy="6858000"/>
   <p:notesSz cx="6858000" cy="9144000"/>
@@ -175,6 +176,36 @@
           <inkml:channelProperty channel="F" name="resolution" value="0" units="1/dev"/>
         </inkml:channelProperties>
       </inkml:inkSource>
+      <inkml:timestamp xml:id="ts0" timeString="2022-06-23T17:45:40.598"/>
+    </inkml:context>
+    <inkml:brush xml:id="br0">
+      <inkml:brushProperty name="width" value="0.4" units="cm"/>
+      <inkml:brushProperty name="height" value="0.8" units="cm"/>
+      <inkml:brushProperty name="color" value="#FF2500"/>
+      <inkml:brushProperty name="tip" value="rectangle"/>
+      <inkml:brushProperty name="rasterOp" value="maskPen"/>
+    </inkml:brush>
+  </inkml:definitions>
+  <inkml:trace contextRef="#ctx0" brushRef="#br0">1 91 16383,'82'-7'0,"0"0"0,-13 2 0,-5 1 0,17-3 0,-24 3 0,-7 1 0,5-2 0,18-2 0,20-4 0,-42 5 0,0 0 0,42-4 0,-26 4 0,-30 4 0,-19 1 0,-1 1 0,0 0 0</inkml:trace>
+</inkml:ink>
+</file>
+
+<file path=ppt/ink/ink11.xml><?xml version="1.0" encoding="utf-8"?>
+<inkml:ink xmlns:inkml="http://www.w3.org/2003/InkML">
+  <inkml:definitions>
+    <inkml:context xml:id="ctx0">
+      <inkml:inkSource xml:id="inkSrc0">
+        <inkml:traceFormat>
+          <inkml:channel name="X" type="integer" min="-2.14748E9" max="2.14748E9" units="cm"/>
+          <inkml:channel name="Y" type="integer" min="-2.14748E9" max="2.14748E9" units="cm"/>
+          <inkml:channel name="F" type="integer" max="32767" units="dev"/>
+        </inkml:traceFormat>
+        <inkml:channelProperties>
+          <inkml:channelProperty channel="X" name="resolution" value="1000" units="1/cm"/>
+          <inkml:channelProperty channel="Y" name="resolution" value="1000" units="1/cm"/>
+          <inkml:channelProperty channel="F" name="resolution" value="0" units="1/dev"/>
+        </inkml:channelProperties>
+      </inkml:inkSource>
       <inkml:timestamp xml:id="ts0" timeString="2022-06-23T17:45:42.863"/>
     </inkml:context>
     <inkml:brush xml:id="br0">
@@ -189,7 +220,7 @@
 </inkml:ink>
 </file>
 
-<file path=ppt/ink/ink11.xml><?xml version="1.0" encoding="utf-8"?>
+<file path=ppt/ink/ink12.xml><?xml version="1.0" encoding="utf-8"?>
 <inkml:ink xmlns:inkml="http://www.w3.org/2003/InkML">
   <inkml:definitions>
     <inkml:context xml:id="ctx0">
@@ -219,7 +250,7 @@
 </inkml:ink>
 </file>
 
-<file path=ppt/ink/ink12.xml><?xml version="1.0" encoding="utf-8"?>
+<file path=ppt/ink/ink13.xml><?xml version="1.0" encoding="utf-8"?>
 <inkml:ink xmlns:inkml="http://www.w3.org/2003/InkML">
   <inkml:definitions>
     <inkml:context xml:id="ctx0">
@@ -249,7 +280,7 @@
 </inkml:ink>
 </file>
 
-<file path=ppt/ink/ink13.xml><?xml version="1.0" encoding="utf-8"?>
+<file path=ppt/ink/ink14.xml><?xml version="1.0" encoding="utf-8"?>
 <inkml:ink xmlns:inkml="http://www.w3.org/2003/InkML">
   <inkml:definitions>
     <inkml:context xml:id="ctx0">
@@ -279,7 +310,7 @@
 </inkml:ink>
 </file>
 
-<file path=ppt/ink/ink14.xml><?xml version="1.0" encoding="utf-8"?>
+<file path=ppt/ink/ink15.xml><?xml version="1.0" encoding="utf-8"?>
 <inkml:ink xmlns:inkml="http://www.w3.org/2003/InkML">
   <inkml:definitions>
     <inkml:context xml:id="ctx0">
@@ -309,7 +340,7 @@
 </inkml:ink>
 </file>
 
-<file path=ppt/ink/ink15.xml><?xml version="1.0" encoding="utf-8"?>
+<file path=ppt/ink/ink16.xml><?xml version="1.0" encoding="utf-8"?>
 <inkml:ink xmlns:inkml="http://www.w3.org/2003/InkML">
   <inkml:definitions>
     <inkml:context xml:id="ctx0">
@@ -339,7 +370,7 @@
 </inkml:ink>
 </file>
 
-<file path=ppt/ink/ink16.xml><?xml version="1.0" encoding="utf-8"?>
+<file path=ppt/ink/ink17.xml><?xml version="1.0" encoding="utf-8"?>
 <inkml:ink xmlns:inkml="http://www.w3.org/2003/InkML">
   <inkml:definitions>
     <inkml:context xml:id="ctx0">
@@ -369,7 +400,7 @@
 </inkml:ink>
 </file>
 
-<file path=ppt/ink/ink17.xml><?xml version="1.0" encoding="utf-8"?>
+<file path=ppt/ink/ink18.xml><?xml version="1.0" encoding="utf-8"?>
 <inkml:ink xmlns:inkml="http://www.w3.org/2003/InkML">
   <inkml:definitions>
     <inkml:context xml:id="ctx0">
@@ -399,7 +430,7 @@
 </inkml:ink>
 </file>
 
-<file path=ppt/ink/ink18.xml><?xml version="1.0" encoding="utf-8"?>
+<file path=ppt/ink/ink19.xml><?xml version="1.0" encoding="utf-8"?>
 <inkml:ink xmlns:inkml="http://www.w3.org/2003/InkML">
   <inkml:definitions>
     <inkml:context xml:id="ctx0">
@@ -426,36 +457,6 @@
     </inkml:brush>
   </inkml:definitions>
   <inkml:trace contextRef="#ctx0" brushRef="#br0">0 67 16383,'55'-1'0,"-1"0"0,20-1 0,0-1 0,-13 0 0,-1-1 0,13 0 0,0 0 0,-7 1 0,-3 0 0,-9 1 0,-1 0 0,0 0 0,0 1 0,0-1 0,2 1 0,6-2 0,1 1 0,6-2 0,0 1 0,-7-1 0,-3 0 0,25-1 0,-43 3 0,-30 1 0,-7 1 0</inkml:trace>
-</inkml:ink>
-</file>
-
-<file path=ppt/ink/ink19.xml><?xml version="1.0" encoding="utf-8"?>
-<inkml:ink xmlns:inkml="http://www.w3.org/2003/InkML">
-  <inkml:definitions>
-    <inkml:context xml:id="ctx0">
-      <inkml:inkSource xml:id="inkSrc0">
-        <inkml:traceFormat>
-          <inkml:channel name="X" type="integer" min="-2.14748E9" max="2.14748E9" units="cm"/>
-          <inkml:channel name="Y" type="integer" min="-2.14748E9" max="2.14748E9" units="cm"/>
-          <inkml:channel name="F" type="integer" max="32767" units="dev"/>
-        </inkml:traceFormat>
-        <inkml:channelProperties>
-          <inkml:channelProperty channel="X" name="resolution" value="1000" units="1/cm"/>
-          <inkml:channelProperty channel="Y" name="resolution" value="1000" units="1/cm"/>
-          <inkml:channelProperty channel="F" name="resolution" value="0" units="1/dev"/>
-        </inkml:channelProperties>
-      </inkml:inkSource>
-      <inkml:timestamp xml:id="ts0" timeString="2022-06-23T17:46:26.597"/>
-    </inkml:context>
-    <inkml:brush xml:id="br0">
-      <inkml:brushProperty name="width" value="0.4" units="cm"/>
-      <inkml:brushProperty name="height" value="0.8" units="cm"/>
-      <inkml:brushProperty name="color" value="#FF2500"/>
-      <inkml:brushProperty name="tip" value="rectangle"/>
-      <inkml:brushProperty name="rasterOp" value="maskPen"/>
-    </inkml:brush>
-  </inkml:definitions>
-  <inkml:trace contextRef="#ctx0" brushRef="#br0">1 223 16383,'83'-17'0,"0"1"0,1-1 0,10 0 0,2 0 0,2 0 0,-19 4 0,3 0 0,-2 0 0,-2 2 0,13-3 0,-2 2 0,-9 2 0,-2 2 0,-11 2 0,17 1 0,-29 3 0,-12 0 0,-13 1 0,-12 1 0,21-1 0,23-2 0,21 0 0,-3 0 0,-36 1 0,-24 2 0,-13 0 0,2 0 0</inkml:trace>
 </inkml:ink>
 </file>
 
@@ -505,6 +506,36 @@
           <inkml:channelProperty channel="F" name="resolution" value="0" units="1/dev"/>
         </inkml:channelProperties>
       </inkml:inkSource>
+      <inkml:timestamp xml:id="ts0" timeString="2022-06-23T17:46:26.597"/>
+    </inkml:context>
+    <inkml:brush xml:id="br0">
+      <inkml:brushProperty name="width" value="0.4" units="cm"/>
+      <inkml:brushProperty name="height" value="0.8" units="cm"/>
+      <inkml:brushProperty name="color" value="#FF2500"/>
+      <inkml:brushProperty name="tip" value="rectangle"/>
+      <inkml:brushProperty name="rasterOp" value="maskPen"/>
+    </inkml:brush>
+  </inkml:definitions>
+  <inkml:trace contextRef="#ctx0" brushRef="#br0">1 223 16383,'83'-17'0,"0"1"0,1-1 0,10 0 0,2 0 0,2 0 0,-19 4 0,3 0 0,-2 0 0,-2 2 0,13-3 0,-2 2 0,-9 2 0,-2 2 0,-11 2 0,17 1 0,-29 3 0,-12 0 0,-13 1 0,-12 1 0,21-1 0,23-2 0,21 0 0,-3 0 0,-36 1 0,-24 2 0,-13 0 0,2 0 0</inkml:trace>
+</inkml:ink>
+</file>
+
+<file path=ppt/ink/ink21.xml><?xml version="1.0" encoding="utf-8"?>
+<inkml:ink xmlns:inkml="http://www.w3.org/2003/InkML">
+  <inkml:definitions>
+    <inkml:context xml:id="ctx0">
+      <inkml:inkSource xml:id="inkSrc0">
+        <inkml:traceFormat>
+          <inkml:channel name="X" type="integer" min="-2.14748E9" max="2.14748E9" units="cm"/>
+          <inkml:channel name="Y" type="integer" min="-2.14748E9" max="2.14748E9" units="cm"/>
+          <inkml:channel name="F" type="integer" max="32767" units="dev"/>
+        </inkml:traceFormat>
+        <inkml:channelProperties>
+          <inkml:channelProperty channel="X" name="resolution" value="1000" units="1/cm"/>
+          <inkml:channelProperty channel="Y" name="resolution" value="1000" units="1/cm"/>
+          <inkml:channelProperty channel="F" name="resolution" value="0" units="1/dev"/>
+        </inkml:channelProperties>
+      </inkml:inkSource>
       <inkml:timestamp xml:id="ts0" timeString="2022-06-23T17:46:29.899"/>
     </inkml:context>
     <inkml:brush xml:id="br0">
@@ -519,7 +550,7 @@
 </inkml:ink>
 </file>
 
-<file path=ppt/ink/ink21.xml><?xml version="1.0" encoding="utf-8"?>
+<file path=ppt/ink/ink22.xml><?xml version="1.0" encoding="utf-8"?>
 <inkml:ink xmlns:inkml="http://www.w3.org/2003/InkML">
   <inkml:definitions>
     <inkml:context xml:id="ctx0">
@@ -549,7 +580,7 @@
 </inkml:ink>
 </file>
 
-<file path=ppt/ink/ink22.xml><?xml version="1.0" encoding="utf-8"?>
+<file path=ppt/ink/ink23.xml><?xml version="1.0" encoding="utf-8"?>
 <inkml:ink xmlns:inkml="http://www.w3.org/2003/InkML">
   <inkml:definitions>
     <inkml:context xml:id="ctx0">
@@ -579,7 +610,7 @@
 </inkml:ink>
 </file>
 
-<file path=ppt/ink/ink23.xml><?xml version="1.0" encoding="utf-8"?>
+<file path=ppt/ink/ink24.xml><?xml version="1.0" encoding="utf-8"?>
 <inkml:ink xmlns:inkml="http://www.w3.org/2003/InkML">
   <inkml:definitions>
     <inkml:context xml:id="ctx0">
@@ -609,7 +640,7 @@
 </inkml:ink>
 </file>
 
-<file path=ppt/ink/ink24.xml><?xml version="1.0" encoding="utf-8"?>
+<file path=ppt/ink/ink25.xml><?xml version="1.0" encoding="utf-8"?>
 <inkml:ink xmlns:inkml="http://www.w3.org/2003/InkML">
   <inkml:definitions>
     <inkml:context xml:id="ctx0">
@@ -639,7 +670,7 @@
 </inkml:ink>
 </file>
 
-<file path=ppt/ink/ink25.xml><?xml version="1.0" encoding="utf-8"?>
+<file path=ppt/ink/ink26.xml><?xml version="1.0" encoding="utf-8"?>
 <inkml:ink xmlns:inkml="http://www.w3.org/2003/InkML">
   <inkml:definitions>
     <inkml:context xml:id="ctx0">
@@ -669,7 +700,7 @@
 </inkml:ink>
 </file>
 
-<file path=ppt/ink/ink26.xml><?xml version="1.0" encoding="utf-8"?>
+<file path=ppt/ink/ink27.xml><?xml version="1.0" encoding="utf-8"?>
 <inkml:ink xmlns:inkml="http://www.w3.org/2003/InkML">
   <inkml:definitions>
     <inkml:context xml:id="ctx0">
@@ -699,7 +730,7 @@
 </inkml:ink>
 </file>
 
-<file path=ppt/ink/ink27.xml><?xml version="1.0" encoding="utf-8"?>
+<file path=ppt/ink/ink28.xml><?xml version="1.0" encoding="utf-8"?>
 <inkml:ink xmlns:inkml="http://www.w3.org/2003/InkML">
   <inkml:definitions>
     <inkml:context xml:id="ctx0">
@@ -729,7 +760,7 @@
 </inkml:ink>
 </file>
 
-<file path=ppt/ink/ink28.xml><?xml version="1.0" encoding="utf-8"?>
+<file path=ppt/ink/ink29.xml><?xml version="1.0" encoding="utf-8"?>
 <inkml:ink xmlns:inkml="http://www.w3.org/2003/InkML">
   <inkml:definitions>
     <inkml:context xml:id="ctx0">
@@ -756,36 +787,6 @@
     </inkml:brush>
   </inkml:definitions>
   <inkml:trace contextRef="#ctx0" brushRef="#br0">1 59 16383,'79'-18'0,"-17"5"0,-28 9 0,-16 3 0,24 0 0,40 0 0,-29 0 0,1 0 0,42 0 0,-38 1 0,-42 0 0,-3 0 0,11 0 0,20-1 0,32 0 0,18-1 0,-3-1 0,-18 2 0,-30 0 0,-18 0 0,-6 1 0,6 0 0,-8-1 0,5-1 0,-6-2 0</inkml:trace>
-</inkml:ink>
-</file>
-
-<file path=ppt/ink/ink29.xml><?xml version="1.0" encoding="utf-8"?>
-<inkml:ink xmlns:inkml="http://www.w3.org/2003/InkML">
-  <inkml:definitions>
-    <inkml:context xml:id="ctx0">
-      <inkml:inkSource xml:id="inkSrc0">
-        <inkml:traceFormat>
-          <inkml:channel name="X" type="integer" min="-2.14748E9" max="2.14748E9" units="cm"/>
-          <inkml:channel name="Y" type="integer" min="-2.14748E9" max="2.14748E9" units="cm"/>
-          <inkml:channel name="F" type="integer" max="32767" units="dev"/>
-        </inkml:traceFormat>
-        <inkml:channelProperties>
-          <inkml:channelProperty channel="X" name="resolution" value="1000" units="1/cm"/>
-          <inkml:channelProperty channel="Y" name="resolution" value="1000" units="1/cm"/>
-          <inkml:channelProperty channel="F" name="resolution" value="0" units="1/dev"/>
-        </inkml:channelProperties>
-      </inkml:inkSource>
-      <inkml:timestamp xml:id="ts0" timeString="2022-06-23T17:49:09.560"/>
-    </inkml:context>
-    <inkml:brush xml:id="br0">
-      <inkml:brushProperty name="width" value="0.4" units="cm"/>
-      <inkml:brushProperty name="height" value="0.8" units="cm"/>
-      <inkml:brushProperty name="color" value="#FF2500"/>
-      <inkml:brushProperty name="tip" value="rectangle"/>
-      <inkml:brushProperty name="rasterOp" value="maskPen"/>
-    </inkml:brush>
-  </inkml:definitions>
-  <inkml:trace contextRef="#ctx0" brushRef="#br0">320 68 16383,'-92'5'0,"11"1"0,17 0 0,18-1 0,20-3 0,16-1 0,65-2 0,26-3 0,18-2 0,-9 0 0,7-1 0,2 0 0,-19 1 0,1 1 0,0-1 0,-2 0 0,12-2 0,-3 1 0,-8 0 0,-1 1 0,-14 1 0,-8 1 0,-36 3 0,-12 1 0,-8 0 0</inkml:trace>
 </inkml:ink>
 </file>
 
@@ -835,6 +836,36 @@
           <inkml:channelProperty channel="F" name="resolution" value="0" units="1/dev"/>
         </inkml:channelProperties>
       </inkml:inkSource>
+      <inkml:timestamp xml:id="ts0" timeString="2022-06-23T17:49:09.560"/>
+    </inkml:context>
+    <inkml:brush xml:id="br0">
+      <inkml:brushProperty name="width" value="0.4" units="cm"/>
+      <inkml:brushProperty name="height" value="0.8" units="cm"/>
+      <inkml:brushProperty name="color" value="#FF2500"/>
+      <inkml:brushProperty name="tip" value="rectangle"/>
+      <inkml:brushProperty name="rasterOp" value="maskPen"/>
+    </inkml:brush>
+  </inkml:definitions>
+  <inkml:trace contextRef="#ctx0" brushRef="#br0">320 68 16383,'-92'5'0,"11"1"0,17 0 0,18-1 0,20-3 0,16-1 0,65-2 0,26-3 0,18-2 0,-9 0 0,7-1 0,2 0 0,-19 1 0,1 1 0,0-1 0,-2 0 0,12-2 0,-3 1 0,-8 0 0,-1 1 0,-14 1 0,-8 1 0,-36 3 0,-12 1 0,-8 0 0</inkml:trace>
+</inkml:ink>
+</file>
+
+<file path=ppt/ink/ink31.xml><?xml version="1.0" encoding="utf-8"?>
+<inkml:ink xmlns:inkml="http://www.w3.org/2003/InkML">
+  <inkml:definitions>
+    <inkml:context xml:id="ctx0">
+      <inkml:inkSource xml:id="inkSrc0">
+        <inkml:traceFormat>
+          <inkml:channel name="X" type="integer" min="-2.14748E9" max="2.14748E9" units="cm"/>
+          <inkml:channel name="Y" type="integer" min="-2.14748E9" max="2.14748E9" units="cm"/>
+          <inkml:channel name="F" type="integer" max="32767" units="dev"/>
+        </inkml:traceFormat>
+        <inkml:channelProperties>
+          <inkml:channelProperty channel="X" name="resolution" value="1000" units="1/cm"/>
+          <inkml:channelProperty channel="Y" name="resolution" value="1000" units="1/cm"/>
+          <inkml:channelProperty channel="F" name="resolution" value="0" units="1/dev"/>
+        </inkml:channelProperties>
+      </inkml:inkSource>
       <inkml:timestamp xml:id="ts0" timeString="2022-06-23T17:49:12.627"/>
     </inkml:context>
     <inkml:brush xml:id="br0">
@@ -849,7 +880,7 @@
 </inkml:ink>
 </file>
 
-<file path=ppt/ink/ink31.xml><?xml version="1.0" encoding="utf-8"?>
+<file path=ppt/ink/ink32.xml><?xml version="1.0" encoding="utf-8"?>
 <inkml:ink xmlns:inkml="http://www.w3.org/2003/InkML">
   <inkml:definitions>
     <inkml:context xml:id="ctx0">
@@ -879,7 +910,7 @@
 </inkml:ink>
 </file>
 
-<file path=ppt/ink/ink32.xml><?xml version="1.0" encoding="utf-8"?>
+<file path=ppt/ink/ink33.xml><?xml version="1.0" encoding="utf-8"?>
 <inkml:ink xmlns:inkml="http://www.w3.org/2003/InkML">
   <inkml:definitions>
     <inkml:context xml:id="ctx0">
@@ -909,7 +940,7 @@
 </inkml:ink>
 </file>
 
-<file path=ppt/ink/ink33.xml><?xml version="1.0" encoding="utf-8"?>
+<file path=ppt/ink/ink34.xml><?xml version="1.0" encoding="utf-8"?>
 <inkml:ink xmlns:inkml="http://www.w3.org/2003/InkML">
   <inkml:definitions>
     <inkml:context xml:id="ctx0">
@@ -939,7 +970,7 @@
 </inkml:ink>
 </file>
 
-<file path=ppt/ink/ink34.xml><?xml version="1.0" encoding="utf-8"?>
+<file path=ppt/ink/ink35.xml><?xml version="1.0" encoding="utf-8"?>
 <inkml:ink xmlns:inkml="http://www.w3.org/2003/InkML">
   <inkml:definitions>
     <inkml:context xml:id="ctx0">
@@ -969,7 +1000,7 @@
 </inkml:ink>
 </file>
 
-<file path=ppt/ink/ink35.xml><?xml version="1.0" encoding="utf-8"?>
+<file path=ppt/ink/ink36.xml><?xml version="1.0" encoding="utf-8"?>
 <inkml:ink xmlns:inkml="http://www.w3.org/2003/InkML">
   <inkml:definitions>
     <inkml:context xml:id="ctx0">
@@ -999,7 +1030,7 @@
 </inkml:ink>
 </file>
 
-<file path=ppt/ink/ink36.xml><?xml version="1.0" encoding="utf-8"?>
+<file path=ppt/ink/ink37.xml><?xml version="1.0" encoding="utf-8"?>
 <inkml:ink xmlns:inkml="http://www.w3.org/2003/InkML">
   <inkml:definitions>
     <inkml:context xml:id="ctx0">
@@ -1029,7 +1060,7 @@
 </inkml:ink>
 </file>
 
-<file path=ppt/ink/ink37.xml><?xml version="1.0" encoding="utf-8"?>
+<file path=ppt/ink/ink38.xml><?xml version="1.0" encoding="utf-8"?>
 <inkml:ink xmlns:inkml="http://www.w3.org/2003/InkML">
   <inkml:definitions>
     <inkml:context xml:id="ctx0">
@@ -1059,7 +1090,7 @@
 </inkml:ink>
 </file>
 
-<file path=ppt/ink/ink38.xml><?xml version="1.0" encoding="utf-8"?>
+<file path=ppt/ink/ink39.xml><?xml version="1.0" encoding="utf-8"?>
 <inkml:ink xmlns:inkml="http://www.w3.org/2003/InkML">
   <inkml:definitions>
     <inkml:context xml:id="ctx0">
@@ -1089,7 +1120,37 @@
 </inkml:ink>
 </file>
 
-<file path=ppt/ink/ink39.xml><?xml version="1.0" encoding="utf-8"?>
+<file path=ppt/ink/ink4.xml><?xml version="1.0" encoding="utf-8"?>
+<inkml:ink xmlns:inkml="http://www.w3.org/2003/InkML">
+  <inkml:definitions>
+    <inkml:context xml:id="ctx0">
+      <inkml:inkSource xml:id="inkSrc0">
+        <inkml:traceFormat>
+          <inkml:channel name="X" type="integer" min="-2.14748E9" max="2.14748E9" units="cm"/>
+          <inkml:channel name="Y" type="integer" min="-2.14748E9" max="2.14748E9" units="cm"/>
+          <inkml:channel name="F" type="integer" max="32767" units="dev"/>
+        </inkml:traceFormat>
+        <inkml:channelProperties>
+          <inkml:channelProperty channel="X" name="resolution" value="1000" units="1/cm"/>
+          <inkml:channelProperty channel="Y" name="resolution" value="1000" units="1/cm"/>
+          <inkml:channelProperty channel="F" name="resolution" value="0" units="1/dev"/>
+        </inkml:channelProperties>
+      </inkml:inkSource>
+      <inkml:timestamp xml:id="ts0" timeString="2022-06-22T18:07:56.391"/>
+    </inkml:context>
+    <inkml:brush xml:id="br0">
+      <inkml:brushProperty name="width" value="0.4" units="cm"/>
+      <inkml:brushProperty name="height" value="0.8" units="cm"/>
+      <inkml:brushProperty name="color" value="#00FDFF"/>
+      <inkml:brushProperty name="tip" value="rectangle"/>
+      <inkml:brushProperty name="rasterOp" value="maskPen"/>
+    </inkml:brush>
+  </inkml:definitions>
+  <inkml:trace contextRef="#ctx0" brushRef="#br0">1 67 16383,'76'0'0,"1"0"0,-1 0 0,1 0 0,9 0 0,5 0 0,4 0 0,3 0 0,2 0 0,-14 0 0,3 0 0,1 0 0,3 0 0,0 0 0,0 0 0,0 0 0,3 0 0,2 0 0,0 0 0,0 0 0,0 0 0,-2 0 0,-3 0 0,4 0 0,0 0 0,-3 0 0,-1 0 0,-2 0 0,-4 0 0,1 0 0,-2 0 0,-3 0 0,-2 0 0,-3 0 0,4 0 0,-4 0 0,-1 0 0,-1 0 0,17 0 0,-1 0 0,0 0 0,0-1 0,1 1 0,0-1 0,1 0 0,0 0 0,-1-1 0,0 0 0,0-1 0,-2 0 0,-6 0 0,-3 0 0,0 0 0,-5 0 0,-1-1 0,-1 0 0,-3 1 0,0 0 0,-3 0 0,27-2 0,-4 1 0,-9 0 0,-3 0 0,-11 2 0,-4 0 0,-5 1 0,-1 0 0,-3 1 0,-1 0 0,1 0 0,0 0 0,4 4 0,0 1 0,0 2 0,0 1 0,-2 2 0,-1 1 0,-4-1 0,-1 0 0,42 5 0,0-6 0,4-4 0,-2-3 0,-6-2 0,-7 0 0,-5 0 0,1-2 0,-10-3 0,-6-2 0,-4-4 0,-2 0 0,0 0 0,-8 0 0,-12 3 0,-12 3 0,-7 1 0,-4 1 0</inkml:trace>
+</inkml:ink>
+</file>
+
+<file path=ppt/ink/ink40.xml><?xml version="1.0" encoding="utf-8"?>
 <inkml:ink xmlns:inkml="http://www.w3.org/2003/InkML">
   <inkml:definitions>
     <inkml:context xml:id="ctx0">
@@ -1119,7 +1180,277 @@
 </inkml:ink>
 </file>
 
-<file path=ppt/ink/ink4.xml><?xml version="1.0" encoding="utf-8"?>
+<file path=ppt/ink/ink41.xml><?xml version="1.0" encoding="utf-8"?>
+<inkml:ink xmlns:inkml="http://www.w3.org/2003/InkML">
+  <inkml:definitions>
+    <inkml:context xml:id="ctx0">
+      <inkml:inkSource xml:id="inkSrc0">
+        <inkml:traceFormat>
+          <inkml:channel name="X" type="integer" min="-2.14748E9" max="2.14748E9" units="cm"/>
+          <inkml:channel name="Y" type="integer" min="-2.14748E9" max="2.14748E9" units="cm"/>
+          <inkml:channel name="F" type="integer" max="32767" units="dev"/>
+        </inkml:traceFormat>
+        <inkml:channelProperties>
+          <inkml:channelProperty channel="X" name="resolution" value="1000" units="1/cm"/>
+          <inkml:channelProperty channel="Y" name="resolution" value="1000" units="1/cm"/>
+          <inkml:channelProperty channel="F" name="resolution" value="0" units="1/dev"/>
+        </inkml:channelProperties>
+      </inkml:inkSource>
+      <inkml:timestamp xml:id="ts0" timeString="2022-06-23T17:50:19.460"/>
+    </inkml:context>
+    <inkml:brush xml:id="br0">
+      <inkml:brushProperty name="width" value="0.4" units="cm"/>
+      <inkml:brushProperty name="height" value="0.8" units="cm"/>
+      <inkml:brushProperty name="color" value="#FFFC00"/>
+      <inkml:brushProperty name="tip" value="rectangle"/>
+      <inkml:brushProperty name="rasterOp" value="maskPen"/>
+    </inkml:brush>
+  </inkml:definitions>
+  <inkml:trace contextRef="#ctx0" brushRef="#br0">1 24 16383,'97'-7'0,"-1"0"0,-9 4 0,-37 2 0,1 1 0,4-1 0,1 1 0,-1 0 0,0 0 0,45 0 0,-7 0 0,-12 0 0,-20 0 0,-20 0 0,-24 0 0,-6-2 0,15 2 0,4-2 0</inkml:trace>
+</inkml:ink>
+</file>
+
+<file path=ppt/ink/ink42.xml><?xml version="1.0" encoding="utf-8"?>
+<inkml:ink xmlns:inkml="http://www.w3.org/2003/InkML">
+  <inkml:definitions>
+    <inkml:context xml:id="ctx0">
+      <inkml:inkSource xml:id="inkSrc0">
+        <inkml:traceFormat>
+          <inkml:channel name="X" type="integer" min="-2.14748E9" max="2.14748E9" units="cm"/>
+          <inkml:channel name="Y" type="integer" min="-2.14748E9" max="2.14748E9" units="cm"/>
+          <inkml:channel name="F" type="integer" max="32767" units="dev"/>
+        </inkml:traceFormat>
+        <inkml:channelProperties>
+          <inkml:channelProperty channel="X" name="resolution" value="1000" units="1/cm"/>
+          <inkml:channelProperty channel="Y" name="resolution" value="1000" units="1/cm"/>
+          <inkml:channelProperty channel="F" name="resolution" value="0" units="1/dev"/>
+        </inkml:channelProperties>
+      </inkml:inkSource>
+      <inkml:timestamp xml:id="ts0" timeString="2022-06-23T17:50:21.726"/>
+    </inkml:context>
+    <inkml:brush xml:id="br0">
+      <inkml:brushProperty name="width" value="0.4" units="cm"/>
+      <inkml:brushProperty name="height" value="0.8" units="cm"/>
+      <inkml:brushProperty name="color" value="#FFFC00"/>
+      <inkml:brushProperty name="tip" value="rectangle"/>
+      <inkml:brushProperty name="rasterOp" value="maskPen"/>
+    </inkml:brush>
+  </inkml:definitions>
+  <inkml:trace contextRef="#ctx0" brushRef="#br0">1 1 16383,'54'2'0,"1"0"0,-3 0 0,-3 0 0,15-1 0,-2 0 0,-8-1 0,-7 0 0,6 0 0,0 0 0,1 0 0,-2 0 0,-7 0 0,-9 0 0,-5 0 0,-10-1 0,-5 0 0,6 0 0,0 0 0,8 1 0,0 0 0,-4 0 0,1 0 0,-4 0 0,-5 0 0,-2 0 0</inkml:trace>
+</inkml:ink>
+</file>
+
+<file path=ppt/ink/ink43.xml><?xml version="1.0" encoding="utf-8"?>
+<inkml:ink xmlns:inkml="http://www.w3.org/2003/InkML">
+  <inkml:definitions>
+    <inkml:context xml:id="ctx0">
+      <inkml:inkSource xml:id="inkSrc0">
+        <inkml:traceFormat>
+          <inkml:channel name="X" type="integer" min="-2.14748E9" max="2.14748E9" units="cm"/>
+          <inkml:channel name="Y" type="integer" min="-2.14748E9" max="2.14748E9" units="cm"/>
+          <inkml:channel name="F" type="integer" max="32767" units="dev"/>
+        </inkml:traceFormat>
+        <inkml:channelProperties>
+          <inkml:channelProperty channel="X" name="resolution" value="1000" units="1/cm"/>
+          <inkml:channelProperty channel="Y" name="resolution" value="1000" units="1/cm"/>
+          <inkml:channelProperty channel="F" name="resolution" value="0" units="1/dev"/>
+        </inkml:channelProperties>
+      </inkml:inkSource>
+      <inkml:timestamp xml:id="ts0" timeString="2022-06-23T17:50:25.326"/>
+    </inkml:context>
+    <inkml:brush xml:id="br0">
+      <inkml:brushProperty name="width" value="0.4" units="cm"/>
+      <inkml:brushProperty name="height" value="0.8" units="cm"/>
+      <inkml:brushProperty name="color" value="#FFFC00"/>
+      <inkml:brushProperty name="tip" value="rectangle"/>
+      <inkml:brushProperty name="rasterOp" value="maskPen"/>
+    </inkml:brush>
+  </inkml:definitions>
+  <inkml:trace contextRef="#ctx0" brushRef="#br0">1 65 16383,'51'-4'0,"-1"1"0,8-2 0,0 1 0,0 0 0,0 0 0,-4 0 0,0 0 0,36-1 0,-18-1 0,-9 1 0,6 2 0,-3 0 0,0 2 0,-5 0 0,9 0 0,15 0 0,0 0 0,-13 1 0,-33 1 0,-20 1 0,-1-2 0,5 1 0,3-1 0,26-1 0,5-1 0,-2 1 0,-4-1 0,-18 1 0,3 0 0,3 0 0,-6 1 0,-8 0 0,-6 0 0,1 0 0,-1 0 0,9 0 0,-8 0 0,6 0 0,-6 0 0,11 0 0,23 0 0,23 1 0,6 0 0,-6 2 0,-26-1 0,-18 0 0,-11-1 0,-7-1 0,9-1 0,-6 0 0,7-1 0,-8-1 0</inkml:trace>
+</inkml:ink>
+</file>
+
+<file path=ppt/ink/ink44.xml><?xml version="1.0" encoding="utf-8"?>
+<inkml:ink xmlns:inkml="http://www.w3.org/2003/InkML">
+  <inkml:definitions>
+    <inkml:context xml:id="ctx0">
+      <inkml:inkSource xml:id="inkSrc0">
+        <inkml:traceFormat>
+          <inkml:channel name="X" type="integer" min="-2.14748E9" max="2.14748E9" units="cm"/>
+          <inkml:channel name="Y" type="integer" min="-2.14748E9" max="2.14748E9" units="cm"/>
+          <inkml:channel name="F" type="integer" max="32767" units="dev"/>
+        </inkml:traceFormat>
+        <inkml:channelProperties>
+          <inkml:channelProperty channel="X" name="resolution" value="1000" units="1/cm"/>
+          <inkml:channelProperty channel="Y" name="resolution" value="1000" units="1/cm"/>
+          <inkml:channelProperty channel="F" name="resolution" value="0" units="1/dev"/>
+        </inkml:channelProperties>
+      </inkml:inkSource>
+      <inkml:timestamp xml:id="ts0" timeString="2022-06-23T17:50:27.292"/>
+    </inkml:context>
+    <inkml:brush xml:id="br0">
+      <inkml:brushProperty name="width" value="0.4" units="cm"/>
+      <inkml:brushProperty name="height" value="0.8" units="cm"/>
+      <inkml:brushProperty name="color" value="#FFFC00"/>
+      <inkml:brushProperty name="tip" value="rectangle"/>
+      <inkml:brushProperty name="rasterOp" value="maskPen"/>
+    </inkml:brush>
+  </inkml:definitions>
+  <inkml:trace contextRef="#ctx0" brushRef="#br0">1 0 16383,'68'0'0,"0"0"0,0 0 0,5 0 0,1 0 0,-1 0 0,1 0 0,1 0 0,-1 0 0,4 0 0,0 0 0,1 0 0,2 1 0,1-1 0,3 1 0,11-1 0,3 1 0,2 0 0,-21 0 0,1-1 0,1 1 0,-1-1 0,1 1 0,0-1 0,-1 1 0,-2-1 0,16 1 0,-3-1 0,-8 1 0,7-1 0,-12 1 0,-25 0 0,-7 0 0,8 0 0,-26-1 0,-13 0 0,-10 0 0</inkml:trace>
+</inkml:ink>
+</file>
+
+<file path=ppt/ink/ink45.xml><?xml version="1.0" encoding="utf-8"?>
+<inkml:ink xmlns:inkml="http://www.w3.org/2003/InkML">
+  <inkml:definitions>
+    <inkml:context xml:id="ctx0">
+      <inkml:inkSource xml:id="inkSrc0">
+        <inkml:traceFormat>
+          <inkml:channel name="X" type="integer" min="-2.14748E9" max="2.14748E9" units="cm"/>
+          <inkml:channel name="Y" type="integer" min="-2.14748E9" max="2.14748E9" units="cm"/>
+          <inkml:channel name="F" type="integer" max="32767" units="dev"/>
+        </inkml:traceFormat>
+        <inkml:channelProperties>
+          <inkml:channelProperty channel="X" name="resolution" value="1000" units="1/cm"/>
+          <inkml:channelProperty channel="Y" name="resolution" value="1000" units="1/cm"/>
+          <inkml:channelProperty channel="F" name="resolution" value="0" units="1/dev"/>
+        </inkml:channelProperties>
+      </inkml:inkSource>
+      <inkml:timestamp xml:id="ts0" timeString="2022-06-23T17:50:29.460"/>
+    </inkml:context>
+    <inkml:brush xml:id="br0">
+      <inkml:brushProperty name="width" value="0.4" units="cm"/>
+      <inkml:brushProperty name="height" value="0.8" units="cm"/>
+      <inkml:brushProperty name="color" value="#FFFC00"/>
+      <inkml:brushProperty name="tip" value="rectangle"/>
+      <inkml:brushProperty name="rasterOp" value="maskPen"/>
+    </inkml:brush>
+  </inkml:definitions>
+  <inkml:trace contextRef="#ctx0" brushRef="#br0">1 163 16383,'62'-13'0,"0"0"0,0 1 0,-1 2 0,-5 1 0,-1 1 0,-4 1 0,-2 0 0,36-4 0,-18 2 0,-13 2 0,-3 2 0,9-3 0,11-1 0,8-1 0,2 0 0,-12 4 0,-16 1 0,-13 3 0,-15 1 0,-13 0 0,-6 1 0</inkml:trace>
+</inkml:ink>
+</file>
+
+<file path=ppt/ink/ink46.xml><?xml version="1.0" encoding="utf-8"?>
+<inkml:ink xmlns:inkml="http://www.w3.org/2003/InkML">
+  <inkml:definitions>
+    <inkml:context xml:id="ctx0">
+      <inkml:inkSource xml:id="inkSrc0">
+        <inkml:traceFormat>
+          <inkml:channel name="X" type="integer" min="-2.14748E9" max="2.14748E9" units="cm"/>
+          <inkml:channel name="Y" type="integer" min="-2.14748E9" max="2.14748E9" units="cm"/>
+          <inkml:channel name="F" type="integer" max="32767" units="dev"/>
+        </inkml:traceFormat>
+        <inkml:channelProperties>
+          <inkml:channelProperty channel="X" name="resolution" value="1000" units="1/cm"/>
+          <inkml:channelProperty channel="Y" name="resolution" value="1000" units="1/cm"/>
+          <inkml:channelProperty channel="F" name="resolution" value="0" units="1/dev"/>
+        </inkml:channelProperties>
+      </inkml:inkSource>
+      <inkml:timestamp xml:id="ts0" timeString="2022-06-23T17:50:31.360"/>
+    </inkml:context>
+    <inkml:brush xml:id="br0">
+      <inkml:brushProperty name="width" value="0.4" units="cm"/>
+      <inkml:brushProperty name="height" value="0.8" units="cm"/>
+      <inkml:brushProperty name="color" value="#FFFC00"/>
+      <inkml:brushProperty name="tip" value="rectangle"/>
+      <inkml:brushProperty name="rasterOp" value="maskPen"/>
+    </inkml:brush>
+  </inkml:definitions>
+  <inkml:trace contextRef="#ctx0" brushRef="#br0">0 73 16383,'65'-1'0,"1"-1"0,-6 0 0,1 0 0,12-2 0,1 0 0,-5-1 0,-1 1 0,-5-1 0,-2 1 0,33-2 0,-41 4 0,-19 1 0,-5 1 0,3-1 0,15-1 0,6-1 0,-3 0 0,-12 2 0,-13 0 0,2-1 0,0-2 0,-4 1 0,0-1 0,-4 1 0,5-1 0</inkml:trace>
+</inkml:ink>
+</file>
+
+<file path=ppt/ink/ink47.xml><?xml version="1.0" encoding="utf-8"?>
+<inkml:ink xmlns:inkml="http://www.w3.org/2003/InkML">
+  <inkml:definitions>
+    <inkml:context xml:id="ctx0">
+      <inkml:inkSource xml:id="inkSrc0">
+        <inkml:traceFormat>
+          <inkml:channel name="X" type="integer" min="-2.14748E9" max="2.14748E9" units="cm"/>
+          <inkml:channel name="Y" type="integer" min="-2.14748E9" max="2.14748E9" units="cm"/>
+          <inkml:channel name="F" type="integer" max="32767" units="dev"/>
+        </inkml:traceFormat>
+        <inkml:channelProperties>
+          <inkml:channelProperty channel="X" name="resolution" value="1000" units="1/cm"/>
+          <inkml:channelProperty channel="Y" name="resolution" value="1000" units="1/cm"/>
+          <inkml:channelProperty channel="F" name="resolution" value="0" units="1/dev"/>
+        </inkml:channelProperties>
+      </inkml:inkSource>
+      <inkml:timestamp xml:id="ts0" timeString="2022-06-23T17:50:34.060"/>
+    </inkml:context>
+    <inkml:brush xml:id="br0">
+      <inkml:brushProperty name="width" value="0.4" units="cm"/>
+      <inkml:brushProperty name="height" value="0.8" units="cm"/>
+      <inkml:brushProperty name="color" value="#FFFC00"/>
+      <inkml:brushProperty name="tip" value="rectangle"/>
+      <inkml:brushProperty name="rasterOp" value="maskPen"/>
+    </inkml:brush>
+  </inkml:definitions>
+  <inkml:trace contextRef="#ctx0" brushRef="#br0">1 15 16383,'71'0'0,"1"0"0,-1 0 0,25-1 0,-6 1 0,-22-1 0,-8 0 0,17-1 0,-52 1 0,-16 1 0,16 0 0,-1 0 0,19-1 0,-1 0 0,-3 0 0,-4-1 0,-8 1 0,-7 0 0,-3 0 0,0 1 0</inkml:trace>
+</inkml:ink>
+</file>
+
+<file path=ppt/ink/ink48.xml><?xml version="1.0" encoding="utf-8"?>
+<inkml:ink xmlns:inkml="http://www.w3.org/2003/InkML">
+  <inkml:definitions>
+    <inkml:context xml:id="ctx0">
+      <inkml:inkSource xml:id="inkSrc0">
+        <inkml:traceFormat>
+          <inkml:channel name="X" type="integer" min="-2.14748E9" max="2.14748E9" units="cm"/>
+          <inkml:channel name="Y" type="integer" min="-2.14748E9" max="2.14748E9" units="cm"/>
+          <inkml:channel name="F" type="integer" max="32767" units="dev"/>
+        </inkml:traceFormat>
+        <inkml:channelProperties>
+          <inkml:channelProperty channel="X" name="resolution" value="1000" units="1/cm"/>
+          <inkml:channelProperty channel="Y" name="resolution" value="1000" units="1/cm"/>
+          <inkml:channelProperty channel="F" name="resolution" value="0" units="1/dev"/>
+        </inkml:channelProperties>
+      </inkml:inkSource>
+      <inkml:timestamp xml:id="ts0" timeString="2022-06-23T17:50:35.626"/>
+    </inkml:context>
+    <inkml:brush xml:id="br0">
+      <inkml:brushProperty name="width" value="0.4" units="cm"/>
+      <inkml:brushProperty name="height" value="0.8" units="cm"/>
+      <inkml:brushProperty name="color" value="#FFFC00"/>
+      <inkml:brushProperty name="tip" value="rectangle"/>
+      <inkml:brushProperty name="rasterOp" value="maskPen"/>
+    </inkml:brush>
+  </inkml:definitions>
+  <inkml:trace contextRef="#ctx0" brushRef="#br0">1 93 16383,'89'-7'0,"-1"0"0,-6 0 0,-4-1 0,-14 2 0,-4-1 0,28-4 0,-26 4 0,-15 2 0,-2 1 0,1 2 0,2 0 0,5-1 0,13-1 0,4-1 0,-7 1 0,-18 1 0,-26 2 0,-13 1 0</inkml:trace>
+</inkml:ink>
+</file>
+
+<file path=ppt/ink/ink49.xml><?xml version="1.0" encoding="utf-8"?>
+<inkml:ink xmlns:inkml="http://www.w3.org/2003/InkML">
+  <inkml:definitions>
+    <inkml:context xml:id="ctx0">
+      <inkml:inkSource xml:id="inkSrc0">
+        <inkml:traceFormat>
+          <inkml:channel name="X" type="integer" min="-2.14748E9" max="2.14748E9" units="cm"/>
+          <inkml:channel name="Y" type="integer" min="-2.14748E9" max="2.14748E9" units="cm"/>
+          <inkml:channel name="F" type="integer" max="32767" units="dev"/>
+        </inkml:traceFormat>
+        <inkml:channelProperties>
+          <inkml:channelProperty channel="X" name="resolution" value="1000" units="1/cm"/>
+          <inkml:channelProperty channel="Y" name="resolution" value="1000" units="1/cm"/>
+          <inkml:channelProperty channel="F" name="resolution" value="0" units="1/dev"/>
+        </inkml:channelProperties>
+      </inkml:inkSource>
+      <inkml:timestamp xml:id="ts0" timeString="2022-06-23T17:50:37.592"/>
+    </inkml:context>
+    <inkml:brush xml:id="br0">
+      <inkml:brushProperty name="width" value="0.4" units="cm"/>
+      <inkml:brushProperty name="height" value="0.8" units="cm"/>
+      <inkml:brushProperty name="color" value="#FFFC00"/>
+      <inkml:brushProperty name="tip" value="rectangle"/>
+      <inkml:brushProperty name="rasterOp" value="maskPen"/>
+    </inkml:brush>
+  </inkml:definitions>
+  <inkml:trace contextRef="#ctx0" brushRef="#br0">0 107 16383,'52'0'0,"-1"0"0,4 0 0,4-2 0,33-3 0,3-1 0,-25 0 0,4 0 0,12-3 0,11-2 0,-7 1 0,5-1 0,-6 1 0,-4 0 0,-6 2 0,17-1 0,-94 9 0,1 0 0,32-2 0,-21 2 0,24-2 0,-32 2 0</inkml:trace>
+</inkml:ink>
+</file>
+
+<file path=ppt/ink/ink5.xml><?xml version="1.0" encoding="utf-8"?>
 <inkml:ink xmlns:inkml="http://www.w3.org/2003/InkML">
   <inkml:definitions>
     <inkml:context xml:id="ctx0">
@@ -1149,277 +1480,7 @@
 </inkml:ink>
 </file>
 
-<file path=ppt/ink/ink40.xml><?xml version="1.0" encoding="utf-8"?>
-<inkml:ink xmlns:inkml="http://www.w3.org/2003/InkML">
-  <inkml:definitions>
-    <inkml:context xml:id="ctx0">
-      <inkml:inkSource xml:id="inkSrc0">
-        <inkml:traceFormat>
-          <inkml:channel name="X" type="integer" min="-2.14748E9" max="2.14748E9" units="cm"/>
-          <inkml:channel name="Y" type="integer" min="-2.14748E9" max="2.14748E9" units="cm"/>
-          <inkml:channel name="F" type="integer" max="32767" units="dev"/>
-        </inkml:traceFormat>
-        <inkml:channelProperties>
-          <inkml:channelProperty channel="X" name="resolution" value="1000" units="1/cm"/>
-          <inkml:channelProperty channel="Y" name="resolution" value="1000" units="1/cm"/>
-          <inkml:channelProperty channel="F" name="resolution" value="0" units="1/dev"/>
-        </inkml:channelProperties>
-      </inkml:inkSource>
-      <inkml:timestamp xml:id="ts0" timeString="2022-06-23T17:50:19.460"/>
-    </inkml:context>
-    <inkml:brush xml:id="br0">
-      <inkml:brushProperty name="width" value="0.4" units="cm"/>
-      <inkml:brushProperty name="height" value="0.8" units="cm"/>
-      <inkml:brushProperty name="color" value="#FFFC00"/>
-      <inkml:brushProperty name="tip" value="rectangle"/>
-      <inkml:brushProperty name="rasterOp" value="maskPen"/>
-    </inkml:brush>
-  </inkml:definitions>
-  <inkml:trace contextRef="#ctx0" brushRef="#br0">1 24 16383,'97'-7'0,"-1"0"0,-9 4 0,-37 2 0,1 1 0,4-1 0,1 1 0,-1 0 0,0 0 0,45 0 0,-7 0 0,-12 0 0,-20 0 0,-20 0 0,-24 0 0,-6-2 0,15 2 0,4-2 0</inkml:trace>
-</inkml:ink>
-</file>
-
-<file path=ppt/ink/ink41.xml><?xml version="1.0" encoding="utf-8"?>
-<inkml:ink xmlns:inkml="http://www.w3.org/2003/InkML">
-  <inkml:definitions>
-    <inkml:context xml:id="ctx0">
-      <inkml:inkSource xml:id="inkSrc0">
-        <inkml:traceFormat>
-          <inkml:channel name="X" type="integer" min="-2.14748E9" max="2.14748E9" units="cm"/>
-          <inkml:channel name="Y" type="integer" min="-2.14748E9" max="2.14748E9" units="cm"/>
-          <inkml:channel name="F" type="integer" max="32767" units="dev"/>
-        </inkml:traceFormat>
-        <inkml:channelProperties>
-          <inkml:channelProperty channel="X" name="resolution" value="1000" units="1/cm"/>
-          <inkml:channelProperty channel="Y" name="resolution" value="1000" units="1/cm"/>
-          <inkml:channelProperty channel="F" name="resolution" value="0" units="1/dev"/>
-        </inkml:channelProperties>
-      </inkml:inkSource>
-      <inkml:timestamp xml:id="ts0" timeString="2022-06-23T17:50:21.726"/>
-    </inkml:context>
-    <inkml:brush xml:id="br0">
-      <inkml:brushProperty name="width" value="0.4" units="cm"/>
-      <inkml:brushProperty name="height" value="0.8" units="cm"/>
-      <inkml:brushProperty name="color" value="#FFFC00"/>
-      <inkml:brushProperty name="tip" value="rectangle"/>
-      <inkml:brushProperty name="rasterOp" value="maskPen"/>
-    </inkml:brush>
-  </inkml:definitions>
-  <inkml:trace contextRef="#ctx0" brushRef="#br0">1 1 16383,'54'2'0,"1"0"0,-3 0 0,-3 0 0,15-1 0,-2 0 0,-8-1 0,-7 0 0,6 0 0,0 0 0,1 0 0,-2 0 0,-7 0 0,-9 0 0,-5 0 0,-10-1 0,-5 0 0,6 0 0,0 0 0,8 1 0,0 0 0,-4 0 0,1 0 0,-4 0 0,-5 0 0,-2 0 0</inkml:trace>
-</inkml:ink>
-</file>
-
-<file path=ppt/ink/ink42.xml><?xml version="1.0" encoding="utf-8"?>
-<inkml:ink xmlns:inkml="http://www.w3.org/2003/InkML">
-  <inkml:definitions>
-    <inkml:context xml:id="ctx0">
-      <inkml:inkSource xml:id="inkSrc0">
-        <inkml:traceFormat>
-          <inkml:channel name="X" type="integer" min="-2.14748E9" max="2.14748E9" units="cm"/>
-          <inkml:channel name="Y" type="integer" min="-2.14748E9" max="2.14748E9" units="cm"/>
-          <inkml:channel name="F" type="integer" max="32767" units="dev"/>
-        </inkml:traceFormat>
-        <inkml:channelProperties>
-          <inkml:channelProperty channel="X" name="resolution" value="1000" units="1/cm"/>
-          <inkml:channelProperty channel="Y" name="resolution" value="1000" units="1/cm"/>
-          <inkml:channelProperty channel="F" name="resolution" value="0" units="1/dev"/>
-        </inkml:channelProperties>
-      </inkml:inkSource>
-      <inkml:timestamp xml:id="ts0" timeString="2022-06-23T17:50:25.326"/>
-    </inkml:context>
-    <inkml:brush xml:id="br0">
-      <inkml:brushProperty name="width" value="0.4" units="cm"/>
-      <inkml:brushProperty name="height" value="0.8" units="cm"/>
-      <inkml:brushProperty name="color" value="#FFFC00"/>
-      <inkml:brushProperty name="tip" value="rectangle"/>
-      <inkml:brushProperty name="rasterOp" value="maskPen"/>
-    </inkml:brush>
-  </inkml:definitions>
-  <inkml:trace contextRef="#ctx0" brushRef="#br0">1 65 16383,'51'-4'0,"-1"1"0,8-2 0,0 1 0,0 0 0,0 0 0,-4 0 0,0 0 0,36-1 0,-18-1 0,-9 1 0,6 2 0,-3 0 0,0 2 0,-5 0 0,9 0 0,15 0 0,0 0 0,-13 1 0,-33 1 0,-20 1 0,-1-2 0,5 1 0,3-1 0,26-1 0,5-1 0,-2 1 0,-4-1 0,-18 1 0,3 0 0,3 0 0,-6 1 0,-8 0 0,-6 0 0,1 0 0,-1 0 0,9 0 0,-8 0 0,6 0 0,-6 0 0,11 0 0,23 0 0,23 1 0,6 0 0,-6 2 0,-26-1 0,-18 0 0,-11-1 0,-7-1 0,9-1 0,-6 0 0,7-1 0,-8-1 0</inkml:trace>
-</inkml:ink>
-</file>
-
-<file path=ppt/ink/ink43.xml><?xml version="1.0" encoding="utf-8"?>
-<inkml:ink xmlns:inkml="http://www.w3.org/2003/InkML">
-  <inkml:definitions>
-    <inkml:context xml:id="ctx0">
-      <inkml:inkSource xml:id="inkSrc0">
-        <inkml:traceFormat>
-          <inkml:channel name="X" type="integer" min="-2.14748E9" max="2.14748E9" units="cm"/>
-          <inkml:channel name="Y" type="integer" min="-2.14748E9" max="2.14748E9" units="cm"/>
-          <inkml:channel name="F" type="integer" max="32767" units="dev"/>
-        </inkml:traceFormat>
-        <inkml:channelProperties>
-          <inkml:channelProperty channel="X" name="resolution" value="1000" units="1/cm"/>
-          <inkml:channelProperty channel="Y" name="resolution" value="1000" units="1/cm"/>
-          <inkml:channelProperty channel="F" name="resolution" value="0" units="1/dev"/>
-        </inkml:channelProperties>
-      </inkml:inkSource>
-      <inkml:timestamp xml:id="ts0" timeString="2022-06-23T17:50:27.292"/>
-    </inkml:context>
-    <inkml:brush xml:id="br0">
-      <inkml:brushProperty name="width" value="0.4" units="cm"/>
-      <inkml:brushProperty name="height" value="0.8" units="cm"/>
-      <inkml:brushProperty name="color" value="#FFFC00"/>
-      <inkml:brushProperty name="tip" value="rectangle"/>
-      <inkml:brushProperty name="rasterOp" value="maskPen"/>
-    </inkml:brush>
-  </inkml:definitions>
-  <inkml:trace contextRef="#ctx0" brushRef="#br0">1 0 16383,'68'0'0,"0"0"0,0 0 0,5 0 0,1 0 0,-1 0 0,1 0 0,1 0 0,-1 0 0,4 0 0,0 0 0,1 0 0,2 1 0,1-1 0,3 1 0,11-1 0,3 1 0,2 0 0,-21 0 0,1-1 0,1 1 0,-1-1 0,1 1 0,0-1 0,-1 1 0,-2-1 0,16 1 0,-3-1 0,-8 1 0,7-1 0,-12 1 0,-25 0 0,-7 0 0,8 0 0,-26-1 0,-13 0 0,-10 0 0</inkml:trace>
-</inkml:ink>
-</file>
-
-<file path=ppt/ink/ink44.xml><?xml version="1.0" encoding="utf-8"?>
-<inkml:ink xmlns:inkml="http://www.w3.org/2003/InkML">
-  <inkml:definitions>
-    <inkml:context xml:id="ctx0">
-      <inkml:inkSource xml:id="inkSrc0">
-        <inkml:traceFormat>
-          <inkml:channel name="X" type="integer" min="-2.14748E9" max="2.14748E9" units="cm"/>
-          <inkml:channel name="Y" type="integer" min="-2.14748E9" max="2.14748E9" units="cm"/>
-          <inkml:channel name="F" type="integer" max="32767" units="dev"/>
-        </inkml:traceFormat>
-        <inkml:channelProperties>
-          <inkml:channelProperty channel="X" name="resolution" value="1000" units="1/cm"/>
-          <inkml:channelProperty channel="Y" name="resolution" value="1000" units="1/cm"/>
-          <inkml:channelProperty channel="F" name="resolution" value="0" units="1/dev"/>
-        </inkml:channelProperties>
-      </inkml:inkSource>
-      <inkml:timestamp xml:id="ts0" timeString="2022-06-23T17:50:29.460"/>
-    </inkml:context>
-    <inkml:brush xml:id="br0">
-      <inkml:brushProperty name="width" value="0.4" units="cm"/>
-      <inkml:brushProperty name="height" value="0.8" units="cm"/>
-      <inkml:brushProperty name="color" value="#FFFC00"/>
-      <inkml:brushProperty name="tip" value="rectangle"/>
-      <inkml:brushProperty name="rasterOp" value="maskPen"/>
-    </inkml:brush>
-  </inkml:definitions>
-  <inkml:trace contextRef="#ctx0" brushRef="#br0">1 163 16383,'62'-13'0,"0"0"0,0 1 0,-1 2 0,-5 1 0,-1 1 0,-4 1 0,-2 0 0,36-4 0,-18 2 0,-13 2 0,-3 2 0,9-3 0,11-1 0,8-1 0,2 0 0,-12 4 0,-16 1 0,-13 3 0,-15 1 0,-13 0 0,-6 1 0</inkml:trace>
-</inkml:ink>
-</file>
-
-<file path=ppt/ink/ink45.xml><?xml version="1.0" encoding="utf-8"?>
-<inkml:ink xmlns:inkml="http://www.w3.org/2003/InkML">
-  <inkml:definitions>
-    <inkml:context xml:id="ctx0">
-      <inkml:inkSource xml:id="inkSrc0">
-        <inkml:traceFormat>
-          <inkml:channel name="X" type="integer" min="-2.14748E9" max="2.14748E9" units="cm"/>
-          <inkml:channel name="Y" type="integer" min="-2.14748E9" max="2.14748E9" units="cm"/>
-          <inkml:channel name="F" type="integer" max="32767" units="dev"/>
-        </inkml:traceFormat>
-        <inkml:channelProperties>
-          <inkml:channelProperty channel="X" name="resolution" value="1000" units="1/cm"/>
-          <inkml:channelProperty channel="Y" name="resolution" value="1000" units="1/cm"/>
-          <inkml:channelProperty channel="F" name="resolution" value="0" units="1/dev"/>
-        </inkml:channelProperties>
-      </inkml:inkSource>
-      <inkml:timestamp xml:id="ts0" timeString="2022-06-23T17:50:31.360"/>
-    </inkml:context>
-    <inkml:brush xml:id="br0">
-      <inkml:brushProperty name="width" value="0.4" units="cm"/>
-      <inkml:brushProperty name="height" value="0.8" units="cm"/>
-      <inkml:brushProperty name="color" value="#FFFC00"/>
-      <inkml:brushProperty name="tip" value="rectangle"/>
-      <inkml:brushProperty name="rasterOp" value="maskPen"/>
-    </inkml:brush>
-  </inkml:definitions>
-  <inkml:trace contextRef="#ctx0" brushRef="#br0">0 73 16383,'65'-1'0,"1"-1"0,-6 0 0,1 0 0,12-2 0,1 0 0,-5-1 0,-1 1 0,-5-1 0,-2 1 0,33-2 0,-41 4 0,-19 1 0,-5 1 0,3-1 0,15-1 0,6-1 0,-3 0 0,-12 2 0,-13 0 0,2-1 0,0-2 0,-4 1 0,0-1 0,-4 1 0,5-1 0</inkml:trace>
-</inkml:ink>
-</file>
-
-<file path=ppt/ink/ink46.xml><?xml version="1.0" encoding="utf-8"?>
-<inkml:ink xmlns:inkml="http://www.w3.org/2003/InkML">
-  <inkml:definitions>
-    <inkml:context xml:id="ctx0">
-      <inkml:inkSource xml:id="inkSrc0">
-        <inkml:traceFormat>
-          <inkml:channel name="X" type="integer" min="-2.14748E9" max="2.14748E9" units="cm"/>
-          <inkml:channel name="Y" type="integer" min="-2.14748E9" max="2.14748E9" units="cm"/>
-          <inkml:channel name="F" type="integer" max="32767" units="dev"/>
-        </inkml:traceFormat>
-        <inkml:channelProperties>
-          <inkml:channelProperty channel="X" name="resolution" value="1000" units="1/cm"/>
-          <inkml:channelProperty channel="Y" name="resolution" value="1000" units="1/cm"/>
-          <inkml:channelProperty channel="F" name="resolution" value="0" units="1/dev"/>
-        </inkml:channelProperties>
-      </inkml:inkSource>
-      <inkml:timestamp xml:id="ts0" timeString="2022-06-23T17:50:34.060"/>
-    </inkml:context>
-    <inkml:brush xml:id="br0">
-      <inkml:brushProperty name="width" value="0.4" units="cm"/>
-      <inkml:brushProperty name="height" value="0.8" units="cm"/>
-      <inkml:brushProperty name="color" value="#FFFC00"/>
-      <inkml:brushProperty name="tip" value="rectangle"/>
-      <inkml:brushProperty name="rasterOp" value="maskPen"/>
-    </inkml:brush>
-  </inkml:definitions>
-  <inkml:trace contextRef="#ctx0" brushRef="#br0">1 15 16383,'71'0'0,"1"0"0,-1 0 0,25-1 0,-6 1 0,-22-1 0,-8 0 0,17-1 0,-52 1 0,-16 1 0,16 0 0,-1 0 0,19-1 0,-1 0 0,-3 0 0,-4-1 0,-8 1 0,-7 0 0,-3 0 0,0 1 0</inkml:trace>
-</inkml:ink>
-</file>
-
-<file path=ppt/ink/ink47.xml><?xml version="1.0" encoding="utf-8"?>
-<inkml:ink xmlns:inkml="http://www.w3.org/2003/InkML">
-  <inkml:definitions>
-    <inkml:context xml:id="ctx0">
-      <inkml:inkSource xml:id="inkSrc0">
-        <inkml:traceFormat>
-          <inkml:channel name="X" type="integer" min="-2.14748E9" max="2.14748E9" units="cm"/>
-          <inkml:channel name="Y" type="integer" min="-2.14748E9" max="2.14748E9" units="cm"/>
-          <inkml:channel name="F" type="integer" max="32767" units="dev"/>
-        </inkml:traceFormat>
-        <inkml:channelProperties>
-          <inkml:channelProperty channel="X" name="resolution" value="1000" units="1/cm"/>
-          <inkml:channelProperty channel="Y" name="resolution" value="1000" units="1/cm"/>
-          <inkml:channelProperty channel="F" name="resolution" value="0" units="1/dev"/>
-        </inkml:channelProperties>
-      </inkml:inkSource>
-      <inkml:timestamp xml:id="ts0" timeString="2022-06-23T17:50:35.626"/>
-    </inkml:context>
-    <inkml:brush xml:id="br0">
-      <inkml:brushProperty name="width" value="0.4" units="cm"/>
-      <inkml:brushProperty name="height" value="0.8" units="cm"/>
-      <inkml:brushProperty name="color" value="#FFFC00"/>
-      <inkml:brushProperty name="tip" value="rectangle"/>
-      <inkml:brushProperty name="rasterOp" value="maskPen"/>
-    </inkml:brush>
-  </inkml:definitions>
-  <inkml:trace contextRef="#ctx0" brushRef="#br0">1 93 16383,'89'-7'0,"-1"0"0,-6 0 0,-4-1 0,-14 2 0,-4-1 0,28-4 0,-26 4 0,-15 2 0,-2 1 0,1 2 0,2 0 0,5-1 0,13-1 0,4-1 0,-7 1 0,-18 1 0,-26 2 0,-13 1 0</inkml:trace>
-</inkml:ink>
-</file>
-
-<file path=ppt/ink/ink48.xml><?xml version="1.0" encoding="utf-8"?>
-<inkml:ink xmlns:inkml="http://www.w3.org/2003/InkML">
-  <inkml:definitions>
-    <inkml:context xml:id="ctx0">
-      <inkml:inkSource xml:id="inkSrc0">
-        <inkml:traceFormat>
-          <inkml:channel name="X" type="integer" min="-2.14748E9" max="2.14748E9" units="cm"/>
-          <inkml:channel name="Y" type="integer" min="-2.14748E9" max="2.14748E9" units="cm"/>
-          <inkml:channel name="F" type="integer" max="32767" units="dev"/>
-        </inkml:traceFormat>
-        <inkml:channelProperties>
-          <inkml:channelProperty channel="X" name="resolution" value="1000" units="1/cm"/>
-          <inkml:channelProperty channel="Y" name="resolution" value="1000" units="1/cm"/>
-          <inkml:channelProperty channel="F" name="resolution" value="0" units="1/dev"/>
-        </inkml:channelProperties>
-      </inkml:inkSource>
-      <inkml:timestamp xml:id="ts0" timeString="2022-06-23T17:50:37.592"/>
-    </inkml:context>
-    <inkml:brush xml:id="br0">
-      <inkml:brushProperty name="width" value="0.4" units="cm"/>
-      <inkml:brushProperty name="height" value="0.8" units="cm"/>
-      <inkml:brushProperty name="color" value="#FFFC00"/>
-      <inkml:brushProperty name="tip" value="rectangle"/>
-      <inkml:brushProperty name="rasterOp" value="maskPen"/>
-    </inkml:brush>
-  </inkml:definitions>
-  <inkml:trace contextRef="#ctx0" brushRef="#br0">0 107 16383,'52'0'0,"-1"0"0,4 0 0,4-2 0,33-3 0,3-1 0,-25 0 0,4 0 0,12-3 0,11-2 0,-7 1 0,5-1 0,-6 1 0,-4 0 0,-6 2 0,17-1 0,-94 9 0,1 0 0,32-2 0,-21 2 0,24-2 0,-32 2 0</inkml:trace>
-</inkml:ink>
-</file>
-
-<file path=ppt/ink/ink49.xml><?xml version="1.0" encoding="utf-8"?>
+<file path=ppt/ink/ink50.xml><?xml version="1.0" encoding="utf-8"?>
 <inkml:ink xmlns:inkml="http://www.w3.org/2003/InkML">
   <inkml:definitions>
     <inkml:context xml:id="ctx0">
@@ -1449,7 +1510,277 @@
 </inkml:ink>
 </file>
 
-<file path=ppt/ink/ink5.xml><?xml version="1.0" encoding="utf-8"?>
+<file path=ppt/ink/ink51.xml><?xml version="1.0" encoding="utf-8"?>
+<inkml:ink xmlns:inkml="http://www.w3.org/2003/InkML">
+  <inkml:definitions>
+    <inkml:context xml:id="ctx0">
+      <inkml:inkSource xml:id="inkSrc0">
+        <inkml:traceFormat>
+          <inkml:channel name="X" type="integer" min="-2.14748E9" max="2.14748E9" units="cm"/>
+          <inkml:channel name="Y" type="integer" min="-2.14748E9" max="2.14748E9" units="cm"/>
+          <inkml:channel name="F" type="integer" max="32767" units="dev"/>
+        </inkml:traceFormat>
+        <inkml:channelProperties>
+          <inkml:channelProperty channel="X" name="resolution" value="1000" units="1/cm"/>
+          <inkml:channelProperty channel="Y" name="resolution" value="1000" units="1/cm"/>
+          <inkml:channelProperty channel="F" name="resolution" value="0" units="1/dev"/>
+        </inkml:channelProperties>
+      </inkml:inkSource>
+      <inkml:timestamp xml:id="ts0" timeString="2022-06-23T17:50:49.462"/>
+    </inkml:context>
+    <inkml:brush xml:id="br0">
+      <inkml:brushProperty name="width" value="0.4" units="cm"/>
+      <inkml:brushProperty name="height" value="0.8" units="cm"/>
+      <inkml:brushProperty name="color" value="#FF2500"/>
+      <inkml:brushProperty name="tip" value="rectangle"/>
+      <inkml:brushProperty name="rasterOp" value="maskPen"/>
+    </inkml:brush>
+  </inkml:definitions>
+  <inkml:trace contextRef="#ctx0" brushRef="#br0">1 0 16383,'78'2'0,"0"-1"0,0 1 0,0-1 0,18 1 0,-2-1 0,0 1 0,1-1 0,-1 1 0,-5-1 0,11-1 0,-10 0 0,-23-1 0,-9 0 0,5-2 0,-34 1 0,-25 2 0,-9 1 0</inkml:trace>
+</inkml:ink>
+</file>
+
+<file path=ppt/ink/ink52.xml><?xml version="1.0" encoding="utf-8"?>
+<inkml:ink xmlns:inkml="http://www.w3.org/2003/InkML">
+  <inkml:definitions>
+    <inkml:context xml:id="ctx0">
+      <inkml:inkSource xml:id="inkSrc0">
+        <inkml:traceFormat>
+          <inkml:channel name="X" type="integer" min="-2.14748E9" max="2.14748E9" units="cm"/>
+          <inkml:channel name="Y" type="integer" min="-2.14748E9" max="2.14748E9" units="cm"/>
+          <inkml:channel name="F" type="integer" max="32767" units="dev"/>
+        </inkml:traceFormat>
+        <inkml:channelProperties>
+          <inkml:channelProperty channel="X" name="resolution" value="1000" units="1/cm"/>
+          <inkml:channelProperty channel="Y" name="resolution" value="1000" units="1/cm"/>
+          <inkml:channelProperty channel="F" name="resolution" value="0" units="1/dev"/>
+        </inkml:channelProperties>
+      </inkml:inkSource>
+      <inkml:timestamp xml:id="ts0" timeString="2022-06-23T17:50:50.894"/>
+    </inkml:context>
+    <inkml:brush xml:id="br0">
+      <inkml:brushProperty name="width" value="0.4" units="cm"/>
+      <inkml:brushProperty name="height" value="0.8" units="cm"/>
+      <inkml:brushProperty name="color" value="#FF2500"/>
+      <inkml:brushProperty name="tip" value="rectangle"/>
+      <inkml:brushProperty name="rasterOp" value="maskPen"/>
+    </inkml:brush>
+  </inkml:definitions>
+  <inkml:trace contextRef="#ctx0" brushRef="#br0">0 183 16383,'86'-12'0,"-1"0"0,0 0 0,-8 1 0,-1 0 0,-3 0 0,24-3 0,-2 1 0,-4 3 0,-1 2 0,-3 1 0,-2 3 0,-9 1 0,-4 1 0,-14 1 0,-8 1 0,-4 0 0,-36 0 0,10-1 0,1 0 0,2 0 0,44-21 0,-53 17 0,37-16 0</inkml:trace>
+</inkml:ink>
+</file>
+
+<file path=ppt/ink/ink53.xml><?xml version="1.0" encoding="utf-8"?>
+<inkml:ink xmlns:inkml="http://www.w3.org/2003/InkML">
+  <inkml:definitions>
+    <inkml:context xml:id="ctx0">
+      <inkml:inkSource xml:id="inkSrc0">
+        <inkml:traceFormat>
+          <inkml:channel name="X" type="integer" min="-2.14748E9" max="2.14748E9" units="cm"/>
+          <inkml:channel name="Y" type="integer" min="-2.14748E9" max="2.14748E9" units="cm"/>
+          <inkml:channel name="F" type="integer" max="32767" units="dev"/>
+        </inkml:traceFormat>
+        <inkml:channelProperties>
+          <inkml:channelProperty channel="X" name="resolution" value="1000" units="1/cm"/>
+          <inkml:channelProperty channel="Y" name="resolution" value="1000" units="1/cm"/>
+          <inkml:channelProperty channel="F" name="resolution" value="0" units="1/dev"/>
+        </inkml:channelProperties>
+      </inkml:inkSource>
+      <inkml:timestamp xml:id="ts0" timeString="2022-06-23T17:51:00.895"/>
+    </inkml:context>
+    <inkml:brush xml:id="br0">
+      <inkml:brushProperty name="width" value="0.5" units="cm"/>
+      <inkml:brushProperty name="height" value="1" units="cm"/>
+      <inkml:brushProperty name="color" value="#FF2500"/>
+      <inkml:brushProperty name="tip" value="rectangle"/>
+      <inkml:brushProperty name="rasterOp" value="maskPen"/>
+    </inkml:brush>
+  </inkml:definitions>
+  <inkml:trace contextRef="#ctx0" brushRef="#br0">0 179 16383,'72'-13'0,"0"0"0,0 0 0,3 1 0,1 0 0,-4 0 0,12-3 0,-3 2 0,1 1 0,-5 3 0,-25 7 0,1 0 0,26 0 0,6-1 0,14 2 0,2-1 0,-6 1 0,-4 0 0,-19 1 0,-5 0 0,-12 0 0,-4-1 0,26-1 0,-23 0 0,-22 0 0,-16 1 0,11 1 0,-4 0 0,19-1 0,-11-1 0,0 1 0,-2-1 0,-6 0 0,4-1 0,6-7 0,-15 7 0,5-5 0</inkml:trace>
+</inkml:ink>
+</file>
+
+<file path=ppt/ink/ink54.xml><?xml version="1.0" encoding="utf-8"?>
+<inkml:ink xmlns:inkml="http://www.w3.org/2003/InkML">
+  <inkml:definitions>
+    <inkml:context xml:id="ctx0">
+      <inkml:inkSource xml:id="inkSrc0">
+        <inkml:traceFormat>
+          <inkml:channel name="X" type="integer" min="-2.14748E9" max="2.14748E9" units="cm"/>
+          <inkml:channel name="Y" type="integer" min="-2.14748E9" max="2.14748E9" units="cm"/>
+          <inkml:channel name="F" type="integer" max="32767" units="dev"/>
+        </inkml:traceFormat>
+        <inkml:channelProperties>
+          <inkml:channelProperty channel="X" name="resolution" value="1000" units="1/cm"/>
+          <inkml:channelProperty channel="Y" name="resolution" value="1000" units="1/cm"/>
+          <inkml:channelProperty channel="F" name="resolution" value="0" units="1/dev"/>
+        </inkml:channelProperties>
+      </inkml:inkSource>
+      <inkml:timestamp xml:id="ts0" timeString="2022-06-23T17:51:04.227"/>
+    </inkml:context>
+    <inkml:brush xml:id="br0">
+      <inkml:brushProperty name="width" value="0.5" units="cm"/>
+      <inkml:brushProperty name="height" value="1" units="cm"/>
+      <inkml:brushProperty name="color" value="#FF2500"/>
+      <inkml:brushProperty name="tip" value="rectangle"/>
+      <inkml:brushProperty name="rasterOp" value="maskPen"/>
+    </inkml:brush>
+  </inkml:definitions>
+  <inkml:trace contextRef="#ctx0" brushRef="#br0">1 62 16383,'66'2'0,"0"-1"0,-3 0 0,-1-1 0,-6-1 0,-1-2 0,0 1 0,-2-2 0,-1 1 0,-2-1 0,39-4 0,-13 3 0,13 0 0,-38 2 0,0 1 0,5 0 0,2 1 0,7 0 0,0-1 0,-2 2 0,-2-1 0,-7 1 0,-1 0 0,40-1 0,-23 0 0,-6-1 0,-1 0 0,-15 0 0,-8 0 0,1-1 0,-4 1 0,-6 0 0,-9 1 0,1 1 0,13 3 0,5-1 0,1 3 0,-19-3 0,-3 1 0,8-3 0,-4 2 0,7-2 0,-12 0 0</inkml:trace>
+</inkml:ink>
+</file>
+
+<file path=ppt/ink/ink55.xml><?xml version="1.0" encoding="utf-8"?>
+<inkml:ink xmlns:inkml="http://www.w3.org/2003/InkML">
+  <inkml:definitions>
+    <inkml:context xml:id="ctx0">
+      <inkml:inkSource xml:id="inkSrc0">
+        <inkml:traceFormat>
+          <inkml:channel name="X" type="integer" min="-2.14748E9" max="2.14748E9" units="cm"/>
+          <inkml:channel name="Y" type="integer" min="-2.14748E9" max="2.14748E9" units="cm"/>
+          <inkml:channel name="F" type="integer" max="32767" units="dev"/>
+        </inkml:traceFormat>
+        <inkml:channelProperties>
+          <inkml:channelProperty channel="X" name="resolution" value="1000" units="1/cm"/>
+          <inkml:channelProperty channel="Y" name="resolution" value="1000" units="1/cm"/>
+          <inkml:channelProperty channel="F" name="resolution" value="0" units="1/dev"/>
+        </inkml:channelProperties>
+      </inkml:inkSource>
+      <inkml:timestamp xml:id="ts0" timeString="2022-06-23T17:51:12.359"/>
+    </inkml:context>
+    <inkml:brush xml:id="br0">
+      <inkml:brushProperty name="width" value="0.5" units="cm"/>
+      <inkml:brushProperty name="height" value="1" units="cm"/>
+      <inkml:brushProperty name="color" value="#FF2500"/>
+      <inkml:brushProperty name="tip" value="rectangle"/>
+      <inkml:brushProperty name="rasterOp" value="maskPen"/>
+    </inkml:brush>
+  </inkml:definitions>
+  <inkml:trace contextRef="#ctx0" brushRef="#br0">0 0 16383,'96'12'0,"0"0"0,0 0 0,-19-2 0,-3-2 0,-2 1 0,-2-1 0,-1 1 0,-8-2 0,35 2 0,-50-4 0,-18-4 0,-5-1 0,6 1 0,7 0 0,2 0 0,2 0 0,3-1 0,1-1 0,-5 0 0,-3-1 0,-4-1 0,6 2 0,20-1 0,23-3 0,-1 0 0,-14 1 0,-24 2 0,-27 2 0,7-2 0,8 1 0,0-2 0,1 1 0,-6 1 0,-3 1 0,10 0 0,-7 0 0,1 0 0,1-2 0,10-1 0,4-1 0,-4 0 0,-11 3 0,-12 1 0</inkml:trace>
+</inkml:ink>
+</file>
+
+<file path=ppt/ink/ink56.xml><?xml version="1.0" encoding="utf-8"?>
+<inkml:ink xmlns:inkml="http://www.w3.org/2003/InkML">
+  <inkml:definitions>
+    <inkml:context xml:id="ctx0">
+      <inkml:inkSource xml:id="inkSrc0">
+        <inkml:traceFormat>
+          <inkml:channel name="X" type="integer" min="-2.14748E9" max="2.14748E9" units="cm"/>
+          <inkml:channel name="Y" type="integer" min="-2.14748E9" max="2.14748E9" units="cm"/>
+          <inkml:channel name="F" type="integer" max="32767" units="dev"/>
+        </inkml:traceFormat>
+        <inkml:channelProperties>
+          <inkml:channelProperty channel="X" name="resolution" value="1000" units="1/cm"/>
+          <inkml:channelProperty channel="Y" name="resolution" value="1000" units="1/cm"/>
+          <inkml:channelProperty channel="F" name="resolution" value="0" units="1/dev"/>
+        </inkml:channelProperties>
+      </inkml:inkSource>
+      <inkml:timestamp xml:id="ts0" timeString="2022-06-23T17:52:05.393"/>
+    </inkml:context>
+    <inkml:brush xml:id="br0">
+      <inkml:brushProperty name="width" value="0.4" units="cm"/>
+      <inkml:brushProperty name="height" value="0.8" units="cm"/>
+      <inkml:brushProperty name="color" value="#00F900"/>
+      <inkml:brushProperty name="tip" value="rectangle"/>
+      <inkml:brushProperty name="rasterOp" value="maskPen"/>
+    </inkml:brush>
+  </inkml:definitions>
+  <inkml:trace contextRef="#ctx0" brushRef="#br0">0 0 16383,'54'1'0,"0"0"0,11-1 0,-3 1 0,15 1 0,1-1 0,-22-1 0,-23 0 0,10 0 0,4 0 0,0 0 0,-8 0 0,-18 0 0,-10 0 0</inkml:trace>
+</inkml:ink>
+</file>
+
+<file path=ppt/ink/ink57.xml><?xml version="1.0" encoding="utf-8"?>
+<inkml:ink xmlns:inkml="http://www.w3.org/2003/InkML">
+  <inkml:definitions>
+    <inkml:context xml:id="ctx0">
+      <inkml:inkSource xml:id="inkSrc0">
+        <inkml:traceFormat>
+          <inkml:channel name="X" type="integer" min="-2.14748E9" max="2.14748E9" units="cm"/>
+          <inkml:channel name="Y" type="integer" min="-2.14748E9" max="2.14748E9" units="cm"/>
+          <inkml:channel name="F" type="integer" max="32767" units="dev"/>
+        </inkml:traceFormat>
+        <inkml:channelProperties>
+          <inkml:channelProperty channel="X" name="resolution" value="1000" units="1/cm"/>
+          <inkml:channelProperty channel="Y" name="resolution" value="1000" units="1/cm"/>
+          <inkml:channelProperty channel="F" name="resolution" value="0" units="1/dev"/>
+        </inkml:channelProperties>
+      </inkml:inkSource>
+      <inkml:timestamp xml:id="ts0" timeString="2022-06-23T17:52:07.394"/>
+    </inkml:context>
+    <inkml:brush xml:id="br0">
+      <inkml:brushProperty name="width" value="0.4" units="cm"/>
+      <inkml:brushProperty name="height" value="0.8" units="cm"/>
+      <inkml:brushProperty name="color" value="#00F900"/>
+      <inkml:brushProperty name="tip" value="rectangle"/>
+      <inkml:brushProperty name="rasterOp" value="maskPen"/>
+    </inkml:brush>
+  </inkml:definitions>
+  <inkml:trace contextRef="#ctx0" brushRef="#br0">1 92 16383,'79'-26'0,"1"4"0,0 5 0,-12 5 0,-15 5 0,-14 3 0,-4 3 0,0 1 0,0 0 0,-1 0 0,-4 0 0,-7 0 0,-6 0 0,5-1 0,0 0 0</inkml:trace>
+</inkml:ink>
+</file>
+
+<file path=ppt/ink/ink58.xml><?xml version="1.0" encoding="utf-8"?>
+<inkml:ink xmlns:inkml="http://www.w3.org/2003/InkML">
+  <inkml:definitions>
+    <inkml:context xml:id="ctx0">
+      <inkml:inkSource xml:id="inkSrc0">
+        <inkml:traceFormat>
+          <inkml:channel name="X" type="integer" min="-2.14748E9" max="2.14748E9" units="cm"/>
+          <inkml:channel name="Y" type="integer" min="-2.14748E9" max="2.14748E9" units="cm"/>
+          <inkml:channel name="F" type="integer" max="32767" units="dev"/>
+        </inkml:traceFormat>
+        <inkml:channelProperties>
+          <inkml:channelProperty channel="X" name="resolution" value="1000" units="1/cm"/>
+          <inkml:channelProperty channel="Y" name="resolution" value="1000" units="1/cm"/>
+          <inkml:channelProperty channel="F" name="resolution" value="0" units="1/dev"/>
+        </inkml:channelProperties>
+      </inkml:inkSource>
+      <inkml:timestamp xml:id="ts0" timeString="2022-06-23T17:52:11.427"/>
+    </inkml:context>
+    <inkml:brush xml:id="br0">
+      <inkml:brushProperty name="width" value="0.4" units="cm"/>
+      <inkml:brushProperty name="height" value="0.8" units="cm"/>
+      <inkml:brushProperty name="color" value="#00F900"/>
+      <inkml:brushProperty name="tip" value="rectangle"/>
+      <inkml:brushProperty name="rasterOp" value="maskPen"/>
+    </inkml:brush>
+  </inkml:definitions>
+  <inkml:trace contextRef="#ctx0" brushRef="#br0">1 94 16383,'90'-11'0,"0"0"0,-13 2 0,-4 0 0,-14 2 0,-6 1 0,13-1 0,-26 3 0,-23 3 0,0 1 0,12 0 0,0-1 0,3-1 0,-17 1 0,7-1 0,11 1 0,37-1 0,10-3 0,-1 1 0,-30 0 0,-27 1 0,-16 3 0,22-1 0,8-2 0</inkml:trace>
+</inkml:ink>
+</file>
+
+<file path=ppt/ink/ink59.xml><?xml version="1.0" encoding="utf-8"?>
+<inkml:ink xmlns:inkml="http://www.w3.org/2003/InkML">
+  <inkml:definitions>
+    <inkml:context xml:id="ctx0">
+      <inkml:inkSource xml:id="inkSrc0">
+        <inkml:traceFormat>
+          <inkml:channel name="X" type="integer" min="-2.14748E9" max="2.14748E9" units="cm"/>
+          <inkml:channel name="Y" type="integer" min="-2.14748E9" max="2.14748E9" units="cm"/>
+          <inkml:channel name="F" type="integer" max="32767" units="dev"/>
+        </inkml:traceFormat>
+        <inkml:channelProperties>
+          <inkml:channelProperty channel="X" name="resolution" value="1000" units="1/cm"/>
+          <inkml:channelProperty channel="Y" name="resolution" value="1000" units="1/cm"/>
+          <inkml:channelProperty channel="F" name="resolution" value="0" units="1/dev"/>
+        </inkml:channelProperties>
+      </inkml:inkSource>
+      <inkml:timestamp xml:id="ts0" timeString="2022-06-23T17:52:14.394"/>
+    </inkml:context>
+    <inkml:brush xml:id="br0">
+      <inkml:brushProperty name="width" value="0.4" units="cm"/>
+      <inkml:brushProperty name="height" value="0.8" units="cm"/>
+      <inkml:brushProperty name="color" value="#00F900"/>
+      <inkml:brushProperty name="tip" value="rectangle"/>
+      <inkml:brushProperty name="rasterOp" value="maskPen"/>
+    </inkml:brush>
+  </inkml:definitions>
+  <inkml:trace contextRef="#ctx0" brushRef="#br0">1 1 16383,'87'8'0,"0"0"0,0 0 0,0 0 0,1 0 0,-1 0 0,8-1 0,-1 0 0,-2-1 0,0 0 0,0 0 0,-3-1 0,1 1 0,-1-1 0,-4-1 0,-6 0 0,18-2 0,-7 0 0,-11-1 0,-8 0 0,-13-1 0,-3 0 0,-19-1 0,-8 0 0,5-1 0,11-3 0,0 0 0,-6 0 0,-16 1 0,-83 3 0,-17 4 0,12-1 0,-3 0 0,14 1 0,4 1 0,-28 1 0,33-2 0,19-1 0,3-2 0,-4 0 0,-9 0 0,13 0 0,5 0 0</inkml:trace>
+</inkml:ink>
+</file>
+
+<file path=ppt/ink/ink6.xml><?xml version="1.0" encoding="utf-8"?>
 <inkml:ink xmlns:inkml="http://www.w3.org/2003/InkML">
   <inkml:definitions>
     <inkml:context xml:id="ctx0">
@@ -1479,277 +1810,7 @@
 </inkml:ink>
 </file>
 
-<file path=ppt/ink/ink50.xml><?xml version="1.0" encoding="utf-8"?>
-<inkml:ink xmlns:inkml="http://www.w3.org/2003/InkML">
-  <inkml:definitions>
-    <inkml:context xml:id="ctx0">
-      <inkml:inkSource xml:id="inkSrc0">
-        <inkml:traceFormat>
-          <inkml:channel name="X" type="integer" min="-2.14748E9" max="2.14748E9" units="cm"/>
-          <inkml:channel name="Y" type="integer" min="-2.14748E9" max="2.14748E9" units="cm"/>
-          <inkml:channel name="F" type="integer" max="32767" units="dev"/>
-        </inkml:traceFormat>
-        <inkml:channelProperties>
-          <inkml:channelProperty channel="X" name="resolution" value="1000" units="1/cm"/>
-          <inkml:channelProperty channel="Y" name="resolution" value="1000" units="1/cm"/>
-          <inkml:channelProperty channel="F" name="resolution" value="0" units="1/dev"/>
-        </inkml:channelProperties>
-      </inkml:inkSource>
-      <inkml:timestamp xml:id="ts0" timeString="2022-06-23T17:50:49.462"/>
-    </inkml:context>
-    <inkml:brush xml:id="br0">
-      <inkml:brushProperty name="width" value="0.4" units="cm"/>
-      <inkml:brushProperty name="height" value="0.8" units="cm"/>
-      <inkml:brushProperty name="color" value="#FF2500"/>
-      <inkml:brushProperty name="tip" value="rectangle"/>
-      <inkml:brushProperty name="rasterOp" value="maskPen"/>
-    </inkml:brush>
-  </inkml:definitions>
-  <inkml:trace contextRef="#ctx0" brushRef="#br0">1 0 16383,'78'2'0,"0"-1"0,0 1 0,0-1 0,18 1 0,-2-1 0,0 1 0,1-1 0,-1 1 0,-5-1 0,11-1 0,-10 0 0,-23-1 0,-9 0 0,5-2 0,-34 1 0,-25 2 0,-9 1 0</inkml:trace>
-</inkml:ink>
-</file>
-
-<file path=ppt/ink/ink51.xml><?xml version="1.0" encoding="utf-8"?>
-<inkml:ink xmlns:inkml="http://www.w3.org/2003/InkML">
-  <inkml:definitions>
-    <inkml:context xml:id="ctx0">
-      <inkml:inkSource xml:id="inkSrc0">
-        <inkml:traceFormat>
-          <inkml:channel name="X" type="integer" min="-2.14748E9" max="2.14748E9" units="cm"/>
-          <inkml:channel name="Y" type="integer" min="-2.14748E9" max="2.14748E9" units="cm"/>
-          <inkml:channel name="F" type="integer" max="32767" units="dev"/>
-        </inkml:traceFormat>
-        <inkml:channelProperties>
-          <inkml:channelProperty channel="X" name="resolution" value="1000" units="1/cm"/>
-          <inkml:channelProperty channel="Y" name="resolution" value="1000" units="1/cm"/>
-          <inkml:channelProperty channel="F" name="resolution" value="0" units="1/dev"/>
-        </inkml:channelProperties>
-      </inkml:inkSource>
-      <inkml:timestamp xml:id="ts0" timeString="2022-06-23T17:50:50.894"/>
-    </inkml:context>
-    <inkml:brush xml:id="br0">
-      <inkml:brushProperty name="width" value="0.4" units="cm"/>
-      <inkml:brushProperty name="height" value="0.8" units="cm"/>
-      <inkml:brushProperty name="color" value="#FF2500"/>
-      <inkml:brushProperty name="tip" value="rectangle"/>
-      <inkml:brushProperty name="rasterOp" value="maskPen"/>
-    </inkml:brush>
-  </inkml:definitions>
-  <inkml:trace contextRef="#ctx0" brushRef="#br0">0 183 16383,'86'-12'0,"-1"0"0,0 0 0,-8 1 0,-1 0 0,-3 0 0,24-3 0,-2 1 0,-4 3 0,-1 2 0,-3 1 0,-2 3 0,-9 1 0,-4 1 0,-14 1 0,-8 1 0,-4 0 0,-36 0 0,10-1 0,1 0 0,2 0 0,44-21 0,-53 17 0,37-16 0</inkml:trace>
-</inkml:ink>
-</file>
-
-<file path=ppt/ink/ink52.xml><?xml version="1.0" encoding="utf-8"?>
-<inkml:ink xmlns:inkml="http://www.w3.org/2003/InkML">
-  <inkml:definitions>
-    <inkml:context xml:id="ctx0">
-      <inkml:inkSource xml:id="inkSrc0">
-        <inkml:traceFormat>
-          <inkml:channel name="X" type="integer" min="-2.14748E9" max="2.14748E9" units="cm"/>
-          <inkml:channel name="Y" type="integer" min="-2.14748E9" max="2.14748E9" units="cm"/>
-          <inkml:channel name="F" type="integer" max="32767" units="dev"/>
-        </inkml:traceFormat>
-        <inkml:channelProperties>
-          <inkml:channelProperty channel="X" name="resolution" value="1000" units="1/cm"/>
-          <inkml:channelProperty channel="Y" name="resolution" value="1000" units="1/cm"/>
-          <inkml:channelProperty channel="F" name="resolution" value="0" units="1/dev"/>
-        </inkml:channelProperties>
-      </inkml:inkSource>
-      <inkml:timestamp xml:id="ts0" timeString="2022-06-23T17:51:00.895"/>
-    </inkml:context>
-    <inkml:brush xml:id="br0">
-      <inkml:brushProperty name="width" value="0.5" units="cm"/>
-      <inkml:brushProperty name="height" value="1" units="cm"/>
-      <inkml:brushProperty name="color" value="#FF2500"/>
-      <inkml:brushProperty name="tip" value="rectangle"/>
-      <inkml:brushProperty name="rasterOp" value="maskPen"/>
-    </inkml:brush>
-  </inkml:definitions>
-  <inkml:trace contextRef="#ctx0" brushRef="#br0">0 179 16383,'72'-13'0,"0"0"0,0 0 0,3 1 0,1 0 0,-4 0 0,12-3 0,-3 2 0,1 1 0,-5 3 0,-25 7 0,1 0 0,26 0 0,6-1 0,14 2 0,2-1 0,-6 1 0,-4 0 0,-19 1 0,-5 0 0,-12 0 0,-4-1 0,26-1 0,-23 0 0,-22 0 0,-16 1 0,11 1 0,-4 0 0,19-1 0,-11-1 0,0 1 0,-2-1 0,-6 0 0,4-1 0,6-7 0,-15 7 0,5-5 0</inkml:trace>
-</inkml:ink>
-</file>
-
-<file path=ppt/ink/ink53.xml><?xml version="1.0" encoding="utf-8"?>
-<inkml:ink xmlns:inkml="http://www.w3.org/2003/InkML">
-  <inkml:definitions>
-    <inkml:context xml:id="ctx0">
-      <inkml:inkSource xml:id="inkSrc0">
-        <inkml:traceFormat>
-          <inkml:channel name="X" type="integer" min="-2.14748E9" max="2.14748E9" units="cm"/>
-          <inkml:channel name="Y" type="integer" min="-2.14748E9" max="2.14748E9" units="cm"/>
-          <inkml:channel name="F" type="integer" max="32767" units="dev"/>
-        </inkml:traceFormat>
-        <inkml:channelProperties>
-          <inkml:channelProperty channel="X" name="resolution" value="1000" units="1/cm"/>
-          <inkml:channelProperty channel="Y" name="resolution" value="1000" units="1/cm"/>
-          <inkml:channelProperty channel="F" name="resolution" value="0" units="1/dev"/>
-        </inkml:channelProperties>
-      </inkml:inkSource>
-      <inkml:timestamp xml:id="ts0" timeString="2022-06-23T17:51:04.227"/>
-    </inkml:context>
-    <inkml:brush xml:id="br0">
-      <inkml:brushProperty name="width" value="0.5" units="cm"/>
-      <inkml:brushProperty name="height" value="1" units="cm"/>
-      <inkml:brushProperty name="color" value="#FF2500"/>
-      <inkml:brushProperty name="tip" value="rectangle"/>
-      <inkml:brushProperty name="rasterOp" value="maskPen"/>
-    </inkml:brush>
-  </inkml:definitions>
-  <inkml:trace contextRef="#ctx0" brushRef="#br0">1 62 16383,'66'2'0,"0"-1"0,-3 0 0,-1-1 0,-6-1 0,-1-2 0,0 1 0,-2-2 0,-1 1 0,-2-1 0,39-4 0,-13 3 0,13 0 0,-38 2 0,0 1 0,5 0 0,2 1 0,7 0 0,0-1 0,-2 2 0,-2-1 0,-7 1 0,-1 0 0,40-1 0,-23 0 0,-6-1 0,-1 0 0,-15 0 0,-8 0 0,1-1 0,-4 1 0,-6 0 0,-9 1 0,1 1 0,13 3 0,5-1 0,1 3 0,-19-3 0,-3 1 0,8-3 0,-4 2 0,7-2 0,-12 0 0</inkml:trace>
-</inkml:ink>
-</file>
-
-<file path=ppt/ink/ink54.xml><?xml version="1.0" encoding="utf-8"?>
-<inkml:ink xmlns:inkml="http://www.w3.org/2003/InkML">
-  <inkml:definitions>
-    <inkml:context xml:id="ctx0">
-      <inkml:inkSource xml:id="inkSrc0">
-        <inkml:traceFormat>
-          <inkml:channel name="X" type="integer" min="-2.14748E9" max="2.14748E9" units="cm"/>
-          <inkml:channel name="Y" type="integer" min="-2.14748E9" max="2.14748E9" units="cm"/>
-          <inkml:channel name="F" type="integer" max="32767" units="dev"/>
-        </inkml:traceFormat>
-        <inkml:channelProperties>
-          <inkml:channelProperty channel="X" name="resolution" value="1000" units="1/cm"/>
-          <inkml:channelProperty channel="Y" name="resolution" value="1000" units="1/cm"/>
-          <inkml:channelProperty channel="F" name="resolution" value="0" units="1/dev"/>
-        </inkml:channelProperties>
-      </inkml:inkSource>
-      <inkml:timestamp xml:id="ts0" timeString="2022-06-23T17:51:12.359"/>
-    </inkml:context>
-    <inkml:brush xml:id="br0">
-      <inkml:brushProperty name="width" value="0.5" units="cm"/>
-      <inkml:brushProperty name="height" value="1" units="cm"/>
-      <inkml:brushProperty name="color" value="#FF2500"/>
-      <inkml:brushProperty name="tip" value="rectangle"/>
-      <inkml:brushProperty name="rasterOp" value="maskPen"/>
-    </inkml:brush>
-  </inkml:definitions>
-  <inkml:trace contextRef="#ctx0" brushRef="#br0">0 0 16383,'96'12'0,"0"0"0,0 0 0,-19-2 0,-3-2 0,-2 1 0,-2-1 0,-1 1 0,-8-2 0,35 2 0,-50-4 0,-18-4 0,-5-1 0,6 1 0,7 0 0,2 0 0,2 0 0,3-1 0,1-1 0,-5 0 0,-3-1 0,-4-1 0,6 2 0,20-1 0,23-3 0,-1 0 0,-14 1 0,-24 2 0,-27 2 0,7-2 0,8 1 0,0-2 0,1 1 0,-6 1 0,-3 1 0,10 0 0,-7 0 0,1 0 0,1-2 0,10-1 0,4-1 0,-4 0 0,-11 3 0,-12 1 0</inkml:trace>
-</inkml:ink>
-</file>
-
-<file path=ppt/ink/ink55.xml><?xml version="1.0" encoding="utf-8"?>
-<inkml:ink xmlns:inkml="http://www.w3.org/2003/InkML">
-  <inkml:definitions>
-    <inkml:context xml:id="ctx0">
-      <inkml:inkSource xml:id="inkSrc0">
-        <inkml:traceFormat>
-          <inkml:channel name="X" type="integer" min="-2.14748E9" max="2.14748E9" units="cm"/>
-          <inkml:channel name="Y" type="integer" min="-2.14748E9" max="2.14748E9" units="cm"/>
-          <inkml:channel name="F" type="integer" max="32767" units="dev"/>
-        </inkml:traceFormat>
-        <inkml:channelProperties>
-          <inkml:channelProperty channel="X" name="resolution" value="1000" units="1/cm"/>
-          <inkml:channelProperty channel="Y" name="resolution" value="1000" units="1/cm"/>
-          <inkml:channelProperty channel="F" name="resolution" value="0" units="1/dev"/>
-        </inkml:channelProperties>
-      </inkml:inkSource>
-      <inkml:timestamp xml:id="ts0" timeString="2022-06-23T17:52:05.393"/>
-    </inkml:context>
-    <inkml:brush xml:id="br0">
-      <inkml:brushProperty name="width" value="0.4" units="cm"/>
-      <inkml:brushProperty name="height" value="0.8" units="cm"/>
-      <inkml:brushProperty name="color" value="#00F900"/>
-      <inkml:brushProperty name="tip" value="rectangle"/>
-      <inkml:brushProperty name="rasterOp" value="maskPen"/>
-    </inkml:brush>
-  </inkml:definitions>
-  <inkml:trace contextRef="#ctx0" brushRef="#br0">0 0 16383,'54'1'0,"0"0"0,11-1 0,-3 1 0,15 1 0,1-1 0,-22-1 0,-23 0 0,10 0 0,4 0 0,0 0 0,-8 0 0,-18 0 0,-10 0 0</inkml:trace>
-</inkml:ink>
-</file>
-
-<file path=ppt/ink/ink56.xml><?xml version="1.0" encoding="utf-8"?>
-<inkml:ink xmlns:inkml="http://www.w3.org/2003/InkML">
-  <inkml:definitions>
-    <inkml:context xml:id="ctx0">
-      <inkml:inkSource xml:id="inkSrc0">
-        <inkml:traceFormat>
-          <inkml:channel name="X" type="integer" min="-2.14748E9" max="2.14748E9" units="cm"/>
-          <inkml:channel name="Y" type="integer" min="-2.14748E9" max="2.14748E9" units="cm"/>
-          <inkml:channel name="F" type="integer" max="32767" units="dev"/>
-        </inkml:traceFormat>
-        <inkml:channelProperties>
-          <inkml:channelProperty channel="X" name="resolution" value="1000" units="1/cm"/>
-          <inkml:channelProperty channel="Y" name="resolution" value="1000" units="1/cm"/>
-          <inkml:channelProperty channel="F" name="resolution" value="0" units="1/dev"/>
-        </inkml:channelProperties>
-      </inkml:inkSource>
-      <inkml:timestamp xml:id="ts0" timeString="2022-06-23T17:52:07.394"/>
-    </inkml:context>
-    <inkml:brush xml:id="br0">
-      <inkml:brushProperty name="width" value="0.4" units="cm"/>
-      <inkml:brushProperty name="height" value="0.8" units="cm"/>
-      <inkml:brushProperty name="color" value="#00F900"/>
-      <inkml:brushProperty name="tip" value="rectangle"/>
-      <inkml:brushProperty name="rasterOp" value="maskPen"/>
-    </inkml:brush>
-  </inkml:definitions>
-  <inkml:trace contextRef="#ctx0" brushRef="#br0">1 92 16383,'79'-26'0,"1"4"0,0 5 0,-12 5 0,-15 5 0,-14 3 0,-4 3 0,0 1 0,0 0 0,-1 0 0,-4 0 0,-7 0 0,-6 0 0,5-1 0,0 0 0</inkml:trace>
-</inkml:ink>
-</file>
-
-<file path=ppt/ink/ink57.xml><?xml version="1.0" encoding="utf-8"?>
-<inkml:ink xmlns:inkml="http://www.w3.org/2003/InkML">
-  <inkml:definitions>
-    <inkml:context xml:id="ctx0">
-      <inkml:inkSource xml:id="inkSrc0">
-        <inkml:traceFormat>
-          <inkml:channel name="X" type="integer" min="-2.14748E9" max="2.14748E9" units="cm"/>
-          <inkml:channel name="Y" type="integer" min="-2.14748E9" max="2.14748E9" units="cm"/>
-          <inkml:channel name="F" type="integer" max="32767" units="dev"/>
-        </inkml:traceFormat>
-        <inkml:channelProperties>
-          <inkml:channelProperty channel="X" name="resolution" value="1000" units="1/cm"/>
-          <inkml:channelProperty channel="Y" name="resolution" value="1000" units="1/cm"/>
-          <inkml:channelProperty channel="F" name="resolution" value="0" units="1/dev"/>
-        </inkml:channelProperties>
-      </inkml:inkSource>
-      <inkml:timestamp xml:id="ts0" timeString="2022-06-23T17:52:11.427"/>
-    </inkml:context>
-    <inkml:brush xml:id="br0">
-      <inkml:brushProperty name="width" value="0.4" units="cm"/>
-      <inkml:brushProperty name="height" value="0.8" units="cm"/>
-      <inkml:brushProperty name="color" value="#00F900"/>
-      <inkml:brushProperty name="tip" value="rectangle"/>
-      <inkml:brushProperty name="rasterOp" value="maskPen"/>
-    </inkml:brush>
-  </inkml:definitions>
-  <inkml:trace contextRef="#ctx0" brushRef="#br0">1 94 16383,'90'-11'0,"0"0"0,-13 2 0,-4 0 0,-14 2 0,-6 1 0,13-1 0,-26 3 0,-23 3 0,0 1 0,12 0 0,0-1 0,3-1 0,-17 1 0,7-1 0,11 1 0,37-1 0,10-3 0,-1 1 0,-30 0 0,-27 1 0,-16 3 0,22-1 0,8-2 0</inkml:trace>
-</inkml:ink>
-</file>
-
-<file path=ppt/ink/ink58.xml><?xml version="1.0" encoding="utf-8"?>
-<inkml:ink xmlns:inkml="http://www.w3.org/2003/InkML">
-  <inkml:definitions>
-    <inkml:context xml:id="ctx0">
-      <inkml:inkSource xml:id="inkSrc0">
-        <inkml:traceFormat>
-          <inkml:channel name="X" type="integer" min="-2.14748E9" max="2.14748E9" units="cm"/>
-          <inkml:channel name="Y" type="integer" min="-2.14748E9" max="2.14748E9" units="cm"/>
-          <inkml:channel name="F" type="integer" max="32767" units="dev"/>
-        </inkml:traceFormat>
-        <inkml:channelProperties>
-          <inkml:channelProperty channel="X" name="resolution" value="1000" units="1/cm"/>
-          <inkml:channelProperty channel="Y" name="resolution" value="1000" units="1/cm"/>
-          <inkml:channelProperty channel="F" name="resolution" value="0" units="1/dev"/>
-        </inkml:channelProperties>
-      </inkml:inkSource>
-      <inkml:timestamp xml:id="ts0" timeString="2022-06-23T17:52:14.394"/>
-    </inkml:context>
-    <inkml:brush xml:id="br0">
-      <inkml:brushProperty name="width" value="0.4" units="cm"/>
-      <inkml:brushProperty name="height" value="0.8" units="cm"/>
-      <inkml:brushProperty name="color" value="#00F900"/>
-      <inkml:brushProperty name="tip" value="rectangle"/>
-      <inkml:brushProperty name="rasterOp" value="maskPen"/>
-    </inkml:brush>
-  </inkml:definitions>
-  <inkml:trace contextRef="#ctx0" brushRef="#br0">1 1 16383,'87'8'0,"0"0"0,0 0 0,0 0 0,1 0 0,-1 0 0,8-1 0,-1 0 0,-2-1 0,0 0 0,0 0 0,-3-1 0,1 1 0,-1-1 0,-4-1 0,-6 0 0,18-2 0,-7 0 0,-11-1 0,-8 0 0,-13-1 0,-3 0 0,-19-1 0,-8 0 0,5-1 0,11-3 0,0 0 0,-6 0 0,-16 1 0,-83 3 0,-17 4 0,12-1 0,-3 0 0,14 1 0,4 1 0,-28 1 0,33-2 0,19-1 0,3-2 0,-4 0 0,-9 0 0,13 0 0,5 0 0</inkml:trace>
-</inkml:ink>
-</file>
-
-<file path=ppt/ink/ink59.xml><?xml version="1.0" encoding="utf-8"?>
+<file path=ppt/ink/ink60.xml><?xml version="1.0" encoding="utf-8"?>
 <inkml:ink xmlns:inkml="http://www.w3.org/2003/InkML">
   <inkml:definitions>
     <inkml:context xml:id="ctx0">
@@ -1779,7 +1840,277 @@
 </inkml:ink>
 </file>
 
-<file path=ppt/ink/ink6.xml><?xml version="1.0" encoding="utf-8"?>
+<file path=ppt/ink/ink61.xml><?xml version="1.0" encoding="utf-8"?>
+<inkml:ink xmlns:inkml="http://www.w3.org/2003/InkML">
+  <inkml:definitions>
+    <inkml:context xml:id="ctx0">
+      <inkml:inkSource xml:id="inkSrc0">
+        <inkml:traceFormat>
+          <inkml:channel name="X" type="integer" min="-2.14748E9" max="2.14748E9" units="cm"/>
+          <inkml:channel name="Y" type="integer" min="-2.14748E9" max="2.14748E9" units="cm"/>
+          <inkml:channel name="F" type="integer" max="32767" units="dev"/>
+        </inkml:traceFormat>
+        <inkml:channelProperties>
+          <inkml:channelProperty channel="X" name="resolution" value="1000" units="1/cm"/>
+          <inkml:channelProperty channel="Y" name="resolution" value="1000" units="1/cm"/>
+          <inkml:channelProperty channel="F" name="resolution" value="0" units="1/dev"/>
+        </inkml:channelProperties>
+      </inkml:inkSource>
+      <inkml:timestamp xml:id="ts0" timeString="2022-06-23T17:52:59.760"/>
+    </inkml:context>
+    <inkml:brush xml:id="br0">
+      <inkml:brushProperty name="width" value="0.4" units="cm"/>
+      <inkml:brushProperty name="height" value="0.8" units="cm"/>
+      <inkml:brushProperty name="color" value="#00F900"/>
+      <inkml:brushProperty name="tip" value="rectangle"/>
+      <inkml:brushProperty name="rasterOp" value="maskPen"/>
+    </inkml:brush>
+  </inkml:definitions>
+  <inkml:trace contextRef="#ctx0" brushRef="#br0">0 23 16383,'80'-1'0,"0"-2"0,-6-2 0,-23 1 0,5 0 0,28 1 0,6 1 0,-22 1 0,3 1 0,-2 0 0,33 1 0,-6 0 0,-24 1 0,-10 0 0,-9 0 0,-33-2 0,-8 0 0,24-2 0,1 2 0,18-2 0,-15 2 0,-19 0 0,-13 0 0</inkml:trace>
+</inkml:ink>
+</file>
+
+<file path=ppt/ink/ink62.xml><?xml version="1.0" encoding="utf-8"?>
+<inkml:ink xmlns:inkml="http://www.w3.org/2003/InkML">
+  <inkml:definitions>
+    <inkml:context xml:id="ctx0">
+      <inkml:inkSource xml:id="inkSrc0">
+        <inkml:traceFormat>
+          <inkml:channel name="X" type="integer" min="-2.14748E9" max="2.14748E9" units="cm"/>
+          <inkml:channel name="Y" type="integer" min="-2.14748E9" max="2.14748E9" units="cm"/>
+          <inkml:channel name="F" type="integer" max="32767" units="dev"/>
+        </inkml:traceFormat>
+        <inkml:channelProperties>
+          <inkml:channelProperty channel="X" name="resolution" value="1000" units="1/cm"/>
+          <inkml:channelProperty channel="Y" name="resolution" value="1000" units="1/cm"/>
+          <inkml:channelProperty channel="F" name="resolution" value="0" units="1/dev"/>
+        </inkml:channelProperties>
+      </inkml:inkSource>
+      <inkml:timestamp xml:id="ts0" timeString="2022-06-23T17:53:01.962"/>
+    </inkml:context>
+    <inkml:brush xml:id="br0">
+      <inkml:brushProperty name="width" value="0.4" units="cm"/>
+      <inkml:brushProperty name="height" value="0.8" units="cm"/>
+      <inkml:brushProperty name="color" value="#00F900"/>
+      <inkml:brushProperty name="tip" value="rectangle"/>
+      <inkml:brushProperty name="rasterOp" value="maskPen"/>
+    </inkml:brush>
+  </inkml:definitions>
+  <inkml:trace contextRef="#ctx0" brushRef="#br0">1 12 16383,'89'6'0,"-6"-2"0,-20-3 0,8-1 0,15-1 0,5 0 0,-24 1 0,1-1 0,-1 0 0,27 0 0,-8 0 0,9-2 0,-58 2 0,-31 0 0,17-4 0,4-1 0</inkml:trace>
+</inkml:ink>
+</file>
+
+<file path=ppt/ink/ink63.xml><?xml version="1.0" encoding="utf-8"?>
+<inkml:ink xmlns:inkml="http://www.w3.org/2003/InkML">
+  <inkml:definitions>
+    <inkml:context xml:id="ctx0">
+      <inkml:inkSource xml:id="inkSrc0">
+        <inkml:traceFormat>
+          <inkml:channel name="X" type="integer" min="-2.14748E9" max="2.14748E9" units="cm"/>
+          <inkml:channel name="Y" type="integer" min="-2.14748E9" max="2.14748E9" units="cm"/>
+          <inkml:channel name="F" type="integer" max="32767" units="dev"/>
+        </inkml:traceFormat>
+        <inkml:channelProperties>
+          <inkml:channelProperty channel="X" name="resolution" value="1000" units="1/cm"/>
+          <inkml:channelProperty channel="Y" name="resolution" value="1000" units="1/cm"/>
+          <inkml:channelProperty channel="F" name="resolution" value="0" units="1/dev"/>
+        </inkml:channelProperties>
+      </inkml:inkSource>
+      <inkml:timestamp xml:id="ts0" timeString="2022-06-23T17:53:05.327"/>
+    </inkml:context>
+    <inkml:brush xml:id="br0">
+      <inkml:brushProperty name="width" value="0.4" units="cm"/>
+      <inkml:brushProperty name="height" value="0.8" units="cm"/>
+      <inkml:brushProperty name="color" value="#00F900"/>
+      <inkml:brushProperty name="tip" value="rectangle"/>
+      <inkml:brushProperty name="rasterOp" value="maskPen"/>
+    </inkml:brush>
+  </inkml:definitions>
+  <inkml:trace contextRef="#ctx0" brushRef="#br0">1 1 16383,'79'25'0,"4"-4"0,-16-19 0,18 0 0,2-1 0,8-1 0,-41 1 0,1 0 0,44 0 0,-7 1 0,-11-1 0,-21 1 0,-11-1 0,-20 0 0,-7-1 0,-9 0 0,6 0 0</inkml:trace>
+</inkml:ink>
+</file>
+
+<file path=ppt/ink/ink64.xml><?xml version="1.0" encoding="utf-8"?>
+<inkml:ink xmlns:inkml="http://www.w3.org/2003/InkML">
+  <inkml:definitions>
+    <inkml:context xml:id="ctx0">
+      <inkml:inkSource xml:id="inkSrc0">
+        <inkml:traceFormat>
+          <inkml:channel name="X" type="integer" min="-2.14748E9" max="2.14748E9" units="cm"/>
+          <inkml:channel name="Y" type="integer" min="-2.14748E9" max="2.14748E9" units="cm"/>
+          <inkml:channel name="F" type="integer" max="32767" units="dev"/>
+        </inkml:traceFormat>
+        <inkml:channelProperties>
+          <inkml:channelProperty channel="X" name="resolution" value="1000" units="1/cm"/>
+          <inkml:channelProperty channel="Y" name="resolution" value="1000" units="1/cm"/>
+          <inkml:channelProperty channel="F" name="resolution" value="0" units="1/dev"/>
+        </inkml:channelProperties>
+      </inkml:inkSource>
+      <inkml:timestamp xml:id="ts0" timeString="2022-06-23T17:53:08.359"/>
+    </inkml:context>
+    <inkml:brush xml:id="br0">
+      <inkml:brushProperty name="width" value="0.4" units="cm"/>
+      <inkml:brushProperty name="height" value="0.8" units="cm"/>
+      <inkml:brushProperty name="color" value="#00F900"/>
+      <inkml:brushProperty name="tip" value="rectangle"/>
+      <inkml:brushProperty name="rasterOp" value="maskPen"/>
+    </inkml:brush>
+  </inkml:definitions>
+  <inkml:trace contextRef="#ctx0" brushRef="#br0">0 38 16383,'86'-7'0,"-10"1"0,0 1 0,-11 3 0,-10 1 0,-2 0 0,-10 0 0,-9 0 0,-9 0 0,-8 0 0,6-2 0,-6 1 0,11-2 0,-9 2 0</inkml:trace>
+</inkml:ink>
+</file>
+
+<file path=ppt/ink/ink65.xml><?xml version="1.0" encoding="utf-8"?>
+<inkml:ink xmlns:inkml="http://www.w3.org/2003/InkML">
+  <inkml:definitions>
+    <inkml:context xml:id="ctx0">
+      <inkml:inkSource xml:id="inkSrc0">
+        <inkml:traceFormat>
+          <inkml:channel name="X" type="integer" min="-2.14748E9" max="2.14748E9" units="cm"/>
+          <inkml:channel name="Y" type="integer" min="-2.14748E9" max="2.14748E9" units="cm"/>
+          <inkml:channel name="F" type="integer" max="32767" units="dev"/>
+        </inkml:traceFormat>
+        <inkml:channelProperties>
+          <inkml:channelProperty channel="X" name="resolution" value="1000" units="1/cm"/>
+          <inkml:channelProperty channel="Y" name="resolution" value="1000" units="1/cm"/>
+          <inkml:channelProperty channel="F" name="resolution" value="0" units="1/dev"/>
+        </inkml:channelProperties>
+      </inkml:inkSource>
+      <inkml:timestamp xml:id="ts0" timeString="2022-06-23T17:53:11.093"/>
+    </inkml:context>
+    <inkml:brush xml:id="br0">
+      <inkml:brushProperty name="width" value="0.4" units="cm"/>
+      <inkml:brushProperty name="height" value="0.8" units="cm"/>
+      <inkml:brushProperty name="color" value="#00F900"/>
+      <inkml:brushProperty name="tip" value="rectangle"/>
+      <inkml:brushProperty name="rasterOp" value="maskPen"/>
+    </inkml:brush>
+  </inkml:definitions>
+  <inkml:trace contextRef="#ctx0" brushRef="#br0">1 41 16383,'67'-3'0,"-10"0"0,-35 2 0,31-5 0,20-2 0,7 0 0,-7 1 0,-38 5 0,-15 0 0,-6 1 0,-3 1 0</inkml:trace>
+</inkml:ink>
+</file>
+
+<file path=ppt/ink/ink66.xml><?xml version="1.0" encoding="utf-8"?>
+<inkml:ink xmlns:inkml="http://www.w3.org/2003/InkML">
+  <inkml:definitions>
+    <inkml:context xml:id="ctx0">
+      <inkml:inkSource xml:id="inkSrc0">
+        <inkml:traceFormat>
+          <inkml:channel name="X" type="integer" min="-2.14748E9" max="2.14748E9" units="cm"/>
+          <inkml:channel name="Y" type="integer" min="-2.14748E9" max="2.14748E9" units="cm"/>
+          <inkml:channel name="F" type="integer" max="32767" units="dev"/>
+        </inkml:traceFormat>
+        <inkml:channelProperties>
+          <inkml:channelProperty channel="X" name="resolution" value="1000" units="1/cm"/>
+          <inkml:channelProperty channel="Y" name="resolution" value="1000" units="1/cm"/>
+          <inkml:channelProperty channel="F" name="resolution" value="0" units="1/dev"/>
+        </inkml:channelProperties>
+      </inkml:inkSource>
+      <inkml:timestamp xml:id="ts0" timeString="2022-06-23T17:53:28.660"/>
+    </inkml:context>
+    <inkml:brush xml:id="br0">
+      <inkml:brushProperty name="width" value="0.4" units="cm"/>
+      <inkml:brushProperty name="height" value="0.8" units="cm"/>
+      <inkml:brushProperty name="color" value="#FFFC00"/>
+      <inkml:brushProperty name="tip" value="rectangle"/>
+      <inkml:brushProperty name="rasterOp" value="maskPen"/>
+    </inkml:brush>
+  </inkml:definitions>
+  <inkml:trace contextRef="#ctx0" brushRef="#br0">0 87 16383,'95'-8'0,"0"0"0,0 0 0,0 1 0,3-2 0,-1 2 0,-12 1 0,-5 1 0,-15 1 0,-4 1 0,26-1 0,-33 1 0,-23 2 0,-12 1 0,-1 0 0,5-1 0,11-1 0,6-1 0,3-1 0,-6 2 0,-13 1 0,-8 1 0</inkml:trace>
+</inkml:ink>
+</file>
+
+<file path=ppt/ink/ink67.xml><?xml version="1.0" encoding="utf-8"?>
+<inkml:ink xmlns:inkml="http://www.w3.org/2003/InkML">
+  <inkml:definitions>
+    <inkml:context xml:id="ctx0">
+      <inkml:inkSource xml:id="inkSrc0">
+        <inkml:traceFormat>
+          <inkml:channel name="X" type="integer" min="-2.14748E9" max="2.14748E9" units="cm"/>
+          <inkml:channel name="Y" type="integer" min="-2.14748E9" max="2.14748E9" units="cm"/>
+          <inkml:channel name="F" type="integer" max="32767" units="dev"/>
+        </inkml:traceFormat>
+        <inkml:channelProperties>
+          <inkml:channelProperty channel="X" name="resolution" value="1000" units="1/cm"/>
+          <inkml:channelProperty channel="Y" name="resolution" value="1000" units="1/cm"/>
+          <inkml:channelProperty channel="F" name="resolution" value="0" units="1/dev"/>
+        </inkml:channelProperties>
+      </inkml:inkSource>
+      <inkml:timestamp xml:id="ts0" timeString="2022-06-23T17:53:31.691"/>
+    </inkml:context>
+    <inkml:brush xml:id="br0">
+      <inkml:brushProperty name="width" value="0.4" units="cm"/>
+      <inkml:brushProperty name="height" value="0.8" units="cm"/>
+      <inkml:brushProperty name="color" value="#FFFC00"/>
+      <inkml:brushProperty name="tip" value="rectangle"/>
+      <inkml:brushProperty name="rasterOp" value="maskPen"/>
+    </inkml:brush>
+  </inkml:definitions>
+  <inkml:trace contextRef="#ctx0" brushRef="#br0">0 36 16383,'53'0'0,"-1"0"0,16-2 0,3 0 0,3 0 0,1-1 0,-3-1 0,-3 1 0,-8-1 0,-7 1 0,5 1 0,-24 1 0,-11 1 0,-3-1 0,4 0 0,2 0 0,4 0 0,5 0 0,8 1 0,11 0 0,0 0 0,-9 0 0,-15 0 0,-15 0 0,8 0 0,-7 0 0,17-1 0,-8-1 0,-3 1 0,-5 1 0</inkml:trace>
+</inkml:ink>
+</file>
+
+<file path=ppt/ink/ink68.xml><?xml version="1.0" encoding="utf-8"?>
+<inkml:ink xmlns:inkml="http://www.w3.org/2003/InkML">
+  <inkml:definitions>
+    <inkml:context xml:id="ctx0">
+      <inkml:inkSource xml:id="inkSrc0">
+        <inkml:traceFormat>
+          <inkml:channel name="X" type="integer" min="-2.14748E9" max="2.14748E9" units="cm"/>
+          <inkml:channel name="Y" type="integer" min="-2.14748E9" max="2.14748E9" units="cm"/>
+          <inkml:channel name="F" type="integer" max="32767" units="dev"/>
+        </inkml:traceFormat>
+        <inkml:channelProperties>
+          <inkml:channelProperty channel="X" name="resolution" value="1000" units="1/cm"/>
+          <inkml:channelProperty channel="Y" name="resolution" value="1000" units="1/cm"/>
+          <inkml:channelProperty channel="F" name="resolution" value="0" units="1/dev"/>
+        </inkml:channelProperties>
+      </inkml:inkSource>
+      <inkml:timestamp xml:id="ts0" timeString="2022-06-23T17:53:36.592"/>
+    </inkml:context>
+    <inkml:brush xml:id="br0">
+      <inkml:brushProperty name="width" value="0.4" units="cm"/>
+      <inkml:brushProperty name="height" value="0.8" units="cm"/>
+      <inkml:brushProperty name="color" value="#FFFC00"/>
+      <inkml:brushProperty name="tip" value="rectangle"/>
+      <inkml:brushProperty name="rasterOp" value="maskPen"/>
+    </inkml:brush>
+  </inkml:definitions>
+  <inkml:trace contextRef="#ctx0" brushRef="#br0">1 5 16383,'100'0'0,"-18"-1"0,-15 0 0,-18 0 0,-4 0 0,2 1 0,11 0 0,2 0 0,-2 0 0,-5 0 0,-10 0 0,-2 0 0,16 0 0,23 1 0,13 1 0,-6 0 0,-30-1 0,-34-1 0,-14 0 0,13 2 0,-2-4 0,7 4 0,-7-4 0</inkml:trace>
+</inkml:ink>
+</file>
+
+<file path=ppt/ink/ink69.xml><?xml version="1.0" encoding="utf-8"?>
+<inkml:ink xmlns:inkml="http://www.w3.org/2003/InkML">
+  <inkml:definitions>
+    <inkml:context xml:id="ctx0">
+      <inkml:inkSource xml:id="inkSrc0">
+        <inkml:traceFormat>
+          <inkml:channel name="X" type="integer" min="-2.14748E9" max="2.14748E9" units="cm"/>
+          <inkml:channel name="Y" type="integer" min="-2.14748E9" max="2.14748E9" units="cm"/>
+          <inkml:channel name="F" type="integer" max="32767" units="dev"/>
+        </inkml:traceFormat>
+        <inkml:channelProperties>
+          <inkml:channelProperty channel="X" name="resolution" value="1000" units="1/cm"/>
+          <inkml:channelProperty channel="Y" name="resolution" value="1000" units="1/cm"/>
+          <inkml:channelProperty channel="F" name="resolution" value="0" units="1/dev"/>
+        </inkml:channelProperties>
+      </inkml:inkSource>
+      <inkml:timestamp xml:id="ts0" timeString="2022-06-23T17:53:51.426"/>
+    </inkml:context>
+    <inkml:brush xml:id="br0">
+      <inkml:brushProperty name="width" value="0.4" units="cm"/>
+      <inkml:brushProperty name="height" value="0.8" units="cm"/>
+      <inkml:brushProperty name="color" value="#FF2500"/>
+      <inkml:brushProperty name="tip" value="rectangle"/>
+      <inkml:brushProperty name="rasterOp" value="maskPen"/>
+    </inkml:brush>
+  </inkml:definitions>
+  <inkml:trace contextRef="#ctx0" brushRef="#br0">1 1 16383,'82'4'0,"-1"0"0,1 0 0,-3-1 0,4 0 0,1-1 0,1 1 0,1 0 0,2 0 0,-1-1 0,-2 0 0,20 1 0,-1-1 0,-14 0 0,-14-2 0,-16 0 0,-8-1 0,-29 0 0,-11-1 0,-3 1 0</inkml:trace>
+</inkml:ink>
+</file>
+
+<file path=ppt/ink/ink7.xml><?xml version="1.0" encoding="utf-8"?>
 <inkml:ink xmlns:inkml="http://www.w3.org/2003/InkML">
   <inkml:definitions>
     <inkml:context xml:id="ctx0">
@@ -1809,277 +2140,7 @@
 </inkml:ink>
 </file>
 
-<file path=ppt/ink/ink60.xml><?xml version="1.0" encoding="utf-8"?>
-<inkml:ink xmlns:inkml="http://www.w3.org/2003/InkML">
-  <inkml:definitions>
-    <inkml:context xml:id="ctx0">
-      <inkml:inkSource xml:id="inkSrc0">
-        <inkml:traceFormat>
-          <inkml:channel name="X" type="integer" min="-2.14748E9" max="2.14748E9" units="cm"/>
-          <inkml:channel name="Y" type="integer" min="-2.14748E9" max="2.14748E9" units="cm"/>
-          <inkml:channel name="F" type="integer" max="32767" units="dev"/>
-        </inkml:traceFormat>
-        <inkml:channelProperties>
-          <inkml:channelProperty channel="X" name="resolution" value="1000" units="1/cm"/>
-          <inkml:channelProperty channel="Y" name="resolution" value="1000" units="1/cm"/>
-          <inkml:channelProperty channel="F" name="resolution" value="0" units="1/dev"/>
-        </inkml:channelProperties>
-      </inkml:inkSource>
-      <inkml:timestamp xml:id="ts0" timeString="2022-06-23T17:52:59.760"/>
-    </inkml:context>
-    <inkml:brush xml:id="br0">
-      <inkml:brushProperty name="width" value="0.4" units="cm"/>
-      <inkml:brushProperty name="height" value="0.8" units="cm"/>
-      <inkml:brushProperty name="color" value="#00F900"/>
-      <inkml:brushProperty name="tip" value="rectangle"/>
-      <inkml:brushProperty name="rasterOp" value="maskPen"/>
-    </inkml:brush>
-  </inkml:definitions>
-  <inkml:trace contextRef="#ctx0" brushRef="#br0">0 23 16383,'80'-1'0,"0"-2"0,-6-2 0,-23 1 0,5 0 0,28 1 0,6 1 0,-22 1 0,3 1 0,-2 0 0,33 1 0,-6 0 0,-24 1 0,-10 0 0,-9 0 0,-33-2 0,-8 0 0,24-2 0,1 2 0,18-2 0,-15 2 0,-19 0 0,-13 0 0</inkml:trace>
-</inkml:ink>
-</file>
-
-<file path=ppt/ink/ink61.xml><?xml version="1.0" encoding="utf-8"?>
-<inkml:ink xmlns:inkml="http://www.w3.org/2003/InkML">
-  <inkml:definitions>
-    <inkml:context xml:id="ctx0">
-      <inkml:inkSource xml:id="inkSrc0">
-        <inkml:traceFormat>
-          <inkml:channel name="X" type="integer" min="-2.14748E9" max="2.14748E9" units="cm"/>
-          <inkml:channel name="Y" type="integer" min="-2.14748E9" max="2.14748E9" units="cm"/>
-          <inkml:channel name="F" type="integer" max="32767" units="dev"/>
-        </inkml:traceFormat>
-        <inkml:channelProperties>
-          <inkml:channelProperty channel="X" name="resolution" value="1000" units="1/cm"/>
-          <inkml:channelProperty channel="Y" name="resolution" value="1000" units="1/cm"/>
-          <inkml:channelProperty channel="F" name="resolution" value="0" units="1/dev"/>
-        </inkml:channelProperties>
-      </inkml:inkSource>
-      <inkml:timestamp xml:id="ts0" timeString="2022-06-23T17:53:01.962"/>
-    </inkml:context>
-    <inkml:brush xml:id="br0">
-      <inkml:brushProperty name="width" value="0.4" units="cm"/>
-      <inkml:brushProperty name="height" value="0.8" units="cm"/>
-      <inkml:brushProperty name="color" value="#00F900"/>
-      <inkml:brushProperty name="tip" value="rectangle"/>
-      <inkml:brushProperty name="rasterOp" value="maskPen"/>
-    </inkml:brush>
-  </inkml:definitions>
-  <inkml:trace contextRef="#ctx0" brushRef="#br0">1 12 16383,'89'6'0,"-6"-2"0,-20-3 0,8-1 0,15-1 0,5 0 0,-24 1 0,1-1 0,-1 0 0,27 0 0,-8 0 0,9-2 0,-58 2 0,-31 0 0,17-4 0,4-1 0</inkml:trace>
-</inkml:ink>
-</file>
-
-<file path=ppt/ink/ink62.xml><?xml version="1.0" encoding="utf-8"?>
-<inkml:ink xmlns:inkml="http://www.w3.org/2003/InkML">
-  <inkml:definitions>
-    <inkml:context xml:id="ctx0">
-      <inkml:inkSource xml:id="inkSrc0">
-        <inkml:traceFormat>
-          <inkml:channel name="X" type="integer" min="-2.14748E9" max="2.14748E9" units="cm"/>
-          <inkml:channel name="Y" type="integer" min="-2.14748E9" max="2.14748E9" units="cm"/>
-          <inkml:channel name="F" type="integer" max="32767" units="dev"/>
-        </inkml:traceFormat>
-        <inkml:channelProperties>
-          <inkml:channelProperty channel="X" name="resolution" value="1000" units="1/cm"/>
-          <inkml:channelProperty channel="Y" name="resolution" value="1000" units="1/cm"/>
-          <inkml:channelProperty channel="F" name="resolution" value="0" units="1/dev"/>
-        </inkml:channelProperties>
-      </inkml:inkSource>
-      <inkml:timestamp xml:id="ts0" timeString="2022-06-23T17:53:05.327"/>
-    </inkml:context>
-    <inkml:brush xml:id="br0">
-      <inkml:brushProperty name="width" value="0.4" units="cm"/>
-      <inkml:brushProperty name="height" value="0.8" units="cm"/>
-      <inkml:brushProperty name="color" value="#00F900"/>
-      <inkml:brushProperty name="tip" value="rectangle"/>
-      <inkml:brushProperty name="rasterOp" value="maskPen"/>
-    </inkml:brush>
-  </inkml:definitions>
-  <inkml:trace contextRef="#ctx0" brushRef="#br0">1 1 16383,'79'25'0,"4"-4"0,-16-19 0,18 0 0,2-1 0,8-1 0,-41 1 0,1 0 0,44 0 0,-7 1 0,-11-1 0,-21 1 0,-11-1 0,-20 0 0,-7-1 0,-9 0 0,6 0 0</inkml:trace>
-</inkml:ink>
-</file>
-
-<file path=ppt/ink/ink63.xml><?xml version="1.0" encoding="utf-8"?>
-<inkml:ink xmlns:inkml="http://www.w3.org/2003/InkML">
-  <inkml:definitions>
-    <inkml:context xml:id="ctx0">
-      <inkml:inkSource xml:id="inkSrc0">
-        <inkml:traceFormat>
-          <inkml:channel name="X" type="integer" min="-2.14748E9" max="2.14748E9" units="cm"/>
-          <inkml:channel name="Y" type="integer" min="-2.14748E9" max="2.14748E9" units="cm"/>
-          <inkml:channel name="F" type="integer" max="32767" units="dev"/>
-        </inkml:traceFormat>
-        <inkml:channelProperties>
-          <inkml:channelProperty channel="X" name="resolution" value="1000" units="1/cm"/>
-          <inkml:channelProperty channel="Y" name="resolution" value="1000" units="1/cm"/>
-          <inkml:channelProperty channel="F" name="resolution" value="0" units="1/dev"/>
-        </inkml:channelProperties>
-      </inkml:inkSource>
-      <inkml:timestamp xml:id="ts0" timeString="2022-06-23T17:53:08.359"/>
-    </inkml:context>
-    <inkml:brush xml:id="br0">
-      <inkml:brushProperty name="width" value="0.4" units="cm"/>
-      <inkml:brushProperty name="height" value="0.8" units="cm"/>
-      <inkml:brushProperty name="color" value="#00F900"/>
-      <inkml:brushProperty name="tip" value="rectangle"/>
-      <inkml:brushProperty name="rasterOp" value="maskPen"/>
-    </inkml:brush>
-  </inkml:definitions>
-  <inkml:trace contextRef="#ctx0" brushRef="#br0">0 38 16383,'86'-7'0,"-10"1"0,0 1 0,-11 3 0,-10 1 0,-2 0 0,-10 0 0,-9 0 0,-9 0 0,-8 0 0,6-2 0,-6 1 0,11-2 0,-9 2 0</inkml:trace>
-</inkml:ink>
-</file>
-
-<file path=ppt/ink/ink64.xml><?xml version="1.0" encoding="utf-8"?>
-<inkml:ink xmlns:inkml="http://www.w3.org/2003/InkML">
-  <inkml:definitions>
-    <inkml:context xml:id="ctx0">
-      <inkml:inkSource xml:id="inkSrc0">
-        <inkml:traceFormat>
-          <inkml:channel name="X" type="integer" min="-2.14748E9" max="2.14748E9" units="cm"/>
-          <inkml:channel name="Y" type="integer" min="-2.14748E9" max="2.14748E9" units="cm"/>
-          <inkml:channel name="F" type="integer" max="32767" units="dev"/>
-        </inkml:traceFormat>
-        <inkml:channelProperties>
-          <inkml:channelProperty channel="X" name="resolution" value="1000" units="1/cm"/>
-          <inkml:channelProperty channel="Y" name="resolution" value="1000" units="1/cm"/>
-          <inkml:channelProperty channel="F" name="resolution" value="0" units="1/dev"/>
-        </inkml:channelProperties>
-      </inkml:inkSource>
-      <inkml:timestamp xml:id="ts0" timeString="2022-06-23T17:53:11.093"/>
-    </inkml:context>
-    <inkml:brush xml:id="br0">
-      <inkml:brushProperty name="width" value="0.4" units="cm"/>
-      <inkml:brushProperty name="height" value="0.8" units="cm"/>
-      <inkml:brushProperty name="color" value="#00F900"/>
-      <inkml:brushProperty name="tip" value="rectangle"/>
-      <inkml:brushProperty name="rasterOp" value="maskPen"/>
-    </inkml:brush>
-  </inkml:definitions>
-  <inkml:trace contextRef="#ctx0" brushRef="#br0">1 41 16383,'67'-3'0,"-10"0"0,-35 2 0,31-5 0,20-2 0,7 0 0,-7 1 0,-38 5 0,-15 0 0,-6 1 0,-3 1 0</inkml:trace>
-</inkml:ink>
-</file>
-
-<file path=ppt/ink/ink65.xml><?xml version="1.0" encoding="utf-8"?>
-<inkml:ink xmlns:inkml="http://www.w3.org/2003/InkML">
-  <inkml:definitions>
-    <inkml:context xml:id="ctx0">
-      <inkml:inkSource xml:id="inkSrc0">
-        <inkml:traceFormat>
-          <inkml:channel name="X" type="integer" min="-2.14748E9" max="2.14748E9" units="cm"/>
-          <inkml:channel name="Y" type="integer" min="-2.14748E9" max="2.14748E9" units="cm"/>
-          <inkml:channel name="F" type="integer" max="32767" units="dev"/>
-        </inkml:traceFormat>
-        <inkml:channelProperties>
-          <inkml:channelProperty channel="X" name="resolution" value="1000" units="1/cm"/>
-          <inkml:channelProperty channel="Y" name="resolution" value="1000" units="1/cm"/>
-          <inkml:channelProperty channel="F" name="resolution" value="0" units="1/dev"/>
-        </inkml:channelProperties>
-      </inkml:inkSource>
-      <inkml:timestamp xml:id="ts0" timeString="2022-06-23T17:53:28.660"/>
-    </inkml:context>
-    <inkml:brush xml:id="br0">
-      <inkml:brushProperty name="width" value="0.4" units="cm"/>
-      <inkml:brushProperty name="height" value="0.8" units="cm"/>
-      <inkml:brushProperty name="color" value="#FFFC00"/>
-      <inkml:brushProperty name="tip" value="rectangle"/>
-      <inkml:brushProperty name="rasterOp" value="maskPen"/>
-    </inkml:brush>
-  </inkml:definitions>
-  <inkml:trace contextRef="#ctx0" brushRef="#br0">0 87 16383,'95'-8'0,"0"0"0,0 0 0,0 1 0,3-2 0,-1 2 0,-12 1 0,-5 1 0,-15 1 0,-4 1 0,26-1 0,-33 1 0,-23 2 0,-12 1 0,-1 0 0,5-1 0,11-1 0,6-1 0,3-1 0,-6 2 0,-13 1 0,-8 1 0</inkml:trace>
-</inkml:ink>
-</file>
-
-<file path=ppt/ink/ink66.xml><?xml version="1.0" encoding="utf-8"?>
-<inkml:ink xmlns:inkml="http://www.w3.org/2003/InkML">
-  <inkml:definitions>
-    <inkml:context xml:id="ctx0">
-      <inkml:inkSource xml:id="inkSrc0">
-        <inkml:traceFormat>
-          <inkml:channel name="X" type="integer" min="-2.14748E9" max="2.14748E9" units="cm"/>
-          <inkml:channel name="Y" type="integer" min="-2.14748E9" max="2.14748E9" units="cm"/>
-          <inkml:channel name="F" type="integer" max="32767" units="dev"/>
-        </inkml:traceFormat>
-        <inkml:channelProperties>
-          <inkml:channelProperty channel="X" name="resolution" value="1000" units="1/cm"/>
-          <inkml:channelProperty channel="Y" name="resolution" value="1000" units="1/cm"/>
-          <inkml:channelProperty channel="F" name="resolution" value="0" units="1/dev"/>
-        </inkml:channelProperties>
-      </inkml:inkSource>
-      <inkml:timestamp xml:id="ts0" timeString="2022-06-23T17:53:31.691"/>
-    </inkml:context>
-    <inkml:brush xml:id="br0">
-      <inkml:brushProperty name="width" value="0.4" units="cm"/>
-      <inkml:brushProperty name="height" value="0.8" units="cm"/>
-      <inkml:brushProperty name="color" value="#FFFC00"/>
-      <inkml:brushProperty name="tip" value="rectangle"/>
-      <inkml:brushProperty name="rasterOp" value="maskPen"/>
-    </inkml:brush>
-  </inkml:definitions>
-  <inkml:trace contextRef="#ctx0" brushRef="#br0">0 36 16383,'53'0'0,"-1"0"0,16-2 0,3 0 0,3 0 0,1-1 0,-3-1 0,-3 1 0,-8-1 0,-7 1 0,5 1 0,-24 1 0,-11 1 0,-3-1 0,4 0 0,2 0 0,4 0 0,5 0 0,8 1 0,11 0 0,0 0 0,-9 0 0,-15 0 0,-15 0 0,8 0 0,-7 0 0,17-1 0,-8-1 0,-3 1 0,-5 1 0</inkml:trace>
-</inkml:ink>
-</file>
-
-<file path=ppt/ink/ink67.xml><?xml version="1.0" encoding="utf-8"?>
-<inkml:ink xmlns:inkml="http://www.w3.org/2003/InkML">
-  <inkml:definitions>
-    <inkml:context xml:id="ctx0">
-      <inkml:inkSource xml:id="inkSrc0">
-        <inkml:traceFormat>
-          <inkml:channel name="X" type="integer" min="-2.14748E9" max="2.14748E9" units="cm"/>
-          <inkml:channel name="Y" type="integer" min="-2.14748E9" max="2.14748E9" units="cm"/>
-          <inkml:channel name="F" type="integer" max="32767" units="dev"/>
-        </inkml:traceFormat>
-        <inkml:channelProperties>
-          <inkml:channelProperty channel="X" name="resolution" value="1000" units="1/cm"/>
-          <inkml:channelProperty channel="Y" name="resolution" value="1000" units="1/cm"/>
-          <inkml:channelProperty channel="F" name="resolution" value="0" units="1/dev"/>
-        </inkml:channelProperties>
-      </inkml:inkSource>
-      <inkml:timestamp xml:id="ts0" timeString="2022-06-23T17:53:36.592"/>
-    </inkml:context>
-    <inkml:brush xml:id="br0">
-      <inkml:brushProperty name="width" value="0.4" units="cm"/>
-      <inkml:brushProperty name="height" value="0.8" units="cm"/>
-      <inkml:brushProperty name="color" value="#FFFC00"/>
-      <inkml:brushProperty name="tip" value="rectangle"/>
-      <inkml:brushProperty name="rasterOp" value="maskPen"/>
-    </inkml:brush>
-  </inkml:definitions>
-  <inkml:trace contextRef="#ctx0" brushRef="#br0">1 5 16383,'100'0'0,"-18"-1"0,-15 0 0,-18 0 0,-4 0 0,2 1 0,11 0 0,2 0 0,-2 0 0,-5 0 0,-10 0 0,-2 0 0,16 0 0,23 1 0,13 1 0,-6 0 0,-30-1 0,-34-1 0,-14 0 0,13 2 0,-2-4 0,7 4 0,-7-4 0</inkml:trace>
-</inkml:ink>
-</file>
-
-<file path=ppt/ink/ink68.xml><?xml version="1.0" encoding="utf-8"?>
-<inkml:ink xmlns:inkml="http://www.w3.org/2003/InkML">
-  <inkml:definitions>
-    <inkml:context xml:id="ctx0">
-      <inkml:inkSource xml:id="inkSrc0">
-        <inkml:traceFormat>
-          <inkml:channel name="X" type="integer" min="-2.14748E9" max="2.14748E9" units="cm"/>
-          <inkml:channel name="Y" type="integer" min="-2.14748E9" max="2.14748E9" units="cm"/>
-          <inkml:channel name="F" type="integer" max="32767" units="dev"/>
-        </inkml:traceFormat>
-        <inkml:channelProperties>
-          <inkml:channelProperty channel="X" name="resolution" value="1000" units="1/cm"/>
-          <inkml:channelProperty channel="Y" name="resolution" value="1000" units="1/cm"/>
-          <inkml:channelProperty channel="F" name="resolution" value="0" units="1/dev"/>
-        </inkml:channelProperties>
-      </inkml:inkSource>
-      <inkml:timestamp xml:id="ts0" timeString="2022-06-23T17:53:51.426"/>
-    </inkml:context>
-    <inkml:brush xml:id="br0">
-      <inkml:brushProperty name="width" value="0.4" units="cm"/>
-      <inkml:brushProperty name="height" value="0.8" units="cm"/>
-      <inkml:brushProperty name="color" value="#FF2500"/>
-      <inkml:brushProperty name="tip" value="rectangle"/>
-      <inkml:brushProperty name="rasterOp" value="maskPen"/>
-    </inkml:brush>
-  </inkml:definitions>
-  <inkml:trace contextRef="#ctx0" brushRef="#br0">1 1 16383,'82'4'0,"-1"0"0,1 0 0,-3-1 0,4 0 0,1-1 0,1 1 0,1 0 0,2 0 0,-1-1 0,-2 0 0,20 1 0,-1-1 0,-14 0 0,-14-2 0,-16 0 0,-8-1 0,-29 0 0,-11-1 0,-3 1 0</inkml:trace>
-</inkml:ink>
-</file>
-
-<file path=ppt/ink/ink69.xml><?xml version="1.0" encoding="utf-8"?>
+<file path=ppt/ink/ink70.xml><?xml version="1.0" encoding="utf-8"?>
 <inkml:ink xmlns:inkml="http://www.w3.org/2003/InkML">
   <inkml:definitions>
     <inkml:context xml:id="ctx0">
@@ -2109,7 +2170,277 @@
 </inkml:ink>
 </file>
 
-<file path=ppt/ink/ink7.xml><?xml version="1.0" encoding="utf-8"?>
+<file path=ppt/ink/ink71.xml><?xml version="1.0" encoding="utf-8"?>
+<inkml:ink xmlns:inkml="http://www.w3.org/2003/InkML">
+  <inkml:definitions>
+    <inkml:context xml:id="ctx0">
+      <inkml:inkSource xml:id="inkSrc0">
+        <inkml:traceFormat>
+          <inkml:channel name="X" type="integer" min="-2.14748E9" max="2.14748E9" units="cm"/>
+          <inkml:channel name="Y" type="integer" min="-2.14748E9" max="2.14748E9" units="cm"/>
+          <inkml:channel name="F" type="integer" max="32767" units="dev"/>
+        </inkml:traceFormat>
+        <inkml:channelProperties>
+          <inkml:channelProperty channel="X" name="resolution" value="1000" units="1/cm"/>
+          <inkml:channelProperty channel="Y" name="resolution" value="1000" units="1/cm"/>
+          <inkml:channelProperty channel="F" name="resolution" value="0" units="1/dev"/>
+        </inkml:channelProperties>
+      </inkml:inkSource>
+      <inkml:timestamp xml:id="ts0" timeString="2022-06-23T17:53:54.593"/>
+    </inkml:context>
+    <inkml:brush xml:id="br0">
+      <inkml:brushProperty name="width" value="0.4" units="cm"/>
+      <inkml:brushProperty name="height" value="0.8" units="cm"/>
+      <inkml:brushProperty name="color" value="#FF2500"/>
+      <inkml:brushProperty name="tip" value="rectangle"/>
+      <inkml:brushProperty name="rasterOp" value="maskPen"/>
+    </inkml:brush>
+  </inkml:definitions>
+  <inkml:trace contextRef="#ctx0" brushRef="#br0">1 34 16383,'84'-2'0,"0"-1"0,-13 1 0,4 0 0,2 0 0,10-1 0,3 1 0,0 0 0,-5 0 0,0 1 0,-4-1 0,13 1 0,-10 0 0,-30 1 0,-7-1 0,7-1 0,-21 0 0,-3 0 0,-12 1 0,-1 0 0</inkml:trace>
+</inkml:ink>
+</file>
+
+<file path=ppt/ink/ink72.xml><?xml version="1.0" encoding="utf-8"?>
+<inkml:ink xmlns:inkml="http://www.w3.org/2003/InkML">
+  <inkml:definitions>
+    <inkml:context xml:id="ctx0">
+      <inkml:inkSource xml:id="inkSrc0">
+        <inkml:traceFormat>
+          <inkml:channel name="X" type="integer" min="-2.14748E9" max="2.14748E9" units="cm"/>
+          <inkml:channel name="Y" type="integer" min="-2.14748E9" max="2.14748E9" units="cm"/>
+          <inkml:channel name="F" type="integer" max="32767" units="dev"/>
+        </inkml:traceFormat>
+        <inkml:channelProperties>
+          <inkml:channelProperty channel="X" name="resolution" value="1000" units="1/cm"/>
+          <inkml:channelProperty channel="Y" name="resolution" value="1000" units="1/cm"/>
+          <inkml:channelProperty channel="F" name="resolution" value="0" units="1/dev"/>
+        </inkml:channelProperties>
+      </inkml:inkSource>
+      <inkml:timestamp xml:id="ts0" timeString="2022-06-23T17:54:12.859"/>
+    </inkml:context>
+    <inkml:brush xml:id="br0">
+      <inkml:brushProperty name="width" value="0.4" units="cm"/>
+      <inkml:brushProperty name="height" value="0.8" units="cm"/>
+      <inkml:brushProperty name="color" value="#FF2500"/>
+      <inkml:brushProperty name="tip" value="rectangle"/>
+      <inkml:brushProperty name="rasterOp" value="maskPen"/>
+    </inkml:brush>
+  </inkml:definitions>
+  <inkml:trace contextRef="#ctx0" brushRef="#br0">1 122 16383,'68'-16'0,"-8"4"0,-6 5 0,2 1 0,3-1 0,1 1 0,-2 1 0,1-1 0,2-1 0,4 1 0,-3 0 0,-8 2 0,-12 1 0,-13 1 0,-6 1 0,-3 1 0,1 0 0,-1 0 0,7 0 0,-6-1 0,8-1 0,2-4 0,5-1 0,-4 1 0,-12 1 0,-13 4 0</inkml:trace>
+</inkml:ink>
+</file>
+
+<file path=ppt/ink/ink73.xml><?xml version="1.0" encoding="utf-8"?>
+<inkml:ink xmlns:inkml="http://www.w3.org/2003/InkML">
+  <inkml:definitions>
+    <inkml:context xml:id="ctx0">
+      <inkml:inkSource xml:id="inkSrc0">
+        <inkml:traceFormat>
+          <inkml:channel name="X" type="integer" min="-2.14748E9" max="2.14748E9" units="cm"/>
+          <inkml:channel name="Y" type="integer" min="-2.14748E9" max="2.14748E9" units="cm"/>
+          <inkml:channel name="F" type="integer" max="32767" units="dev"/>
+        </inkml:traceFormat>
+        <inkml:channelProperties>
+          <inkml:channelProperty channel="X" name="resolution" value="1000" units="1/cm"/>
+          <inkml:channelProperty channel="Y" name="resolution" value="1000" units="1/cm"/>
+          <inkml:channelProperty channel="F" name="resolution" value="0" units="1/dev"/>
+        </inkml:channelProperties>
+      </inkml:inkSource>
+      <inkml:timestamp xml:id="ts0" timeString="2022-06-23T17:54:18.360"/>
+    </inkml:context>
+    <inkml:brush xml:id="br0">
+      <inkml:brushProperty name="width" value="0.4" units="cm"/>
+      <inkml:brushProperty name="height" value="0.8" units="cm"/>
+      <inkml:brushProperty name="color" value="#FF2500"/>
+      <inkml:brushProperty name="tip" value="rectangle"/>
+      <inkml:brushProperty name="rasterOp" value="maskPen"/>
+    </inkml:brush>
+  </inkml:definitions>
+  <inkml:trace contextRef="#ctx0" brushRef="#br0">0 84 16383,'94'-4'0,"-1"0"0,-22 0 0,3 0 0,-1-1 0,3 1 0,0-2 0,-3 1 0,28-2 0,-10 0 0,-32 3 0,-8 0 0,4 0 0,-27 2 0,-9 1 0,6-1 0,6-1 0,9 1 0,6-1 0,-4 1 0,-6 1 0,-9-1 0,-10 0 0,3 1 0,-1 0 0</inkml:trace>
+</inkml:ink>
+</file>
+
+<file path=ppt/ink/ink74.xml><?xml version="1.0" encoding="utf-8"?>
+<inkml:ink xmlns:inkml="http://www.w3.org/2003/InkML">
+  <inkml:definitions>
+    <inkml:context xml:id="ctx0">
+      <inkml:inkSource xml:id="inkSrc0">
+        <inkml:traceFormat>
+          <inkml:channel name="X" type="integer" min="-2.14748E9" max="2.14748E9" units="cm"/>
+          <inkml:channel name="Y" type="integer" min="-2.14748E9" max="2.14748E9" units="cm"/>
+          <inkml:channel name="F" type="integer" max="32767" units="dev"/>
+        </inkml:traceFormat>
+        <inkml:channelProperties>
+          <inkml:channelProperty channel="X" name="resolution" value="1000" units="1/cm"/>
+          <inkml:channelProperty channel="Y" name="resolution" value="1000" units="1/cm"/>
+          <inkml:channelProperty channel="F" name="resolution" value="0" units="1/dev"/>
+        </inkml:channelProperties>
+      </inkml:inkSource>
+      <inkml:timestamp xml:id="ts0" timeString="2022-06-23T17:54:21.160"/>
+    </inkml:context>
+    <inkml:brush xml:id="br0">
+      <inkml:brushProperty name="width" value="0.4" units="cm"/>
+      <inkml:brushProperty name="height" value="0.8" units="cm"/>
+      <inkml:brushProperty name="color" value="#FF2500"/>
+      <inkml:brushProperty name="tip" value="rectangle"/>
+      <inkml:brushProperty name="rasterOp" value="maskPen"/>
+    </inkml:brush>
+  </inkml:definitions>
+  <inkml:trace contextRef="#ctx0" brushRef="#br0">0 126 16383,'64'-11'0,"0"0"0,18 0 0,8 2 0,-15 4 0,5 0 0,1 2 0,7-1 0,2 1 0,-3 0 0,-8 2 0,-2-1 0,-6 1 0,8 0 0,-12 0 0,-6 1 0,-27-1 0,6-1 0,14-1 0,6-1 0,-5-1 0,1 1 0,-12 1 0,-12 1 0,-9 1 0,-3-1 0,10 0 0,10-1 0,13-2 0,15 2 0,-3-2 0,-4 1 0,-11 2 0,-16 1 0,-4 0 0,-4 1 0,-3 0 0,-4 0 0,-2-1 0</inkml:trace>
+</inkml:ink>
+</file>
+
+<file path=ppt/ink/ink75.xml><?xml version="1.0" encoding="utf-8"?>
+<inkml:ink xmlns:inkml="http://www.w3.org/2003/InkML">
+  <inkml:definitions>
+    <inkml:context xml:id="ctx0">
+      <inkml:inkSource xml:id="inkSrc0">
+        <inkml:traceFormat>
+          <inkml:channel name="X" type="integer" min="-2.14748E9" max="2.14748E9" units="cm"/>
+          <inkml:channel name="Y" type="integer" min="-2.14748E9" max="2.14748E9" units="cm"/>
+          <inkml:channel name="F" type="integer" max="32767" units="dev"/>
+        </inkml:traceFormat>
+        <inkml:channelProperties>
+          <inkml:channelProperty channel="X" name="resolution" value="1000" units="1/cm"/>
+          <inkml:channelProperty channel="Y" name="resolution" value="1000" units="1/cm"/>
+          <inkml:channelProperty channel="F" name="resolution" value="0" units="1/dev"/>
+        </inkml:channelProperties>
+      </inkml:inkSource>
+      <inkml:timestamp xml:id="ts0" timeString="2022-06-23T17:54:25.326"/>
+    </inkml:context>
+    <inkml:brush xml:id="br0">
+      <inkml:brushProperty name="width" value="0.4" units="cm"/>
+      <inkml:brushProperty name="height" value="0.8" units="cm"/>
+      <inkml:brushProperty name="color" value="#FF2500"/>
+      <inkml:brushProperty name="tip" value="rectangle"/>
+      <inkml:brushProperty name="rasterOp" value="maskPen"/>
+    </inkml:brush>
+  </inkml:definitions>
+  <inkml:trace contextRef="#ctx0" brushRef="#br0">0 31 16383,'70'-3'0,"0"0"0,-8 1 0,0-2 0,6 0 0,-1 1 0,1-1 0,-1 2 0,-9 0 0,-2 0 0,35 1 0,-40 1 0,17 0 0,-8 0 0,-8 0 0,2 0 0,19 0 0,13 0 0,-10 0 0,-9 0 0,-7 0 0,-12 0 0,-13 0 0,-9 0 0,-1 0 0,14 0 0,25 1 0,10 2 0,-5 0 0,-22-1 0,-23-1 0,-9-1 0,18 0 0,-4 1 0,16 1 0,-13-1 0,-7 0 0,-6-1 0</inkml:trace>
+</inkml:ink>
+</file>
+
+<file path=ppt/ink/ink76.xml><?xml version="1.0" encoding="utf-8"?>
+<inkml:ink xmlns:inkml="http://www.w3.org/2003/InkML">
+  <inkml:definitions>
+    <inkml:context xml:id="ctx0">
+      <inkml:inkSource xml:id="inkSrc0">
+        <inkml:traceFormat>
+          <inkml:channel name="X" type="integer" min="-2.14748E9" max="2.14748E9" units="cm"/>
+          <inkml:channel name="Y" type="integer" min="-2.14748E9" max="2.14748E9" units="cm"/>
+          <inkml:channel name="F" type="integer" max="32767" units="dev"/>
+        </inkml:traceFormat>
+        <inkml:channelProperties>
+          <inkml:channelProperty channel="X" name="resolution" value="1000" units="1/cm"/>
+          <inkml:channelProperty channel="Y" name="resolution" value="1000" units="1/cm"/>
+          <inkml:channelProperty channel="F" name="resolution" value="0" units="1/dev"/>
+        </inkml:channelProperties>
+      </inkml:inkSource>
+      <inkml:timestamp xml:id="ts0" timeString="2022-06-23T17:54:28.460"/>
+    </inkml:context>
+    <inkml:brush xml:id="br0">
+      <inkml:brushProperty name="width" value="0.4" units="cm"/>
+      <inkml:brushProperty name="height" value="0.8" units="cm"/>
+      <inkml:brushProperty name="color" value="#FF2500"/>
+      <inkml:brushProperty name="tip" value="rectangle"/>
+      <inkml:brushProperty name="rasterOp" value="maskPen"/>
+    </inkml:brush>
+  </inkml:definitions>
+  <inkml:trace contextRef="#ctx0" brushRef="#br0">0 195 16383,'79'-27'0,"8"2"0,3 14 0,4 1 0,-9 0 0,-9-1 0,0 0 0,9 1 0,-2 2 0,-12 2 0,-22 3 0,-15 2 0,7 1 0,23 0 0,16-1 0,3-2 0,-7 1 0,-16-2 0,-7 2 0,-7 1 0,1-2 0,-3 2 0,3-1 0,-6-1 0,-4 1 0,-5-1 0,-7 2 0,0 0 0,-6 1 0,2 0 0,1-1 0,5 0 0,3 0 0,1 0 0,-6 1 0,-6-1 0,3 0 0,-5 0 0,7 0 0,1-1 0,-7 1 0,9 0 0,-11 1 0,12-9 0,-2-3 0</inkml:trace>
+</inkml:ink>
+</file>
+
+<file path=ppt/ink/ink77.xml><?xml version="1.0" encoding="utf-8"?>
+<inkml:ink xmlns:inkml="http://www.w3.org/2003/InkML">
+  <inkml:definitions>
+    <inkml:context xml:id="ctx0">
+      <inkml:inkSource xml:id="inkSrc0">
+        <inkml:traceFormat>
+          <inkml:channel name="X" type="integer" min="-2.14748E9" max="2.14748E9" units="cm"/>
+          <inkml:channel name="Y" type="integer" min="-2.14748E9" max="2.14748E9" units="cm"/>
+          <inkml:channel name="F" type="integer" max="32767" units="dev"/>
+        </inkml:traceFormat>
+        <inkml:channelProperties>
+          <inkml:channelProperty channel="X" name="resolution" value="1000" units="1/cm"/>
+          <inkml:channelProperty channel="Y" name="resolution" value="1000" units="1/cm"/>
+          <inkml:channelProperty channel="F" name="resolution" value="0" units="1/dev"/>
+        </inkml:channelProperties>
+      </inkml:inkSource>
+      <inkml:timestamp xml:id="ts0" timeString="2022-06-23T17:54:32.059"/>
+    </inkml:context>
+    <inkml:brush xml:id="br0">
+      <inkml:brushProperty name="width" value="0.4" units="cm"/>
+      <inkml:brushProperty name="height" value="0.8" units="cm"/>
+      <inkml:brushProperty name="color" value="#FF2500"/>
+      <inkml:brushProperty name="tip" value="rectangle"/>
+      <inkml:brushProperty name="rasterOp" value="maskPen"/>
+    </inkml:brush>
+  </inkml:definitions>
+  <inkml:trace contextRef="#ctx0" brushRef="#br0">1 82 16383,'85'-8'0,"1"-1"0,6 0 0,2 0 0,5 0 0,-2 0 0,-12 1 0,-5 2 0,-15 2 0,-5 1 0,23 0 0,-6 2 0,-25 1 0,3 0 0,6 0 0,1 0 0,-7 0 0,-4 0 0,22 0 0,-41 0 0,-17 0 0,8-2 0,-4 2 0,9-2 0</inkml:trace>
+</inkml:ink>
+</file>
+
+<file path=ppt/ink/ink78.xml><?xml version="1.0" encoding="utf-8"?>
+<inkml:ink xmlns:inkml="http://www.w3.org/2003/InkML">
+  <inkml:definitions>
+    <inkml:context xml:id="ctx0">
+      <inkml:inkSource xml:id="inkSrc0">
+        <inkml:traceFormat>
+          <inkml:channel name="X" type="integer" min="-2.14748E9" max="2.14748E9" units="cm"/>
+          <inkml:channel name="Y" type="integer" min="-2.14748E9" max="2.14748E9" units="cm"/>
+          <inkml:channel name="F" type="integer" max="32767" units="dev"/>
+        </inkml:traceFormat>
+        <inkml:channelProperties>
+          <inkml:channelProperty channel="X" name="resolution" value="1000" units="1/cm"/>
+          <inkml:channelProperty channel="Y" name="resolution" value="1000" units="1/cm"/>
+          <inkml:channelProperty channel="F" name="resolution" value="0" units="1/dev"/>
+        </inkml:channelProperties>
+      </inkml:inkSource>
+      <inkml:timestamp xml:id="ts0" timeString="2022-06-23T17:54:33.892"/>
+    </inkml:context>
+    <inkml:brush xml:id="br0">
+      <inkml:brushProperty name="width" value="0.4" units="cm"/>
+      <inkml:brushProperty name="height" value="0.8" units="cm"/>
+      <inkml:brushProperty name="color" value="#FF2500"/>
+      <inkml:brushProperty name="tip" value="rectangle"/>
+      <inkml:brushProperty name="rasterOp" value="maskPen"/>
+    </inkml:brush>
+  </inkml:definitions>
+  <inkml:trace contextRef="#ctx0" brushRef="#br0">984 0 16383,'-98'3'0,"15"-1"0,30-2 0,4 2 0,-1 2 0,-1 2 0,-1 2 0,-5 3 0,-20 3 0,-19 3 0,2-2 0,23-6 0,32-5 0,25-4 0,-5 0 0,-1 0 0,-8-1 0,9 0 0,5-1 0</inkml:trace>
+</inkml:ink>
+</file>
+
+<file path=ppt/ink/ink79.xml><?xml version="1.0" encoding="utf-8"?>
+<inkml:ink xmlns:inkml="http://www.w3.org/2003/InkML">
+  <inkml:definitions>
+    <inkml:context xml:id="ctx0">
+      <inkml:inkSource xml:id="inkSrc0">
+        <inkml:traceFormat>
+          <inkml:channel name="X" type="integer" min="-2.14748E9" max="2.14748E9" units="cm"/>
+          <inkml:channel name="Y" type="integer" min="-2.14748E9" max="2.14748E9" units="cm"/>
+          <inkml:channel name="F" type="integer" max="32767" units="dev"/>
+        </inkml:traceFormat>
+        <inkml:channelProperties>
+          <inkml:channelProperty channel="X" name="resolution" value="1000" units="1/cm"/>
+          <inkml:channelProperty channel="Y" name="resolution" value="1000" units="1/cm"/>
+          <inkml:channelProperty channel="F" name="resolution" value="0" units="1/dev"/>
+        </inkml:channelProperties>
+      </inkml:inkSource>
+      <inkml:timestamp xml:id="ts0" timeString="2022-06-23T17:54:38.959"/>
+    </inkml:context>
+    <inkml:brush xml:id="br0">
+      <inkml:brushProperty name="width" value="0.4" units="cm"/>
+      <inkml:brushProperty name="height" value="0.8" units="cm"/>
+      <inkml:brushProperty name="color" value="#FF2500"/>
+      <inkml:brushProperty name="tip" value="rectangle"/>
+      <inkml:brushProperty name="rasterOp" value="maskPen"/>
+    </inkml:brush>
+  </inkml:definitions>
+  <inkml:trace contextRef="#ctx0" brushRef="#br0">1 64 16383,'74'-5'0,"1"1"0,10 0 0,-2 0 0,-24 1 0,-2-1 0,16 1 0,-3 0 0,4 0 0,11 0 0,-12 2 0,-19 1 0,-5-1 0,4-1 0,-1 0 0,0 0 0,-1 0 0,2-1 0,1-1 0,-4 0 0,-8 2 0,-12 1 0,-5 1 0,1-1 0,-1 0 0,0 0 0,-3 0 0,-1 1 0,-2 0 0,-1 0 0</inkml:trace>
+</inkml:ink>
+</file>
+
+<file path=ppt/ink/ink8.xml><?xml version="1.0" encoding="utf-8"?>
 <inkml:ink xmlns:inkml="http://www.w3.org/2003/InkML">
   <inkml:definitions>
     <inkml:context xml:id="ctx0">
@@ -2139,277 +2470,7 @@
 </inkml:ink>
 </file>
 
-<file path=ppt/ink/ink70.xml><?xml version="1.0" encoding="utf-8"?>
-<inkml:ink xmlns:inkml="http://www.w3.org/2003/InkML">
-  <inkml:definitions>
-    <inkml:context xml:id="ctx0">
-      <inkml:inkSource xml:id="inkSrc0">
-        <inkml:traceFormat>
-          <inkml:channel name="X" type="integer" min="-2.14748E9" max="2.14748E9" units="cm"/>
-          <inkml:channel name="Y" type="integer" min="-2.14748E9" max="2.14748E9" units="cm"/>
-          <inkml:channel name="F" type="integer" max="32767" units="dev"/>
-        </inkml:traceFormat>
-        <inkml:channelProperties>
-          <inkml:channelProperty channel="X" name="resolution" value="1000" units="1/cm"/>
-          <inkml:channelProperty channel="Y" name="resolution" value="1000" units="1/cm"/>
-          <inkml:channelProperty channel="F" name="resolution" value="0" units="1/dev"/>
-        </inkml:channelProperties>
-      </inkml:inkSource>
-      <inkml:timestamp xml:id="ts0" timeString="2022-06-23T17:53:54.593"/>
-    </inkml:context>
-    <inkml:brush xml:id="br0">
-      <inkml:brushProperty name="width" value="0.4" units="cm"/>
-      <inkml:brushProperty name="height" value="0.8" units="cm"/>
-      <inkml:brushProperty name="color" value="#FF2500"/>
-      <inkml:brushProperty name="tip" value="rectangle"/>
-      <inkml:brushProperty name="rasterOp" value="maskPen"/>
-    </inkml:brush>
-  </inkml:definitions>
-  <inkml:trace contextRef="#ctx0" brushRef="#br0">1 34 16383,'84'-2'0,"0"-1"0,-13 1 0,4 0 0,2 0 0,10-1 0,3 1 0,0 0 0,-5 0 0,0 1 0,-4-1 0,13 1 0,-10 0 0,-30 1 0,-7-1 0,7-1 0,-21 0 0,-3 0 0,-12 1 0,-1 0 0</inkml:trace>
-</inkml:ink>
-</file>
-
-<file path=ppt/ink/ink71.xml><?xml version="1.0" encoding="utf-8"?>
-<inkml:ink xmlns:inkml="http://www.w3.org/2003/InkML">
-  <inkml:definitions>
-    <inkml:context xml:id="ctx0">
-      <inkml:inkSource xml:id="inkSrc0">
-        <inkml:traceFormat>
-          <inkml:channel name="X" type="integer" min="-2.14748E9" max="2.14748E9" units="cm"/>
-          <inkml:channel name="Y" type="integer" min="-2.14748E9" max="2.14748E9" units="cm"/>
-          <inkml:channel name="F" type="integer" max="32767" units="dev"/>
-        </inkml:traceFormat>
-        <inkml:channelProperties>
-          <inkml:channelProperty channel="X" name="resolution" value="1000" units="1/cm"/>
-          <inkml:channelProperty channel="Y" name="resolution" value="1000" units="1/cm"/>
-          <inkml:channelProperty channel="F" name="resolution" value="0" units="1/dev"/>
-        </inkml:channelProperties>
-      </inkml:inkSource>
-      <inkml:timestamp xml:id="ts0" timeString="2022-06-23T17:54:12.859"/>
-    </inkml:context>
-    <inkml:brush xml:id="br0">
-      <inkml:brushProperty name="width" value="0.4" units="cm"/>
-      <inkml:brushProperty name="height" value="0.8" units="cm"/>
-      <inkml:brushProperty name="color" value="#FF2500"/>
-      <inkml:brushProperty name="tip" value="rectangle"/>
-      <inkml:brushProperty name="rasterOp" value="maskPen"/>
-    </inkml:brush>
-  </inkml:definitions>
-  <inkml:trace contextRef="#ctx0" brushRef="#br0">1 122 16383,'68'-16'0,"-8"4"0,-6 5 0,2 1 0,3-1 0,1 1 0,-2 1 0,1-1 0,2-1 0,4 1 0,-3 0 0,-8 2 0,-12 1 0,-13 1 0,-6 1 0,-3 1 0,1 0 0,-1 0 0,7 0 0,-6-1 0,8-1 0,2-4 0,5-1 0,-4 1 0,-12 1 0,-13 4 0</inkml:trace>
-</inkml:ink>
-</file>
-
-<file path=ppt/ink/ink72.xml><?xml version="1.0" encoding="utf-8"?>
-<inkml:ink xmlns:inkml="http://www.w3.org/2003/InkML">
-  <inkml:definitions>
-    <inkml:context xml:id="ctx0">
-      <inkml:inkSource xml:id="inkSrc0">
-        <inkml:traceFormat>
-          <inkml:channel name="X" type="integer" min="-2.14748E9" max="2.14748E9" units="cm"/>
-          <inkml:channel name="Y" type="integer" min="-2.14748E9" max="2.14748E9" units="cm"/>
-          <inkml:channel name="F" type="integer" max="32767" units="dev"/>
-        </inkml:traceFormat>
-        <inkml:channelProperties>
-          <inkml:channelProperty channel="X" name="resolution" value="1000" units="1/cm"/>
-          <inkml:channelProperty channel="Y" name="resolution" value="1000" units="1/cm"/>
-          <inkml:channelProperty channel="F" name="resolution" value="0" units="1/dev"/>
-        </inkml:channelProperties>
-      </inkml:inkSource>
-      <inkml:timestamp xml:id="ts0" timeString="2022-06-23T17:54:18.360"/>
-    </inkml:context>
-    <inkml:brush xml:id="br0">
-      <inkml:brushProperty name="width" value="0.4" units="cm"/>
-      <inkml:brushProperty name="height" value="0.8" units="cm"/>
-      <inkml:brushProperty name="color" value="#FF2500"/>
-      <inkml:brushProperty name="tip" value="rectangle"/>
-      <inkml:brushProperty name="rasterOp" value="maskPen"/>
-    </inkml:brush>
-  </inkml:definitions>
-  <inkml:trace contextRef="#ctx0" brushRef="#br0">0 84 16383,'94'-4'0,"-1"0"0,-22 0 0,3 0 0,-1-1 0,3 1 0,0-2 0,-3 1 0,28-2 0,-10 0 0,-32 3 0,-8 0 0,4 0 0,-27 2 0,-9 1 0,6-1 0,6-1 0,9 1 0,6-1 0,-4 1 0,-6 1 0,-9-1 0,-10 0 0,3 1 0,-1 0 0</inkml:trace>
-</inkml:ink>
-</file>
-
-<file path=ppt/ink/ink73.xml><?xml version="1.0" encoding="utf-8"?>
-<inkml:ink xmlns:inkml="http://www.w3.org/2003/InkML">
-  <inkml:definitions>
-    <inkml:context xml:id="ctx0">
-      <inkml:inkSource xml:id="inkSrc0">
-        <inkml:traceFormat>
-          <inkml:channel name="X" type="integer" min="-2.14748E9" max="2.14748E9" units="cm"/>
-          <inkml:channel name="Y" type="integer" min="-2.14748E9" max="2.14748E9" units="cm"/>
-          <inkml:channel name="F" type="integer" max="32767" units="dev"/>
-        </inkml:traceFormat>
-        <inkml:channelProperties>
-          <inkml:channelProperty channel="X" name="resolution" value="1000" units="1/cm"/>
-          <inkml:channelProperty channel="Y" name="resolution" value="1000" units="1/cm"/>
-          <inkml:channelProperty channel="F" name="resolution" value="0" units="1/dev"/>
-        </inkml:channelProperties>
-      </inkml:inkSource>
-      <inkml:timestamp xml:id="ts0" timeString="2022-06-23T17:54:21.160"/>
-    </inkml:context>
-    <inkml:brush xml:id="br0">
-      <inkml:brushProperty name="width" value="0.4" units="cm"/>
-      <inkml:brushProperty name="height" value="0.8" units="cm"/>
-      <inkml:brushProperty name="color" value="#FF2500"/>
-      <inkml:brushProperty name="tip" value="rectangle"/>
-      <inkml:brushProperty name="rasterOp" value="maskPen"/>
-    </inkml:brush>
-  </inkml:definitions>
-  <inkml:trace contextRef="#ctx0" brushRef="#br0">0 126 16383,'64'-11'0,"0"0"0,18 0 0,8 2 0,-15 4 0,5 0 0,1 2 0,7-1 0,2 1 0,-3 0 0,-8 2 0,-2-1 0,-6 1 0,8 0 0,-12 0 0,-6 1 0,-27-1 0,6-1 0,14-1 0,6-1 0,-5-1 0,1 1 0,-12 1 0,-12 1 0,-9 1 0,-3-1 0,10 0 0,10-1 0,13-2 0,15 2 0,-3-2 0,-4 1 0,-11 2 0,-16 1 0,-4 0 0,-4 1 0,-3 0 0,-4 0 0,-2-1 0</inkml:trace>
-</inkml:ink>
-</file>
-
-<file path=ppt/ink/ink74.xml><?xml version="1.0" encoding="utf-8"?>
-<inkml:ink xmlns:inkml="http://www.w3.org/2003/InkML">
-  <inkml:definitions>
-    <inkml:context xml:id="ctx0">
-      <inkml:inkSource xml:id="inkSrc0">
-        <inkml:traceFormat>
-          <inkml:channel name="X" type="integer" min="-2.14748E9" max="2.14748E9" units="cm"/>
-          <inkml:channel name="Y" type="integer" min="-2.14748E9" max="2.14748E9" units="cm"/>
-          <inkml:channel name="F" type="integer" max="32767" units="dev"/>
-        </inkml:traceFormat>
-        <inkml:channelProperties>
-          <inkml:channelProperty channel="X" name="resolution" value="1000" units="1/cm"/>
-          <inkml:channelProperty channel="Y" name="resolution" value="1000" units="1/cm"/>
-          <inkml:channelProperty channel="F" name="resolution" value="0" units="1/dev"/>
-        </inkml:channelProperties>
-      </inkml:inkSource>
-      <inkml:timestamp xml:id="ts0" timeString="2022-06-23T17:54:25.326"/>
-    </inkml:context>
-    <inkml:brush xml:id="br0">
-      <inkml:brushProperty name="width" value="0.4" units="cm"/>
-      <inkml:brushProperty name="height" value="0.8" units="cm"/>
-      <inkml:brushProperty name="color" value="#FF2500"/>
-      <inkml:brushProperty name="tip" value="rectangle"/>
-      <inkml:brushProperty name="rasterOp" value="maskPen"/>
-    </inkml:brush>
-  </inkml:definitions>
-  <inkml:trace contextRef="#ctx0" brushRef="#br0">0 31 16383,'70'-3'0,"0"0"0,-8 1 0,0-2 0,6 0 0,-1 1 0,1-1 0,-1 2 0,-9 0 0,-2 0 0,35 1 0,-40 1 0,17 0 0,-8 0 0,-8 0 0,2 0 0,19 0 0,13 0 0,-10 0 0,-9 0 0,-7 0 0,-12 0 0,-13 0 0,-9 0 0,-1 0 0,14 0 0,25 1 0,10 2 0,-5 0 0,-22-1 0,-23-1 0,-9-1 0,18 0 0,-4 1 0,16 1 0,-13-1 0,-7 0 0,-6-1 0</inkml:trace>
-</inkml:ink>
-</file>
-
-<file path=ppt/ink/ink75.xml><?xml version="1.0" encoding="utf-8"?>
-<inkml:ink xmlns:inkml="http://www.w3.org/2003/InkML">
-  <inkml:definitions>
-    <inkml:context xml:id="ctx0">
-      <inkml:inkSource xml:id="inkSrc0">
-        <inkml:traceFormat>
-          <inkml:channel name="X" type="integer" min="-2.14748E9" max="2.14748E9" units="cm"/>
-          <inkml:channel name="Y" type="integer" min="-2.14748E9" max="2.14748E9" units="cm"/>
-          <inkml:channel name="F" type="integer" max="32767" units="dev"/>
-        </inkml:traceFormat>
-        <inkml:channelProperties>
-          <inkml:channelProperty channel="X" name="resolution" value="1000" units="1/cm"/>
-          <inkml:channelProperty channel="Y" name="resolution" value="1000" units="1/cm"/>
-          <inkml:channelProperty channel="F" name="resolution" value="0" units="1/dev"/>
-        </inkml:channelProperties>
-      </inkml:inkSource>
-      <inkml:timestamp xml:id="ts0" timeString="2022-06-23T17:54:28.460"/>
-    </inkml:context>
-    <inkml:brush xml:id="br0">
-      <inkml:brushProperty name="width" value="0.4" units="cm"/>
-      <inkml:brushProperty name="height" value="0.8" units="cm"/>
-      <inkml:brushProperty name="color" value="#FF2500"/>
-      <inkml:brushProperty name="tip" value="rectangle"/>
-      <inkml:brushProperty name="rasterOp" value="maskPen"/>
-    </inkml:brush>
-  </inkml:definitions>
-  <inkml:trace contextRef="#ctx0" brushRef="#br0">0 195 16383,'79'-27'0,"8"2"0,3 14 0,4 1 0,-9 0 0,-9-1 0,0 0 0,9 1 0,-2 2 0,-12 2 0,-22 3 0,-15 2 0,7 1 0,23 0 0,16-1 0,3-2 0,-7 1 0,-16-2 0,-7 2 0,-7 1 0,1-2 0,-3 2 0,3-1 0,-6-1 0,-4 1 0,-5-1 0,-7 2 0,0 0 0,-6 1 0,2 0 0,1-1 0,5 0 0,3 0 0,1 0 0,-6 1 0,-6-1 0,3 0 0,-5 0 0,7 0 0,1-1 0,-7 1 0,9 0 0,-11 1 0,12-9 0,-2-3 0</inkml:trace>
-</inkml:ink>
-</file>
-
-<file path=ppt/ink/ink76.xml><?xml version="1.0" encoding="utf-8"?>
-<inkml:ink xmlns:inkml="http://www.w3.org/2003/InkML">
-  <inkml:definitions>
-    <inkml:context xml:id="ctx0">
-      <inkml:inkSource xml:id="inkSrc0">
-        <inkml:traceFormat>
-          <inkml:channel name="X" type="integer" min="-2.14748E9" max="2.14748E9" units="cm"/>
-          <inkml:channel name="Y" type="integer" min="-2.14748E9" max="2.14748E9" units="cm"/>
-          <inkml:channel name="F" type="integer" max="32767" units="dev"/>
-        </inkml:traceFormat>
-        <inkml:channelProperties>
-          <inkml:channelProperty channel="X" name="resolution" value="1000" units="1/cm"/>
-          <inkml:channelProperty channel="Y" name="resolution" value="1000" units="1/cm"/>
-          <inkml:channelProperty channel="F" name="resolution" value="0" units="1/dev"/>
-        </inkml:channelProperties>
-      </inkml:inkSource>
-      <inkml:timestamp xml:id="ts0" timeString="2022-06-23T17:54:32.059"/>
-    </inkml:context>
-    <inkml:brush xml:id="br0">
-      <inkml:brushProperty name="width" value="0.4" units="cm"/>
-      <inkml:brushProperty name="height" value="0.8" units="cm"/>
-      <inkml:brushProperty name="color" value="#FF2500"/>
-      <inkml:brushProperty name="tip" value="rectangle"/>
-      <inkml:brushProperty name="rasterOp" value="maskPen"/>
-    </inkml:brush>
-  </inkml:definitions>
-  <inkml:trace contextRef="#ctx0" brushRef="#br0">1 82 16383,'85'-8'0,"1"-1"0,6 0 0,2 0 0,5 0 0,-2 0 0,-12 1 0,-5 2 0,-15 2 0,-5 1 0,23 0 0,-6 2 0,-25 1 0,3 0 0,6 0 0,1 0 0,-7 0 0,-4 0 0,22 0 0,-41 0 0,-17 0 0,8-2 0,-4 2 0,9-2 0</inkml:trace>
-</inkml:ink>
-</file>
-
-<file path=ppt/ink/ink77.xml><?xml version="1.0" encoding="utf-8"?>
-<inkml:ink xmlns:inkml="http://www.w3.org/2003/InkML">
-  <inkml:definitions>
-    <inkml:context xml:id="ctx0">
-      <inkml:inkSource xml:id="inkSrc0">
-        <inkml:traceFormat>
-          <inkml:channel name="X" type="integer" min="-2.14748E9" max="2.14748E9" units="cm"/>
-          <inkml:channel name="Y" type="integer" min="-2.14748E9" max="2.14748E9" units="cm"/>
-          <inkml:channel name="F" type="integer" max="32767" units="dev"/>
-        </inkml:traceFormat>
-        <inkml:channelProperties>
-          <inkml:channelProperty channel="X" name="resolution" value="1000" units="1/cm"/>
-          <inkml:channelProperty channel="Y" name="resolution" value="1000" units="1/cm"/>
-          <inkml:channelProperty channel="F" name="resolution" value="0" units="1/dev"/>
-        </inkml:channelProperties>
-      </inkml:inkSource>
-      <inkml:timestamp xml:id="ts0" timeString="2022-06-23T17:54:33.892"/>
-    </inkml:context>
-    <inkml:brush xml:id="br0">
-      <inkml:brushProperty name="width" value="0.4" units="cm"/>
-      <inkml:brushProperty name="height" value="0.8" units="cm"/>
-      <inkml:brushProperty name="color" value="#FF2500"/>
-      <inkml:brushProperty name="tip" value="rectangle"/>
-      <inkml:brushProperty name="rasterOp" value="maskPen"/>
-    </inkml:brush>
-  </inkml:definitions>
-  <inkml:trace contextRef="#ctx0" brushRef="#br0">984 0 16383,'-98'3'0,"15"-1"0,30-2 0,4 2 0,-1 2 0,-1 2 0,-1 2 0,-5 3 0,-20 3 0,-19 3 0,2-2 0,23-6 0,32-5 0,25-4 0,-5 0 0,-1 0 0,-8-1 0,9 0 0,5-1 0</inkml:trace>
-</inkml:ink>
-</file>
-
-<file path=ppt/ink/ink78.xml><?xml version="1.0" encoding="utf-8"?>
-<inkml:ink xmlns:inkml="http://www.w3.org/2003/InkML">
-  <inkml:definitions>
-    <inkml:context xml:id="ctx0">
-      <inkml:inkSource xml:id="inkSrc0">
-        <inkml:traceFormat>
-          <inkml:channel name="X" type="integer" min="-2.14748E9" max="2.14748E9" units="cm"/>
-          <inkml:channel name="Y" type="integer" min="-2.14748E9" max="2.14748E9" units="cm"/>
-          <inkml:channel name="F" type="integer" max="32767" units="dev"/>
-        </inkml:traceFormat>
-        <inkml:channelProperties>
-          <inkml:channelProperty channel="X" name="resolution" value="1000" units="1/cm"/>
-          <inkml:channelProperty channel="Y" name="resolution" value="1000" units="1/cm"/>
-          <inkml:channelProperty channel="F" name="resolution" value="0" units="1/dev"/>
-        </inkml:channelProperties>
-      </inkml:inkSource>
-      <inkml:timestamp xml:id="ts0" timeString="2022-06-23T17:54:38.959"/>
-    </inkml:context>
-    <inkml:brush xml:id="br0">
-      <inkml:brushProperty name="width" value="0.4" units="cm"/>
-      <inkml:brushProperty name="height" value="0.8" units="cm"/>
-      <inkml:brushProperty name="color" value="#FF2500"/>
-      <inkml:brushProperty name="tip" value="rectangle"/>
-      <inkml:brushProperty name="rasterOp" value="maskPen"/>
-    </inkml:brush>
-  </inkml:definitions>
-  <inkml:trace contextRef="#ctx0" brushRef="#br0">1 64 16383,'74'-5'0,"1"1"0,10 0 0,-2 0 0,-24 1 0,-2-1 0,16 1 0,-3 0 0,4 0 0,11 0 0,-12 2 0,-19 1 0,-5-1 0,4-1 0,-1 0 0,0 0 0,-1 0 0,2-1 0,1-1 0,-4 0 0,-8 2 0,-12 1 0,-5 1 0,1-1 0,-1 0 0,0 0 0,-3 0 0,-1 1 0,-2 0 0,-1 0 0</inkml:trace>
-</inkml:ink>
-</file>
-
-<file path=ppt/ink/ink79.xml><?xml version="1.0" encoding="utf-8"?>
+<file path=ppt/ink/ink80.xml><?xml version="1.0" encoding="utf-8"?>
 <inkml:ink xmlns:inkml="http://www.w3.org/2003/InkML">
   <inkml:definitions>
     <inkml:context xml:id="ctx0">
@@ -2439,37 +2500,7 @@
 </inkml:ink>
 </file>
 
-<file path=ppt/ink/ink8.xml><?xml version="1.0" encoding="utf-8"?>
-<inkml:ink xmlns:inkml="http://www.w3.org/2003/InkML">
-  <inkml:definitions>
-    <inkml:context xml:id="ctx0">
-      <inkml:inkSource xml:id="inkSrc0">
-        <inkml:traceFormat>
-          <inkml:channel name="X" type="integer" min="-2.14748E9" max="2.14748E9" units="cm"/>
-          <inkml:channel name="Y" type="integer" min="-2.14748E9" max="2.14748E9" units="cm"/>
-          <inkml:channel name="F" type="integer" max="32767" units="dev"/>
-        </inkml:traceFormat>
-        <inkml:channelProperties>
-          <inkml:channelProperty channel="X" name="resolution" value="1000" units="1/cm"/>
-          <inkml:channelProperty channel="Y" name="resolution" value="1000" units="1/cm"/>
-          <inkml:channelProperty channel="F" name="resolution" value="0" units="1/dev"/>
-        </inkml:channelProperties>
-      </inkml:inkSource>
-      <inkml:timestamp xml:id="ts0" timeString="2022-06-23T17:45:21.731"/>
-    </inkml:context>
-    <inkml:brush xml:id="br0">
-      <inkml:brushProperty name="width" value="0.4" units="cm"/>
-      <inkml:brushProperty name="height" value="0.8" units="cm"/>
-      <inkml:brushProperty name="color" value="#FFFC00"/>
-      <inkml:brushProperty name="tip" value="rectangle"/>
-      <inkml:brushProperty name="rasterOp" value="maskPen"/>
-    </inkml:brush>
-  </inkml:definitions>
-  <inkml:trace contextRef="#ctx0" brushRef="#br0">1 44 16383,'91'-4'0,"-1"0"0,-9 0 0,-7 0 0,-17-1 0,-7 1 0,12-1 0,-40 3 0,-11 2 0,13 0 0,-6 0 0,9 0 0,-7 0 0,-1 0 0,9 0 0,1 0 0,2 0 0,2 0 0,8 0 0,20 0 0,14 0 0,-5 0 0,-14-2 0,-25 1 0,-17 0 0,5-1 0,4 0 0,-2 0 0,-1 0 0</inkml:trace>
-</inkml:ink>
-</file>
-
-<file path=ppt/ink/ink80.xml><?xml version="1.0" encoding="utf-8"?>
+<file path=ppt/ink/ink81.xml><?xml version="1.0" encoding="utf-8"?>
 <inkml:ink xmlns:inkml="http://www.w3.org/2003/InkML">
   <inkml:definitions>
     <inkml:context xml:id="ctx0">
@@ -2499,7 +2530,7 @@
 </inkml:ink>
 </file>
 
-<file path=ppt/ink/ink81.xml><?xml version="1.0" encoding="utf-8"?>
+<file path=ppt/ink/ink82.xml><?xml version="1.0" encoding="utf-8"?>
 <inkml:ink xmlns:inkml="http://www.w3.org/2003/InkML">
   <inkml:definitions>
     <inkml:context xml:id="ctx0">
@@ -2529,7 +2560,7 @@
 </inkml:ink>
 </file>
 
-<file path=ppt/ink/ink82.xml><?xml version="1.0" encoding="utf-8"?>
+<file path=ppt/ink/ink83.xml><?xml version="1.0" encoding="utf-8"?>
 <inkml:ink xmlns:inkml="http://www.w3.org/2003/InkML">
   <inkml:definitions>
     <inkml:context xml:id="ctx0">
@@ -2559,7 +2590,7 @@
 </inkml:ink>
 </file>
 
-<file path=ppt/ink/ink83.xml><?xml version="1.0" encoding="utf-8"?>
+<file path=ppt/ink/ink84.xml><?xml version="1.0" encoding="utf-8"?>
 <inkml:ink xmlns:inkml="http://www.w3.org/2003/InkML">
   <inkml:definitions>
     <inkml:context xml:id="ctx0">
@@ -2589,7 +2620,7 @@
 </inkml:ink>
 </file>
 
-<file path=ppt/ink/ink84.xml><?xml version="1.0" encoding="utf-8"?>
+<file path=ppt/ink/ink85.xml><?xml version="1.0" encoding="utf-8"?>
 <inkml:ink xmlns:inkml="http://www.w3.org/2003/InkML">
   <inkml:definitions>
     <inkml:context xml:id="ctx0">
@@ -2619,7 +2650,7 @@
 </inkml:ink>
 </file>
 
-<file path=ppt/ink/ink85.xml><?xml version="1.0" encoding="utf-8"?>
+<file path=ppt/ink/ink86.xml><?xml version="1.0" encoding="utf-8"?>
 <inkml:ink xmlns:inkml="http://www.w3.org/2003/InkML">
   <inkml:definitions>
     <inkml:context xml:id="ctx0">
@@ -2665,17 +2696,17 @@
           <inkml:channelProperty channel="F" name="resolution" value="0" units="1/dev"/>
         </inkml:channelProperties>
       </inkml:inkSource>
-      <inkml:timestamp xml:id="ts0" timeString="2022-06-23T17:45:40.598"/>
+      <inkml:timestamp xml:id="ts0" timeString="2022-06-23T17:45:21.731"/>
     </inkml:context>
     <inkml:brush xml:id="br0">
       <inkml:brushProperty name="width" value="0.4" units="cm"/>
       <inkml:brushProperty name="height" value="0.8" units="cm"/>
-      <inkml:brushProperty name="color" value="#FF2500"/>
+      <inkml:brushProperty name="color" value="#FFFC00"/>
       <inkml:brushProperty name="tip" value="rectangle"/>
       <inkml:brushProperty name="rasterOp" value="maskPen"/>
     </inkml:brush>
   </inkml:definitions>
-  <inkml:trace contextRef="#ctx0" brushRef="#br0">1 91 16383,'82'-7'0,"0"0"0,-13 2 0,-5 1 0,17-3 0,-24 3 0,-7 1 0,5-2 0,18-2 0,20-4 0,-42 5 0,0 0 0,42-4 0,-26 4 0,-30 4 0,-19 1 0,-1 1 0,0 0 0</inkml:trace>
+  <inkml:trace contextRef="#ctx0" brushRef="#br0">1 44 16383,'91'-4'0,"-1"0"0,-9 0 0,-7 0 0,-17-1 0,-7 1 0,12-1 0,-40 3 0,-11 2 0,13 0 0,-6 0 0,9 0 0,-7 0 0,-1 0 0,9 0 0,1 0 0,2 0 0,2 0 0,8 0 0,20 0 0,14 0 0,-5 0 0,-14-2 0,-25 1 0,-17 0 0,5-1 0,4 0 0,-2 0 0,-1 0 0</inkml:trace>
 </inkml:ink>
 </file>
 
@@ -3093,7 +3124,7 @@
           <a:p>
             <a:fld id="{B94C0E62-1FBC-4E47-B822-EE428BDF58D7}" type="slidenum">
               <a:rPr lang="en-US" smtClean="0"/>
-              <a:t>15</a:t>
+              <a:t>16</a:t>
             </a:fld>
             <a:endParaRPr lang="en-US"/>
           </a:p>
@@ -6397,6 +6428,21 @@
               <a:rPr lang="en-CA" sz="4000" b="1" dirty="0"/>
               <a:t>Exploring HTS data pathologies</a:t>
             </a:r>
+            <a:br>
+              <a:rPr lang="en-CA" sz="4000" b="1" dirty="0"/>
+            </a:br>
+            <a:r>
+              <a:rPr lang="en-CA" sz="4000" b="1" dirty="0" err="1"/>
+              <a:t>aIc</a:t>
+            </a:r>
+            <a:r>
+              <a:rPr lang="en-CA" sz="4000" b="1" dirty="0"/>
+              <a:t> and </a:t>
+            </a:r>
+            <a:r>
+              <a:rPr lang="en-CA" sz="4000" b="1" dirty="0" err="1"/>
+              <a:t>amIcomp.app</a:t>
+            </a:r>
             <a:endParaRPr lang="en-US" sz="4000" dirty="0"/>
           </a:p>
         </p:txBody>
@@ -6559,66 +6605,6 @@
           <a:chExt cx="0" cy="0"/>
         </a:xfrm>
       </p:grpSpPr>
-      <p:pic>
-        <p:nvPicPr>
-          <p:cNvPr id="12" name="Picture 11">
-            <a:extLst>
-              <a:ext uri="{FF2B5EF4-FFF2-40B4-BE49-F238E27FC236}">
-                <a16:creationId xmlns:a16="http://schemas.microsoft.com/office/drawing/2014/main" id="{A9823C1E-ABB1-E3DF-F2EA-F9297C05E90A}"/>
-              </a:ext>
-            </a:extLst>
-          </p:cNvPr>
-          <p:cNvPicPr>
-            <a:picLocks noChangeAspect="1"/>
-          </p:cNvPicPr>
-          <p:nvPr/>
-        </p:nvPicPr>
-        <p:blipFill>
-          <a:blip r:embed="rId2"/>
-          <a:stretch>
-            <a:fillRect/>
-          </a:stretch>
-        </p:blipFill>
-        <p:spPr>
-          <a:xfrm>
-            <a:off x="1060869" y="2299144"/>
-            <a:ext cx="5400000" cy="2416468"/>
-          </a:xfrm>
-          <a:prstGeom prst="rect">
-            <a:avLst/>
-          </a:prstGeom>
-        </p:spPr>
-      </p:pic>
-      <p:pic>
-        <p:nvPicPr>
-          <p:cNvPr id="11" name="Picture 10">
-            <a:extLst>
-              <a:ext uri="{FF2B5EF4-FFF2-40B4-BE49-F238E27FC236}">
-                <a16:creationId xmlns:a16="http://schemas.microsoft.com/office/drawing/2014/main" id="{CBAE4D31-AED8-AEC7-2293-9BAF4C9C6E12}"/>
-              </a:ext>
-            </a:extLst>
-          </p:cNvPr>
-          <p:cNvPicPr>
-            <a:picLocks noChangeAspect="1"/>
-          </p:cNvPicPr>
-          <p:nvPr/>
-        </p:nvPicPr>
-        <p:blipFill>
-          <a:blip r:embed="rId3"/>
-          <a:stretch>
-            <a:fillRect/>
-          </a:stretch>
-        </p:blipFill>
-        <p:spPr>
-          <a:xfrm>
-            <a:off x="6553200" y="4087090"/>
-            <a:ext cx="5400000" cy="2549442"/>
-          </a:xfrm>
-          <a:prstGeom prst="rect">
-            <a:avLst/>
-          </a:prstGeom>
-        </p:spPr>
-      </p:pic>
       <p:sp>
         <p:nvSpPr>
           <p:cNvPr id="2" name="Title 1">
@@ -6642,7 +6628,7 @@
           <a:p>
             <a:r>
               <a:rPr lang="en-US" dirty="0"/>
-              <a:t>Selex dataset: perturbation </a:t>
+              <a:t>Selex dataset: distance dominance </a:t>
             </a:r>
           </a:p>
         </p:txBody>
@@ -6706,7 +6692,7 @@
       </p:sp>
       <mc:AlternateContent xmlns:mc="http://schemas.openxmlformats.org/markup-compatibility/2006">
         <mc:Choice xmlns:p14="http://schemas.microsoft.com/office/powerpoint/2010/main" Requires="p14">
-          <p:contentPart p14:bwMode="auto" r:id="rId4">
+          <p:contentPart p14:bwMode="auto" r:id="rId2">
             <p14:nvContentPartPr>
               <p14:cNvPr id="34" name="Ink 33">
                 <a:extLst>
@@ -6738,7 +6724,7 @@
               <p:nvPr/>
             </p:nvPicPr>
             <p:blipFill>
-              <a:blip r:embed="rId5"/>
+              <a:blip r:embed="rId3"/>
               <a:stretch>
                 <a:fillRect/>
               </a:stretch>
@@ -6769,7 +6755,7 @@
         </p:nvSpPr>
         <p:spPr>
           <a:xfrm>
-            <a:off x="1332411" y="2364601"/>
+            <a:off x="2707214" y="1788809"/>
             <a:ext cx="530915" cy="369332"/>
           </a:xfrm>
           <a:prstGeom prst="rect">
@@ -6804,7 +6790,7 @@
         </p:nvSpPr>
         <p:spPr>
           <a:xfrm>
-            <a:off x="6793802" y="4087090"/>
+            <a:off x="6356865" y="1886930"/>
             <a:ext cx="1045479" cy="369332"/>
           </a:xfrm>
           <a:prstGeom prst="rect">
@@ -6840,7 +6826,7 @@
           <p:nvPr/>
         </p:nvPicPr>
         <p:blipFill>
-          <a:blip r:embed="rId6"/>
+          <a:blip r:embed="rId4"/>
           <a:stretch>
             <a:fillRect/>
           </a:stretch>
@@ -6870,7 +6856,363 @@
           <p:nvPr/>
         </p:nvPicPr>
         <p:blipFill>
-          <a:blip r:embed="rId7"/>
+          <a:blip r:embed="rId5"/>
+          <a:stretch>
+            <a:fillRect/>
+          </a:stretch>
+        </p:blipFill>
+        <p:spPr>
+          <a:xfrm>
+            <a:off x="9998340" y="435999"/>
+            <a:ext cx="1800000" cy="1635597"/>
+          </a:xfrm>
+          <a:prstGeom prst="rect">
+            <a:avLst/>
+          </a:prstGeom>
+        </p:spPr>
+      </p:pic>
+      <p:pic>
+        <p:nvPicPr>
+          <p:cNvPr id="3" name="Picture 2">
+            <a:extLst>
+              <a:ext uri="{FF2B5EF4-FFF2-40B4-BE49-F238E27FC236}">
+                <a16:creationId xmlns:a16="http://schemas.microsoft.com/office/drawing/2014/main" id="{A7970EA3-AD62-8396-AE35-047F9D130C24}"/>
+              </a:ext>
+            </a:extLst>
+          </p:cNvPr>
+          <p:cNvPicPr>
+            <a:picLocks noChangeAspect="1"/>
+          </p:cNvPicPr>
+          <p:nvPr/>
+        </p:nvPicPr>
+        <p:blipFill>
+          <a:blip r:embed="rId6"/>
+          <a:stretch>
+            <a:fillRect/>
+          </a:stretch>
+        </p:blipFill>
+        <p:spPr>
+          <a:xfrm>
+            <a:off x="1887908" y="2256262"/>
+            <a:ext cx="7322594" cy="3777947"/>
+          </a:xfrm>
+          <a:prstGeom prst="rect">
+            <a:avLst/>
+          </a:prstGeom>
+        </p:spPr>
+      </p:pic>
+    </p:spTree>
+    <p:extLst>
+      <p:ext uri="{BB962C8B-B14F-4D97-AF65-F5344CB8AC3E}">
+        <p14:creationId xmlns:p14="http://schemas.microsoft.com/office/powerpoint/2010/main" val="1821548792"/>
+      </p:ext>
+    </p:extLst>
+  </p:cSld>
+  <p:clrMapOvr>
+    <a:masterClrMapping/>
+  </p:clrMapOvr>
+</p:sld>
+</file>
+
+<file path=ppt/slides/slide11.xml><?xml version="1.0" encoding="utf-8"?>
+<p:sld xmlns:a="http://schemas.openxmlformats.org/drawingml/2006/main" xmlns:r="http://schemas.openxmlformats.org/officeDocument/2006/relationships" xmlns:p="http://schemas.openxmlformats.org/presentationml/2006/main">
+  <p:cSld>
+    <p:spTree>
+      <p:nvGrpSpPr>
+        <p:cNvPr id="1" name=""/>
+        <p:cNvGrpSpPr/>
+        <p:nvPr/>
+      </p:nvGrpSpPr>
+      <p:grpSpPr>
+        <a:xfrm>
+          <a:off x="0" y="0"/>
+          <a:ext cx="0" cy="0"/>
+          <a:chOff x="0" y="0"/>
+          <a:chExt cx="0" cy="0"/>
+        </a:xfrm>
+      </p:grpSpPr>
+      <p:pic>
+        <p:nvPicPr>
+          <p:cNvPr id="6" name="Picture 5">
+            <a:extLst>
+              <a:ext uri="{FF2B5EF4-FFF2-40B4-BE49-F238E27FC236}">
+                <a16:creationId xmlns:a16="http://schemas.microsoft.com/office/drawing/2014/main" id="{D11FB060-033C-2B70-EABF-0F62CAF43882}"/>
+              </a:ext>
+            </a:extLst>
+          </p:cNvPr>
+          <p:cNvPicPr>
+            <a:picLocks noChangeAspect="1"/>
+          </p:cNvPicPr>
+          <p:nvPr/>
+        </p:nvPicPr>
+        <p:blipFill>
+          <a:blip r:embed="rId2"/>
+          <a:stretch>
+            <a:fillRect/>
+          </a:stretch>
+        </p:blipFill>
+        <p:spPr>
+          <a:xfrm>
+            <a:off x="1785830" y="2047392"/>
+            <a:ext cx="7560000" cy="3952254"/>
+          </a:xfrm>
+          <a:prstGeom prst="rect">
+            <a:avLst/>
+          </a:prstGeom>
+        </p:spPr>
+      </p:pic>
+      <p:sp>
+        <p:nvSpPr>
+          <p:cNvPr id="2" name="Title 1">
+            <a:extLst>
+              <a:ext uri="{FF2B5EF4-FFF2-40B4-BE49-F238E27FC236}">
+                <a16:creationId xmlns:a16="http://schemas.microsoft.com/office/drawing/2014/main" id="{447EF110-C074-FDCE-9F85-42DAB1D87D8C}"/>
+              </a:ext>
+            </a:extLst>
+          </p:cNvPr>
+          <p:cNvSpPr>
+            <a:spLocks noGrp="1"/>
+          </p:cNvSpPr>
+          <p:nvPr>
+            <p:ph type="title"/>
+          </p:nvPr>
+        </p:nvSpPr>
+        <p:spPr/>
+        <p:txBody>
+          <a:bodyPr/>
+          <a:lstStyle/>
+          <a:p>
+            <a:r>
+              <a:rPr lang="en-US" dirty="0"/>
+              <a:t>Selex dataset: scale invariance </a:t>
+            </a:r>
+          </a:p>
+        </p:txBody>
+      </p:sp>
+      <p:sp>
+        <p:nvSpPr>
+          <p:cNvPr id="4" name="Date Placeholder 3">
+            <a:extLst>
+              <a:ext uri="{FF2B5EF4-FFF2-40B4-BE49-F238E27FC236}">
+                <a16:creationId xmlns:a16="http://schemas.microsoft.com/office/drawing/2014/main" id="{F55708B5-5B20-5F6F-BF22-D89EE6D701BF}"/>
+              </a:ext>
+            </a:extLst>
+          </p:cNvPr>
+          <p:cNvSpPr>
+            <a:spLocks noGrp="1"/>
+          </p:cNvSpPr>
+          <p:nvPr>
+            <p:ph type="dt" sz="half" idx="10"/>
+          </p:nvPr>
+        </p:nvSpPr>
+        <p:spPr/>
+        <p:txBody>
+          <a:bodyPr/>
+          <a:lstStyle/>
+          <a:p>
+            <a:fld id="{89841B3F-66A4-9C45-87AB-66D8F6D42F91}" type="datetime1">
+              <a:rPr lang="en-CA" smtClean="0"/>
+              <a:t>2022-06-26</a:t>
+            </a:fld>
+            <a:endParaRPr lang="en-US"/>
+          </a:p>
+        </p:txBody>
+      </p:sp>
+      <p:sp>
+        <p:nvSpPr>
+          <p:cNvPr id="5" name="Footer Placeholder 4">
+            <a:extLst>
+              <a:ext uri="{FF2B5EF4-FFF2-40B4-BE49-F238E27FC236}">
+                <a16:creationId xmlns:a16="http://schemas.microsoft.com/office/drawing/2014/main" id="{E395B369-3978-191F-5F49-EC5794D56AB4}"/>
+              </a:ext>
+            </a:extLst>
+          </p:cNvPr>
+          <p:cNvSpPr>
+            <a:spLocks noGrp="1"/>
+          </p:cNvSpPr>
+          <p:nvPr>
+            <p:ph type="ftr" sz="quarter" idx="11"/>
+          </p:nvPr>
+        </p:nvSpPr>
+        <p:spPr/>
+        <p:txBody>
+          <a:bodyPr/>
+          <a:lstStyle/>
+          <a:p>
+            <a:r>
+              <a:rPr lang="en-US"/>
+              <a:t>CoDaWorks 2022</a:t>
+            </a:r>
+          </a:p>
+        </p:txBody>
+      </p:sp>
+      <mc:AlternateContent xmlns:mc="http://schemas.openxmlformats.org/markup-compatibility/2006">
+        <mc:Choice xmlns:p14="http://schemas.microsoft.com/office/powerpoint/2010/main" Requires="p14">
+          <p:contentPart p14:bwMode="auto" r:id="rId3">
+            <p14:nvContentPartPr>
+              <p14:cNvPr id="34" name="Ink 33">
+                <a:extLst>
+                  <a:ext uri="{FF2B5EF4-FFF2-40B4-BE49-F238E27FC236}">
+                    <a16:creationId xmlns:a16="http://schemas.microsoft.com/office/drawing/2014/main" id="{6A00E6F6-C523-BFB9-4C88-D5589F300986}"/>
+                  </a:ext>
+                </a:extLst>
+              </p14:cNvPr>
+              <p14:cNvContentPartPr/>
+              <p14:nvPr/>
+            </p14:nvContentPartPr>
+            <p14:xfrm>
+              <a:off x="1014069" y="1347223"/>
+              <a:ext cx="2746800" cy="35280"/>
+            </p14:xfrm>
+          </p:contentPart>
+        </mc:Choice>
+        <mc:Fallback>
+          <p:pic>
+            <p:nvPicPr>
+              <p:cNvPr id="34" name="Ink 33">
+                <a:extLst>
+                  <a:ext uri="{FF2B5EF4-FFF2-40B4-BE49-F238E27FC236}">
+                    <a16:creationId xmlns:a16="http://schemas.microsoft.com/office/drawing/2014/main" id="{6A00E6F6-C523-BFB9-4C88-D5589F300986}"/>
+                  </a:ext>
+                </a:extLst>
+              </p:cNvPr>
+              <p:cNvPicPr/>
+              <p:nvPr/>
+            </p:nvPicPr>
+            <p:blipFill>
+              <a:blip r:embed="rId4"/>
+              <a:stretch>
+                <a:fillRect/>
+              </a:stretch>
+            </p:blipFill>
+            <p:spPr>
+              <a:xfrm>
+                <a:off x="942060" y="1201738"/>
+                <a:ext cx="2890459" cy="325885"/>
+              </a:xfrm>
+              <a:prstGeom prst="rect">
+                <a:avLst/>
+              </a:prstGeom>
+            </p:spPr>
+          </p:pic>
+        </mc:Fallback>
+      </mc:AlternateContent>
+      <p:sp>
+        <p:nvSpPr>
+          <p:cNvPr id="9" name="TextBox 8">
+            <a:extLst>
+              <a:ext uri="{FF2B5EF4-FFF2-40B4-BE49-F238E27FC236}">
+                <a16:creationId xmlns:a16="http://schemas.microsoft.com/office/drawing/2014/main" id="{C9CA8683-0D72-435E-1BE9-9B22BABD1F3A}"/>
+              </a:ext>
+            </a:extLst>
+          </p:cNvPr>
+          <p:cNvSpPr txBox="1"/>
+          <p:nvPr/>
+        </p:nvSpPr>
+        <p:spPr>
+          <a:xfrm>
+            <a:off x="2707214" y="1788809"/>
+            <a:ext cx="530915" cy="369332"/>
+          </a:xfrm>
+          <a:prstGeom prst="rect">
+            <a:avLst/>
+          </a:prstGeom>
+          <a:noFill/>
+        </p:spPr>
+        <p:txBody>
+          <a:bodyPr wrap="none" rtlCol="0">
+            <a:spAutoFit/>
+          </a:bodyPr>
+          <a:lstStyle/>
+          <a:p>
+            <a:r>
+              <a:rPr lang="en-US" dirty="0"/>
+              <a:t>CLR</a:t>
+            </a:r>
+          </a:p>
+        </p:txBody>
+      </p:sp>
+      <p:sp>
+        <p:nvSpPr>
+          <p:cNvPr id="33" name="TextBox 32">
+            <a:extLst>
+              <a:ext uri="{FF2B5EF4-FFF2-40B4-BE49-F238E27FC236}">
+                <a16:creationId xmlns:a16="http://schemas.microsoft.com/office/drawing/2014/main" id="{86D4976C-A14E-7383-9FB0-EA0B3043A3A0}"/>
+              </a:ext>
+            </a:extLst>
+          </p:cNvPr>
+          <p:cNvSpPr txBox="1"/>
+          <p:nvPr/>
+        </p:nvSpPr>
+        <p:spPr>
+          <a:xfrm>
+            <a:off x="6356865" y="1886930"/>
+            <a:ext cx="1045479" cy="369332"/>
+          </a:xfrm>
+          <a:prstGeom prst="rect">
+            <a:avLst/>
+          </a:prstGeom>
+          <a:noFill/>
+        </p:spPr>
+        <p:txBody>
+          <a:bodyPr wrap="none" rtlCol="0">
+            <a:spAutoFit/>
+          </a:bodyPr>
+          <a:lstStyle/>
+          <a:p>
+            <a:r>
+              <a:rPr lang="en-US" dirty="0"/>
+              <a:t>TMM-log</a:t>
+            </a:r>
+          </a:p>
+        </p:txBody>
+      </p:sp>
+      <p:pic>
+        <p:nvPicPr>
+          <p:cNvPr id="8" name="Picture 7">
+            <a:extLst>
+              <a:ext uri="{FF2B5EF4-FFF2-40B4-BE49-F238E27FC236}">
+                <a16:creationId xmlns:a16="http://schemas.microsoft.com/office/drawing/2014/main" id="{50B28ED6-F97B-EC04-35A7-85F79A292897}"/>
+              </a:ext>
+            </a:extLst>
+          </p:cNvPr>
+          <p:cNvPicPr>
+            <a:picLocks noChangeAspect="1"/>
+          </p:cNvPicPr>
+          <p:nvPr/>
+        </p:nvPicPr>
+        <p:blipFill>
+          <a:blip r:embed="rId5"/>
+          <a:stretch>
+            <a:fillRect/>
+          </a:stretch>
+        </p:blipFill>
+        <p:spPr>
+          <a:xfrm>
+            <a:off x="768350" y="996951"/>
+            <a:ext cx="0" cy="0"/>
+          </a:xfrm>
+          <a:prstGeom prst="rect">
+            <a:avLst/>
+          </a:prstGeom>
+        </p:spPr>
+      </p:pic>
+      <p:pic>
+        <p:nvPicPr>
+          <p:cNvPr id="15" name="Picture 14">
+            <a:extLst>
+              <a:ext uri="{FF2B5EF4-FFF2-40B4-BE49-F238E27FC236}">
+                <a16:creationId xmlns:a16="http://schemas.microsoft.com/office/drawing/2014/main" id="{4CE0F2E3-7A8B-23C9-3D50-7EBEFFEC98C3}"/>
+              </a:ext>
+            </a:extLst>
+          </p:cNvPr>
+          <p:cNvPicPr>
+            <a:picLocks noChangeAspect="1"/>
+          </p:cNvPicPr>
+          <p:nvPr/>
+        </p:nvPicPr>
+        <p:blipFill>
+          <a:blip r:embed="rId6"/>
           <a:stretch>
             <a:fillRect/>
           </a:stretch>
@@ -6888,7 +7230,7 @@
     </p:spTree>
     <p:extLst>
       <p:ext uri="{BB962C8B-B14F-4D97-AF65-F5344CB8AC3E}">
-        <p14:creationId xmlns:p14="http://schemas.microsoft.com/office/powerpoint/2010/main" val="516494"/>
+        <p14:creationId xmlns:p14="http://schemas.microsoft.com/office/powerpoint/2010/main" val="3706618582"/>
       </p:ext>
     </p:extLst>
   </p:cSld>
@@ -6898,7 +7240,7 @@
 </p:sld>
 </file>
 
-<file path=ppt/slides/slide11.xml><?xml version="1.0" encoding="utf-8"?>
+<file path=ppt/slides/slide12.xml><?xml version="1.0" encoding="utf-8"?>
 <p:sld xmlns:a="http://schemas.openxmlformats.org/drawingml/2006/main" xmlns:r="http://schemas.openxmlformats.org/officeDocument/2006/relationships" xmlns:p="http://schemas.openxmlformats.org/presentationml/2006/main">
   <p:cSld>
     <p:spTree>
@@ -8573,7 +8915,7 @@
 </p:sld>
 </file>
 
-<file path=ppt/slides/slide12.xml><?xml version="1.0" encoding="utf-8"?>
+<file path=ppt/slides/slide13.xml><?xml version="1.0" encoding="utf-8"?>
 <p:sld xmlns:a="http://schemas.openxmlformats.org/drawingml/2006/main" xmlns:r="http://schemas.openxmlformats.org/officeDocument/2006/relationships" xmlns:p="http://schemas.openxmlformats.org/presentationml/2006/main">
   <p:cSld>
     <p:spTree>
@@ -10125,7 +10467,7 @@
 </p:sld>
 </file>
 
-<file path=ppt/slides/slide13.xml><?xml version="1.0" encoding="utf-8"?>
+<file path=ppt/slides/slide14.xml><?xml version="1.0" encoding="utf-8"?>
 <p:sld xmlns:a="http://schemas.openxmlformats.org/drawingml/2006/main" xmlns:r="http://schemas.openxmlformats.org/officeDocument/2006/relationships" xmlns:p="http://schemas.openxmlformats.org/presentationml/2006/main">
   <p:cSld>
     <p:spTree>
@@ -11677,7 +12019,7 @@
 </p:sld>
 </file>
 
-<file path=ppt/slides/slide14.xml><?xml version="1.0" encoding="utf-8"?>
+<file path=ppt/slides/slide15.xml><?xml version="1.0" encoding="utf-8"?>
 <p:sld xmlns:a="http://schemas.openxmlformats.org/drawingml/2006/main" xmlns:r="http://schemas.openxmlformats.org/officeDocument/2006/relationships" xmlns:p="http://schemas.openxmlformats.org/presentationml/2006/main">
   <p:cSld>
     <p:spTree>
@@ -11745,7 +12087,7 @@
           <a:p>
             <a:r>
               <a:rPr lang="en-US" dirty="0" err="1"/>
-              <a:t>Github</a:t>
+              <a:t>github</a:t>
             </a:r>
             <a:r>
               <a:rPr lang="en-US" dirty="0"/>
@@ -11769,7 +12111,7 @@
             <a:pPr lvl="1"/>
             <a:r>
               <a:rPr lang="en-US" dirty="0"/>
-              <a:t>R packages</a:t>
+              <a:t>R package</a:t>
             </a:r>
           </a:p>
           <a:p>
@@ -11787,9 +12129,13 @@
             </a:r>
           </a:p>
           <a:p>
+            <a:pPr lvl="1"/>
+            <a:endParaRPr lang="en-US" dirty="0"/>
+          </a:p>
+          <a:p>
             <a:r>
               <a:rPr lang="en-US" dirty="0" err="1"/>
-              <a:t>Github</a:t>
+              <a:t>github</a:t>
             </a:r>
             <a:r>
               <a:rPr lang="en-US" dirty="0"/>
@@ -11910,7 +12256,7 @@
 </p:sld>
 </file>
 
-<file path=ppt/slides/slide15.xml><?xml version="1.0" encoding="utf-8"?>
+<file path=ppt/slides/slide16.xml><?xml version="1.0" encoding="utf-8"?>
 <p:sld xmlns:a="http://schemas.openxmlformats.org/drawingml/2006/main" xmlns:r="http://schemas.openxmlformats.org/officeDocument/2006/relationships" xmlns:p="http://schemas.openxmlformats.org/presentationml/2006/main">
   <p:cSld>
     <p:spTree>
@@ -12003,7 +12349,9 @@
         </p:nvSpPr>
         <p:spPr/>
         <p:txBody>
-          <a:bodyPr/>
+          <a:bodyPr>
+            <a:normAutofit fontScale="92500" lnSpcReduction="10000"/>
+          </a:bodyPr>
           <a:lstStyle/>
           <a:p>
             <a:r>
@@ -12020,6 +12368,20 @@
           <a:p>
             <a:r>
               <a:rPr lang="en-US" dirty="0"/>
+              <a:t>Distance dominance </a:t>
+            </a:r>
+            <a:r>
+              <a:rPr lang="en-US"/>
+              <a:t>is nearly universally </a:t>
+            </a:r>
+            <a:r>
+              <a:rPr lang="en-US" dirty="0"/>
+              <a:t>achievable</a:t>
+            </a:r>
+          </a:p>
+          <a:p>
+            <a:r>
+              <a:rPr lang="en-US" dirty="0"/>
               <a:t>Data normalizations often fail unpredictably</a:t>
             </a:r>
           </a:p>
@@ -12055,7 +12417,13 @@
             <a:pPr lvl="1"/>
             <a:r>
               <a:rPr lang="en-US" dirty="0"/>
-              <a:t>Sparsity is the enemy of perfection</a:t>
+              <a:t>Sparsity is the enemy of perfection </a:t>
+            </a:r>
+          </a:p>
+          <a:p>
+            <a:r>
+              <a:rPr lang="en-US" dirty="0"/>
+              <a:t>‘Show and tell’ should be more convincing than ‘go and read’</a:t>
             </a:r>
           </a:p>
           <a:p>
@@ -12362,7 +12730,7 @@
           <a:p>
             <a:r>
               <a:rPr lang="en-US" dirty="0"/>
-              <a:t>Count data are sausage contents</a:t>
+              <a:t>Count data are like sausage contents</a:t>
             </a:r>
           </a:p>
         </p:txBody>
@@ -12397,7 +12765,7 @@
           <a:p>
             <a:r>
               <a:rPr lang="en-US" dirty="0"/>
-              <a:t>Microbiome	</a:t>
+              <a:t>microbiome	</a:t>
             </a:r>
           </a:p>
           <a:p>
@@ -12409,13 +12777,13 @@
           <a:p>
             <a:r>
               <a:rPr lang="en-US" dirty="0"/>
-              <a:t>Metagenome</a:t>
+              <a:t>metagenome</a:t>
             </a:r>
           </a:p>
           <a:p>
             <a:r>
               <a:rPr lang="en-US" dirty="0"/>
-              <a:t>Single cell</a:t>
+              <a:t>single cell</a:t>
             </a:r>
           </a:p>
           <a:p>
@@ -12855,7 +13223,7 @@
             <a:pPr lvl="2"/>
             <a:r>
               <a:rPr lang="en-US" dirty="0"/>
-              <a:t>v 5x change </a:t>
+              <a:t>v 5x change and GBM</a:t>
             </a:r>
           </a:p>
           <a:p>
@@ -13385,66 +13753,6 @@
           <a:chExt cx="0" cy="0"/>
         </a:xfrm>
       </p:grpSpPr>
-      <p:pic>
-        <p:nvPicPr>
-          <p:cNvPr id="35" name="Picture 34">
-            <a:extLst>
-              <a:ext uri="{FF2B5EF4-FFF2-40B4-BE49-F238E27FC236}">
-                <a16:creationId xmlns:a16="http://schemas.microsoft.com/office/drawing/2014/main" id="{013E2335-BD73-6F56-EF24-89FC921297E2}"/>
-              </a:ext>
-            </a:extLst>
-          </p:cNvPr>
-          <p:cNvPicPr>
-            <a:picLocks noChangeAspect="1"/>
-          </p:cNvPicPr>
-          <p:nvPr/>
-        </p:nvPicPr>
-        <p:blipFill>
-          <a:blip r:embed="rId2"/>
-          <a:stretch>
-            <a:fillRect/>
-          </a:stretch>
-        </p:blipFill>
-        <p:spPr>
-          <a:xfrm>
-            <a:off x="6247170" y="1635940"/>
-            <a:ext cx="5400000" cy="2269940"/>
-          </a:xfrm>
-          <a:prstGeom prst="rect">
-            <a:avLst/>
-          </a:prstGeom>
-        </p:spPr>
-      </p:pic>
-      <p:pic>
-        <p:nvPicPr>
-          <p:cNvPr id="12" name="Picture 11">
-            <a:extLst>
-              <a:ext uri="{FF2B5EF4-FFF2-40B4-BE49-F238E27FC236}">
-                <a16:creationId xmlns:a16="http://schemas.microsoft.com/office/drawing/2014/main" id="{AF05203B-FD24-DA6C-4BF2-3A7ED5E5B489}"/>
-              </a:ext>
-            </a:extLst>
-          </p:cNvPr>
-          <p:cNvPicPr>
-            <a:picLocks noChangeAspect="1"/>
-          </p:cNvPicPr>
-          <p:nvPr/>
-        </p:nvPicPr>
-        <p:blipFill>
-          <a:blip r:embed="rId3"/>
-          <a:stretch>
-            <a:fillRect/>
-          </a:stretch>
-        </p:blipFill>
-        <p:spPr>
-          <a:xfrm>
-            <a:off x="6247170" y="3950244"/>
-            <a:ext cx="5400000" cy="2443468"/>
-          </a:xfrm>
-          <a:prstGeom prst="rect">
-            <a:avLst/>
-          </a:prstGeom>
-        </p:spPr>
-      </p:pic>
       <p:sp>
         <p:nvSpPr>
           <p:cNvPr id="2" name="Title 1">
@@ -13468,7 +13776,7 @@
           <a:p>
             <a:r>
               <a:rPr lang="en-US" dirty="0"/>
-              <a:t>Selex dataset: distance dominance </a:t>
+              <a:t>Selex dataset: coherence </a:t>
             </a:r>
           </a:p>
         </p:txBody>
@@ -13494,7 +13802,7 @@
           <a:bodyPr/>
           <a:lstStyle/>
           <a:p>
-            <a:fld id="{F26C0F31-670A-584E-B53C-822F952A9C79}" type="datetime1">
+            <a:fld id="{89841B3F-66A4-9C45-87AB-66D8F6D42F91}" type="datetime1">
               <a:rPr lang="en-CA" smtClean="0"/>
               <a:t>2022-06-26</a:t>
             </a:fld>
@@ -13532,7 +13840,7 @@
       </p:sp>
       <mc:AlternateContent xmlns:mc="http://schemas.openxmlformats.org/markup-compatibility/2006">
         <mc:Choice xmlns:p14="http://schemas.microsoft.com/office/powerpoint/2010/main" Requires="p14">
-          <p:contentPart p14:bwMode="auto" r:id="rId4">
+          <p:contentPart p14:bwMode="auto" r:id="rId2">
             <p14:nvContentPartPr>
               <p14:cNvPr id="34" name="Ink 33">
                 <a:extLst>
@@ -13564,7 +13872,7 @@
               <p:nvPr/>
             </p:nvPicPr>
             <p:blipFill>
-              <a:blip r:embed="rId5"/>
+              <a:blip r:embed="rId3"/>
               <a:stretch>
                 <a:fillRect/>
               </a:stretch>
@@ -13581,36 +13889,6 @@
           </p:pic>
         </mc:Fallback>
       </mc:AlternateContent>
-      <p:pic>
-        <p:nvPicPr>
-          <p:cNvPr id="3" name="Picture 2">
-            <a:extLst>
-              <a:ext uri="{FF2B5EF4-FFF2-40B4-BE49-F238E27FC236}">
-                <a16:creationId xmlns:a16="http://schemas.microsoft.com/office/drawing/2014/main" id="{BFC1DBD6-DA2E-6AE6-47D3-07BE0E55BCD4}"/>
-              </a:ext>
-            </a:extLst>
-          </p:cNvPr>
-          <p:cNvPicPr>
-            <a:picLocks noChangeAspect="1"/>
-          </p:cNvPicPr>
-          <p:nvPr/>
-        </p:nvPicPr>
-        <p:blipFill>
-          <a:blip r:embed="rId6"/>
-          <a:stretch>
-            <a:fillRect/>
-          </a:stretch>
-        </p:blipFill>
-        <p:spPr>
-          <a:xfrm>
-            <a:off x="696000" y="2125664"/>
-            <a:ext cx="5400000" cy="2482310"/>
-          </a:xfrm>
-          <a:prstGeom prst="rect">
-            <a:avLst/>
-          </a:prstGeom>
-        </p:spPr>
-      </p:pic>
       <p:sp>
         <p:nvSpPr>
           <p:cNvPr id="9" name="TextBox 8">
@@ -13625,7 +13903,7 @@
         </p:nvSpPr>
         <p:spPr>
           <a:xfrm>
-            <a:off x="1332411" y="2364601"/>
+            <a:off x="2707214" y="1788809"/>
             <a:ext cx="530915" cy="369332"/>
           </a:xfrm>
           <a:prstGeom prst="rect">
@@ -13660,7 +13938,7 @@
         </p:nvSpPr>
         <p:spPr>
           <a:xfrm>
-            <a:off x="6793802" y="4087090"/>
+            <a:off x="6356865" y="1886930"/>
             <a:ext cx="1045479" cy="369332"/>
           </a:xfrm>
           <a:prstGeom prst="rect">
@@ -13681,47 +13959,12 @@
           </a:p>
         </p:txBody>
       </p:sp>
-      <p:sp>
-        <p:nvSpPr>
-          <p:cNvPr id="36" name="TextBox 35">
-            <a:extLst>
-              <a:ext uri="{FF2B5EF4-FFF2-40B4-BE49-F238E27FC236}">
-                <a16:creationId xmlns:a16="http://schemas.microsoft.com/office/drawing/2014/main" id="{FC8502E3-6232-B762-C255-0562BF570A95}"/>
-              </a:ext>
-            </a:extLst>
-          </p:cNvPr>
-          <p:cNvSpPr txBox="1"/>
-          <p:nvPr/>
-        </p:nvSpPr>
-        <p:spPr>
-          <a:xfrm>
-            <a:off x="6793802" y="2071596"/>
-            <a:ext cx="691215" cy="369332"/>
-          </a:xfrm>
-          <a:prstGeom prst="rect">
-            <a:avLst/>
-          </a:prstGeom>
-          <a:noFill/>
-        </p:spPr>
-        <p:txBody>
-          <a:bodyPr wrap="none" rtlCol="0">
-            <a:spAutoFit/>
-          </a:bodyPr>
-          <a:lstStyle/>
-          <a:p>
-            <a:r>
-              <a:rPr lang="en-US" dirty="0"/>
-              <a:t>TMM</a:t>
-            </a:r>
-          </a:p>
-        </p:txBody>
-      </p:sp>
       <p:pic>
         <p:nvPicPr>
-          <p:cNvPr id="13" name="Picture 12">
-            <a:extLst>
-              <a:ext uri="{FF2B5EF4-FFF2-40B4-BE49-F238E27FC236}">
-                <a16:creationId xmlns:a16="http://schemas.microsoft.com/office/drawing/2014/main" id="{F9FABDEA-B44D-0E0C-172B-2B8C68BB5F83}"/>
+          <p:cNvPr id="8" name="Picture 7">
+            <a:extLst>
+              <a:ext uri="{FF2B5EF4-FFF2-40B4-BE49-F238E27FC236}">
+                <a16:creationId xmlns:a16="http://schemas.microsoft.com/office/drawing/2014/main" id="{50B28ED6-F97B-EC04-35A7-85F79A292897}"/>
               </a:ext>
             </a:extLst>
           </p:cNvPr>
@@ -13731,7 +13974,37 @@
           <p:nvPr/>
         </p:nvPicPr>
         <p:blipFill>
-          <a:blip r:embed="rId7"/>
+          <a:blip r:embed="rId4"/>
+          <a:stretch>
+            <a:fillRect/>
+          </a:stretch>
+        </p:blipFill>
+        <p:spPr>
+          <a:xfrm>
+            <a:off x="768350" y="996951"/>
+            <a:ext cx="0" cy="0"/>
+          </a:xfrm>
+          <a:prstGeom prst="rect">
+            <a:avLst/>
+          </a:prstGeom>
+        </p:spPr>
+      </p:pic>
+      <p:pic>
+        <p:nvPicPr>
+          <p:cNvPr id="15" name="Picture 14">
+            <a:extLst>
+              <a:ext uri="{FF2B5EF4-FFF2-40B4-BE49-F238E27FC236}">
+                <a16:creationId xmlns:a16="http://schemas.microsoft.com/office/drawing/2014/main" id="{4CE0F2E3-7A8B-23C9-3D50-7EBEFFEC98C3}"/>
+              </a:ext>
+            </a:extLst>
+          </p:cNvPr>
+          <p:cNvPicPr>
+            <a:picLocks noChangeAspect="1"/>
+          </p:cNvPicPr>
+          <p:nvPr/>
+        </p:nvPicPr>
+        <p:blipFill>
+          <a:blip r:embed="rId5"/>
           <a:stretch>
             <a:fillRect/>
           </a:stretch>
@@ -13746,10 +14019,40 @@
           </a:prstGeom>
         </p:spPr>
       </p:pic>
+      <p:pic>
+        <p:nvPicPr>
+          <p:cNvPr id="16" name="Picture 15">
+            <a:extLst>
+              <a:ext uri="{FF2B5EF4-FFF2-40B4-BE49-F238E27FC236}">
+                <a16:creationId xmlns:a16="http://schemas.microsoft.com/office/drawing/2014/main" id="{A67CC452-1C60-1F37-EEEA-CF6929D65A20}"/>
+              </a:ext>
+            </a:extLst>
+          </p:cNvPr>
+          <p:cNvPicPr>
+            <a:picLocks noChangeAspect="1"/>
+          </p:cNvPicPr>
+          <p:nvPr/>
+        </p:nvPicPr>
+        <p:blipFill>
+          <a:blip r:embed="rId6"/>
+          <a:stretch>
+            <a:fillRect/>
+          </a:stretch>
+        </p:blipFill>
+        <p:spPr>
+          <a:xfrm>
+            <a:off x="1954410" y="2256262"/>
+            <a:ext cx="7200000" cy="3860737"/>
+          </a:xfrm>
+          <a:prstGeom prst="rect">
+            <a:avLst/>
+          </a:prstGeom>
+        </p:spPr>
+      </p:pic>
     </p:spTree>
     <p:extLst>
       <p:ext uri="{BB962C8B-B14F-4D97-AF65-F5344CB8AC3E}">
-        <p14:creationId xmlns:p14="http://schemas.microsoft.com/office/powerpoint/2010/main" val="2450032005"/>
+        <p14:creationId xmlns:p14="http://schemas.microsoft.com/office/powerpoint/2010/main" val="516494"/>
       </p:ext>
     </p:extLst>
   </p:cSld>
@@ -13776,66 +14079,6 @@
           <a:chExt cx="0" cy="0"/>
         </a:xfrm>
       </p:grpSpPr>
-      <p:pic>
-        <p:nvPicPr>
-          <p:cNvPr id="10" name="Picture 9">
-            <a:extLst>
-              <a:ext uri="{FF2B5EF4-FFF2-40B4-BE49-F238E27FC236}">
-                <a16:creationId xmlns:a16="http://schemas.microsoft.com/office/drawing/2014/main" id="{846B159B-8671-057E-921B-5EBA7CDB7499}"/>
-              </a:ext>
-            </a:extLst>
-          </p:cNvPr>
-          <p:cNvPicPr>
-            <a:picLocks noChangeAspect="1"/>
-          </p:cNvPicPr>
-          <p:nvPr/>
-        </p:nvPicPr>
-        <p:blipFill>
-          <a:blip r:embed="rId2"/>
-          <a:stretch>
-            <a:fillRect/>
-          </a:stretch>
-        </p:blipFill>
-        <p:spPr>
-          <a:xfrm>
-            <a:off x="696000" y="1917136"/>
-            <a:ext cx="5400000" cy="2564354"/>
-          </a:xfrm>
-          <a:prstGeom prst="rect">
-            <a:avLst/>
-          </a:prstGeom>
-        </p:spPr>
-      </p:pic>
-      <p:pic>
-        <p:nvPicPr>
-          <p:cNvPr id="6" name="Picture 5">
-            <a:extLst>
-              <a:ext uri="{FF2B5EF4-FFF2-40B4-BE49-F238E27FC236}">
-                <a16:creationId xmlns:a16="http://schemas.microsoft.com/office/drawing/2014/main" id="{74CB402A-7621-F0F5-3E94-3BAE22B95DE6}"/>
-              </a:ext>
-            </a:extLst>
-          </p:cNvPr>
-          <p:cNvPicPr>
-            <a:picLocks noChangeAspect="1"/>
-          </p:cNvPicPr>
-          <p:nvPr/>
-        </p:nvPicPr>
-        <p:blipFill>
-          <a:blip r:embed="rId3"/>
-          <a:stretch>
-            <a:fillRect/>
-          </a:stretch>
-        </p:blipFill>
-        <p:spPr>
-          <a:xfrm>
-            <a:off x="6228120" y="3590616"/>
-            <a:ext cx="5400000" cy="2539286"/>
-          </a:xfrm>
-          <a:prstGeom prst="rect">
-            <a:avLst/>
-          </a:prstGeom>
-        </p:spPr>
-      </p:pic>
       <p:sp>
         <p:nvSpPr>
           <p:cNvPr id="2" name="Title 1">
@@ -13859,7 +14102,7 @@
           <a:p>
             <a:r>
               <a:rPr lang="en-US" dirty="0"/>
-              <a:t>Selex dataset: coherence </a:t>
+              <a:t>Selex dataset: perturbation invariance </a:t>
             </a:r>
           </a:p>
         </p:txBody>
@@ -13885,7 +14128,7 @@
           <a:bodyPr/>
           <a:lstStyle/>
           <a:p>
-            <a:fld id="{C46B9A5A-245C-8144-BA4D-1812098436E0}" type="datetime1">
+            <a:fld id="{89841B3F-66A4-9C45-87AB-66D8F6D42F91}" type="datetime1">
               <a:rPr lang="en-CA" smtClean="0"/>
               <a:t>2022-06-26</a:t>
             </a:fld>
@@ -13923,7 +14166,7 @@
       </p:sp>
       <mc:AlternateContent xmlns:mc="http://schemas.openxmlformats.org/markup-compatibility/2006">
         <mc:Choice xmlns:p14="http://schemas.microsoft.com/office/powerpoint/2010/main" Requires="p14">
-          <p:contentPart p14:bwMode="auto" r:id="rId4">
+          <p:contentPart p14:bwMode="auto" r:id="rId2">
             <p14:nvContentPartPr>
               <p14:cNvPr id="34" name="Ink 33">
                 <a:extLst>
@@ -13955,7 +14198,7 @@
               <p:nvPr/>
             </p:nvPicPr>
             <p:blipFill>
-              <a:blip r:embed="rId5"/>
+              <a:blip r:embed="rId3"/>
               <a:stretch>
                 <a:fillRect/>
               </a:stretch>
@@ -13986,7 +14229,7 @@
         </p:nvSpPr>
         <p:spPr>
           <a:xfrm>
-            <a:off x="1332411" y="2364601"/>
+            <a:off x="2707214" y="1788809"/>
             <a:ext cx="530915" cy="369332"/>
           </a:xfrm>
           <a:prstGeom prst="rect">
@@ -14021,8 +14264,8 @@
         </p:nvSpPr>
         <p:spPr>
           <a:xfrm>
-            <a:off x="6793802" y="4087090"/>
-            <a:ext cx="691215" cy="369332"/>
+            <a:off x="6356865" y="1886930"/>
+            <a:ext cx="1045479" cy="369332"/>
           </a:xfrm>
           <a:prstGeom prst="rect">
             <a:avLst/>
@@ -14037,17 +14280,17 @@
           <a:p>
             <a:r>
               <a:rPr lang="en-US" dirty="0"/>
-              <a:t>TMM</a:t>
+              <a:t>TMM-log</a:t>
             </a:r>
           </a:p>
         </p:txBody>
       </p:sp>
       <p:pic>
         <p:nvPicPr>
-          <p:cNvPr id="13" name="Picture 12">
-            <a:extLst>
-              <a:ext uri="{FF2B5EF4-FFF2-40B4-BE49-F238E27FC236}">
-                <a16:creationId xmlns:a16="http://schemas.microsoft.com/office/drawing/2014/main" id="{A50D334E-1C58-7F9E-486D-D6AD0FED17C2}"/>
+          <p:cNvPr id="8" name="Picture 7">
+            <a:extLst>
+              <a:ext uri="{FF2B5EF4-FFF2-40B4-BE49-F238E27FC236}">
+                <a16:creationId xmlns:a16="http://schemas.microsoft.com/office/drawing/2014/main" id="{50B28ED6-F97B-EC04-35A7-85F79A292897}"/>
               </a:ext>
             </a:extLst>
           </p:cNvPr>
@@ -14057,7 +14300,37 @@
           <p:nvPr/>
         </p:nvPicPr>
         <p:blipFill>
-          <a:blip r:embed="rId6"/>
+          <a:blip r:embed="rId4"/>
+          <a:stretch>
+            <a:fillRect/>
+          </a:stretch>
+        </p:blipFill>
+        <p:spPr>
+          <a:xfrm>
+            <a:off x="768350" y="996951"/>
+            <a:ext cx="0" cy="0"/>
+          </a:xfrm>
+          <a:prstGeom prst="rect">
+            <a:avLst/>
+          </a:prstGeom>
+        </p:spPr>
+      </p:pic>
+      <p:pic>
+        <p:nvPicPr>
+          <p:cNvPr id="15" name="Picture 14">
+            <a:extLst>
+              <a:ext uri="{FF2B5EF4-FFF2-40B4-BE49-F238E27FC236}">
+                <a16:creationId xmlns:a16="http://schemas.microsoft.com/office/drawing/2014/main" id="{4CE0F2E3-7A8B-23C9-3D50-7EBEFFEC98C3}"/>
+              </a:ext>
+            </a:extLst>
+          </p:cNvPr>
+          <p:cNvPicPr>
+            <a:picLocks noChangeAspect="1"/>
+          </p:cNvPicPr>
+          <p:nvPr/>
+        </p:nvPicPr>
+        <p:blipFill>
+          <a:blip r:embed="rId5"/>
           <a:stretch>
             <a:fillRect/>
           </a:stretch>
@@ -14072,10 +14345,40 @@
           </a:prstGeom>
         </p:spPr>
       </p:pic>
+      <p:pic>
+        <p:nvPicPr>
+          <p:cNvPr id="6" name="Picture 5">
+            <a:extLst>
+              <a:ext uri="{FF2B5EF4-FFF2-40B4-BE49-F238E27FC236}">
+                <a16:creationId xmlns:a16="http://schemas.microsoft.com/office/drawing/2014/main" id="{3F88CFE7-F1C8-677C-1165-4EEB5984A3E5}"/>
+              </a:ext>
+            </a:extLst>
+          </p:cNvPr>
+          <p:cNvPicPr>
+            <a:picLocks noChangeAspect="1"/>
+          </p:cNvPicPr>
+          <p:nvPr/>
+        </p:nvPicPr>
+        <p:blipFill>
+          <a:blip r:embed="rId6"/>
+          <a:stretch>
+            <a:fillRect/>
+          </a:stretch>
+        </p:blipFill>
+        <p:spPr>
+          <a:xfrm>
+            <a:off x="1921159" y="2256262"/>
+            <a:ext cx="7200000" cy="3784615"/>
+          </a:xfrm>
+          <a:prstGeom prst="rect">
+            <a:avLst/>
+          </a:prstGeom>
+        </p:spPr>
+      </p:pic>
     </p:spTree>
     <p:extLst>
       <p:ext uri="{BB962C8B-B14F-4D97-AF65-F5344CB8AC3E}">
-        <p14:creationId xmlns:p14="http://schemas.microsoft.com/office/powerpoint/2010/main" val="683954926"/>
+        <p14:creationId xmlns:p14="http://schemas.microsoft.com/office/powerpoint/2010/main" val="1287742223"/>
       </p:ext>
     </p:extLst>
   </p:cSld>
